--- a/ppt/13-pca.pptx
+++ b/ppt/13-pca.pptx
@@ -5,7 +5,7 @@
     <p:sldMasterId id="2147483648" r:id="rId1"/>
   </p:sldMasterIdLst>
   <p:notesMasterIdLst>
-    <p:notesMasterId r:id="rId29"/>
+    <p:notesMasterId r:id="rId41"/>
   </p:notesMasterIdLst>
   <p:sldIdLst>
     <p:sldId id="257" r:id="rId2"/>
@@ -14,27 +14,39 @@
     <p:sldId id="308" r:id="rId5"/>
     <p:sldId id="281" r:id="rId6"/>
     <p:sldId id="282" r:id="rId7"/>
-    <p:sldId id="258" r:id="rId8"/>
-    <p:sldId id="261" r:id="rId9"/>
-    <p:sldId id="262" r:id="rId10"/>
-    <p:sldId id="270" r:id="rId11"/>
-    <p:sldId id="267" r:id="rId12"/>
-    <p:sldId id="322" r:id="rId13"/>
-    <p:sldId id="268" r:id="rId14"/>
-    <p:sldId id="271" r:id="rId15"/>
-    <p:sldId id="269" r:id="rId16"/>
-    <p:sldId id="396" r:id="rId17"/>
-    <p:sldId id="263" r:id="rId18"/>
-    <p:sldId id="264" r:id="rId19"/>
-    <p:sldId id="320" r:id="rId20"/>
+    <p:sldId id="401" r:id="rId8"/>
+    <p:sldId id="403" r:id="rId9"/>
+    <p:sldId id="416" r:id="rId10"/>
+    <p:sldId id="402" r:id="rId11"/>
+    <p:sldId id="404" r:id="rId12"/>
+    <p:sldId id="405" r:id="rId13"/>
+    <p:sldId id="406" r:id="rId14"/>
+    <p:sldId id="411" r:id="rId15"/>
+    <p:sldId id="410" r:id="rId16"/>
+    <p:sldId id="408" r:id="rId17"/>
+    <p:sldId id="407" r:id="rId18"/>
+    <p:sldId id="409" r:id="rId19"/>
+    <p:sldId id="412" r:id="rId20"/>
     <p:sldId id="272" r:id="rId21"/>
     <p:sldId id="395" r:id="rId22"/>
     <p:sldId id="394" r:id="rId23"/>
-    <p:sldId id="275" r:id="rId24"/>
-    <p:sldId id="276" r:id="rId25"/>
-    <p:sldId id="392" r:id="rId26"/>
-    <p:sldId id="386" r:id="rId27"/>
-    <p:sldId id="393" r:id="rId28"/>
+    <p:sldId id="261" r:id="rId24"/>
+    <p:sldId id="396" r:id="rId25"/>
+    <p:sldId id="262" r:id="rId26"/>
+    <p:sldId id="270" r:id="rId27"/>
+    <p:sldId id="269" r:id="rId28"/>
+    <p:sldId id="267" r:id="rId29"/>
+    <p:sldId id="322" r:id="rId30"/>
+    <p:sldId id="268" r:id="rId31"/>
+    <p:sldId id="271" r:id="rId32"/>
+    <p:sldId id="413" r:id="rId33"/>
+    <p:sldId id="275" r:id="rId34"/>
+    <p:sldId id="276" r:id="rId35"/>
+    <p:sldId id="414" r:id="rId36"/>
+    <p:sldId id="415" r:id="rId37"/>
+    <p:sldId id="392" r:id="rId38"/>
+    <p:sldId id="386" r:id="rId39"/>
+    <p:sldId id="393" r:id="rId40"/>
   </p:sldIdLst>
   <p:sldSz cx="9144000" cy="6858000" type="screen4x3"/>
   <p:notesSz cx="6858000" cy="9144000"/>
@@ -223,7 +235,7 @@
           <a:p>
             <a:fld id="{4644D646-6F71-45CA-83B2-626F3D11C26D}" type="datetimeFigureOut">
               <a:rPr lang="zh-CN" altLang="en-US" smtClean="0"/>
-              <a:t>2020/10/13</a:t>
+              <a:t>2022/9/19</a:t>
             </a:fld>
             <a:endParaRPr lang="zh-CN" altLang="en-US"/>
           </a:p>
@@ -555,7 +567,91 @@
           <a:p>
             <a:fld id="{2CCFDE2E-17B5-423F-87AC-F73882FC722B}" type="slidenum">
               <a:rPr lang="zh-CN" altLang="en-US" smtClean="0"/>
-              <a:t>23</a:t>
+              <a:t>32</a:t>
+            </a:fld>
+            <a:endParaRPr lang="zh-CN" altLang="en-US"/>
+          </a:p>
+        </p:txBody>
+      </p:sp>
+    </p:spTree>
+    <p:extLst>
+      <p:ext uri="{BB962C8B-B14F-4D97-AF65-F5344CB8AC3E}">
+        <p14:creationId xmlns:p14="http://schemas.microsoft.com/office/powerpoint/2010/main" val="1329083808"/>
+      </p:ext>
+    </p:extLst>
+  </p:cSld>
+  <p:clrMapOvr>
+    <a:masterClrMapping/>
+  </p:clrMapOvr>
+</p:notes>
+</file>
+
+<file path=ppt/notesSlides/notesSlide2.xml><?xml version="1.0" encoding="utf-8"?>
+<p:notes xmlns:a="http://schemas.openxmlformats.org/drawingml/2006/main" xmlns:r="http://schemas.openxmlformats.org/officeDocument/2006/relationships" xmlns:p="http://schemas.openxmlformats.org/presentationml/2006/main">
+  <p:cSld>
+    <p:spTree>
+      <p:nvGrpSpPr>
+        <p:cNvPr id="1" name=""/>
+        <p:cNvGrpSpPr/>
+        <p:nvPr/>
+      </p:nvGrpSpPr>
+      <p:grpSpPr>
+        <a:xfrm>
+          <a:off x="0" y="0"/>
+          <a:ext cx="0" cy="0"/>
+          <a:chOff x="0" y="0"/>
+          <a:chExt cx="0" cy="0"/>
+        </a:xfrm>
+      </p:grpSpPr>
+      <p:sp>
+        <p:nvSpPr>
+          <p:cNvPr id="2" name="幻灯片图像占位符 1"/>
+          <p:cNvSpPr>
+            <a:spLocks noGrp="1" noRot="1" noChangeAspect="1"/>
+          </p:cNvSpPr>
+          <p:nvPr>
+            <p:ph type="sldImg"/>
+          </p:nvPr>
+        </p:nvSpPr>
+        <p:spPr/>
+      </p:sp>
+      <p:sp>
+        <p:nvSpPr>
+          <p:cNvPr id="3" name="备注占位符 2"/>
+          <p:cNvSpPr>
+            <a:spLocks noGrp="1"/>
+          </p:cNvSpPr>
+          <p:nvPr>
+            <p:ph type="body" idx="1"/>
+          </p:nvPr>
+        </p:nvSpPr>
+        <p:spPr/>
+        <p:txBody>
+          <a:bodyPr/>
+          <a:lstStyle/>
+          <a:p>
+            <a:endParaRPr lang="zh-CN" altLang="en-US" dirty="0"/>
+          </a:p>
+        </p:txBody>
+      </p:sp>
+      <p:sp>
+        <p:nvSpPr>
+          <p:cNvPr id="4" name="灯片编号占位符 3"/>
+          <p:cNvSpPr>
+            <a:spLocks noGrp="1"/>
+          </p:cNvSpPr>
+          <p:nvPr>
+            <p:ph type="sldNum" sz="quarter" idx="10"/>
+          </p:nvPr>
+        </p:nvSpPr>
+        <p:spPr/>
+        <p:txBody>
+          <a:bodyPr/>
+          <a:lstStyle/>
+          <a:p>
+            <a:fld id="{2CCFDE2E-17B5-423F-87AC-F73882FC722B}" type="slidenum">
+              <a:rPr lang="zh-CN" altLang="en-US" smtClean="0"/>
+              <a:t>33</a:t>
             </a:fld>
             <a:endParaRPr lang="zh-CN" altLang="en-US"/>
           </a:p>
@@ -703,7 +799,7 @@
           <a:p>
             <a:fld id="{2C027D95-2389-4A97-A223-1471BBEB9B12}" type="datetimeFigureOut">
               <a:rPr lang="zh-CN" altLang="en-US" smtClean="0"/>
-              <a:t>2020/10/13</a:t>
+              <a:t>2022/9/19</a:t>
             </a:fld>
             <a:endParaRPr lang="zh-CN" altLang="en-US"/>
           </a:p>
@@ -871,7 +967,7 @@
           <a:p>
             <a:fld id="{2C027D95-2389-4A97-A223-1471BBEB9B12}" type="datetimeFigureOut">
               <a:rPr lang="zh-CN" altLang="en-US" smtClean="0"/>
-              <a:t>2020/10/13</a:t>
+              <a:t>2022/9/19</a:t>
             </a:fld>
             <a:endParaRPr lang="zh-CN" altLang="en-US"/>
           </a:p>
@@ -1049,7 +1145,7 @@
           <a:p>
             <a:fld id="{2C027D95-2389-4A97-A223-1471BBEB9B12}" type="datetimeFigureOut">
               <a:rPr lang="zh-CN" altLang="en-US" smtClean="0"/>
-              <a:t>2020/10/13</a:t>
+              <a:t>2022/9/19</a:t>
             </a:fld>
             <a:endParaRPr lang="zh-CN" altLang="en-US"/>
           </a:p>
@@ -1217,7 +1313,7 @@
           <a:p>
             <a:fld id="{2C027D95-2389-4A97-A223-1471BBEB9B12}" type="datetimeFigureOut">
               <a:rPr lang="zh-CN" altLang="en-US" smtClean="0"/>
-              <a:t>2020/10/13</a:t>
+              <a:t>2022/9/19</a:t>
             </a:fld>
             <a:endParaRPr lang="zh-CN" altLang="en-US"/>
           </a:p>
@@ -1462,7 +1558,7 @@
           <a:p>
             <a:fld id="{2C027D95-2389-4A97-A223-1471BBEB9B12}" type="datetimeFigureOut">
               <a:rPr lang="zh-CN" altLang="en-US" smtClean="0"/>
-              <a:t>2020/10/13</a:t>
+              <a:t>2022/9/19</a:t>
             </a:fld>
             <a:endParaRPr lang="zh-CN" altLang="en-US"/>
           </a:p>
@@ -1691,7 +1787,7 @@
           <a:p>
             <a:fld id="{2C027D95-2389-4A97-A223-1471BBEB9B12}" type="datetimeFigureOut">
               <a:rPr lang="zh-CN" altLang="en-US" smtClean="0"/>
-              <a:t>2020/10/13</a:t>
+              <a:t>2022/9/19</a:t>
             </a:fld>
             <a:endParaRPr lang="zh-CN" altLang="en-US"/>
           </a:p>
@@ -2055,7 +2151,7 @@
           <a:p>
             <a:fld id="{2C027D95-2389-4A97-A223-1471BBEB9B12}" type="datetimeFigureOut">
               <a:rPr lang="zh-CN" altLang="en-US" smtClean="0"/>
-              <a:t>2020/10/13</a:t>
+              <a:t>2022/9/19</a:t>
             </a:fld>
             <a:endParaRPr lang="zh-CN" altLang="en-US"/>
           </a:p>
@@ -2172,7 +2268,7 @@
           <a:p>
             <a:fld id="{2C027D95-2389-4A97-A223-1471BBEB9B12}" type="datetimeFigureOut">
               <a:rPr lang="zh-CN" altLang="en-US" smtClean="0"/>
-              <a:t>2020/10/13</a:t>
+              <a:t>2022/9/19</a:t>
             </a:fld>
             <a:endParaRPr lang="zh-CN" altLang="en-US"/>
           </a:p>
@@ -2267,7 +2363,7 @@
           <a:p>
             <a:fld id="{2C027D95-2389-4A97-A223-1471BBEB9B12}" type="datetimeFigureOut">
               <a:rPr lang="zh-CN" altLang="en-US" smtClean="0"/>
-              <a:t>2020/10/13</a:t>
+              <a:t>2022/9/19</a:t>
             </a:fld>
             <a:endParaRPr lang="zh-CN" altLang="en-US"/>
           </a:p>
@@ -2542,7 +2638,7 @@
           <a:p>
             <a:fld id="{2C027D95-2389-4A97-A223-1471BBEB9B12}" type="datetimeFigureOut">
               <a:rPr lang="zh-CN" altLang="en-US" smtClean="0"/>
-              <a:t>2020/10/13</a:t>
+              <a:t>2022/9/19</a:t>
             </a:fld>
             <a:endParaRPr lang="zh-CN" altLang="en-US"/>
           </a:p>
@@ -2794,7 +2890,7 @@
           <a:p>
             <a:fld id="{2C027D95-2389-4A97-A223-1471BBEB9B12}" type="datetimeFigureOut">
               <a:rPr lang="zh-CN" altLang="en-US" smtClean="0"/>
-              <a:t>2020/10/13</a:t>
+              <a:t>2022/9/19</a:t>
             </a:fld>
             <a:endParaRPr lang="zh-CN" altLang="en-US"/>
           </a:p>
@@ -3005,7 +3101,7 @@
           <a:p>
             <a:fld id="{2C027D95-2389-4A97-A223-1471BBEB9B12}" type="datetimeFigureOut">
               <a:rPr lang="zh-CN" altLang="en-US" smtClean="0"/>
-              <a:t>2020/10/13</a:t>
+              <a:t>2022/9/19</a:t>
             </a:fld>
             <a:endParaRPr lang="zh-CN" altLang="en-US"/>
           </a:p>
@@ -3522,7 +3618,13 @@
       </p:grpSpPr>
       <p:sp>
         <p:nvSpPr>
-          <p:cNvPr id="2" name="标题 1"/>
+          <p:cNvPr id="2" name="标题 1">
+            <a:extLst>
+              <a:ext uri="{FF2B5EF4-FFF2-40B4-BE49-F238E27FC236}">
+                <a16:creationId xmlns:a16="http://schemas.microsoft.com/office/drawing/2014/main" id="{DC0D50C9-5788-C042-A14D-4FB77195D4BA}"/>
+              </a:ext>
+            </a:extLst>
+          </p:cNvPr>
           <p:cNvSpPr>
             <a:spLocks noGrp="1"/>
           </p:cNvSpPr>
@@ -3537,14 +3639,21 @@
           <a:p>
             <a:r>
               <a:rPr lang="zh-CN" altLang="en-US" dirty="0"/>
-              <a:t>定义</a:t>
-            </a:r>
-          </a:p>
-        </p:txBody>
-      </p:sp>
-      <p:sp>
-        <p:nvSpPr>
-          <p:cNvPr id="3" name="内容占位符 2"/>
+              <a:t>例：三明治成本测量数据</a:t>
+            </a:r>
+            <a:endParaRPr kumimoji="1" lang="zh-CN" altLang="en-US" dirty="0"/>
+          </a:p>
+        </p:txBody>
+      </p:sp>
+      <p:sp>
+        <p:nvSpPr>
+          <p:cNvPr id="3" name="内容占位符 2">
+            <a:extLst>
+              <a:ext uri="{FF2B5EF4-FFF2-40B4-BE49-F238E27FC236}">
+                <a16:creationId xmlns:a16="http://schemas.microsoft.com/office/drawing/2014/main" id="{BB88DD7E-EB7C-6D4E-8A07-F5BE1DB1F873}"/>
+              </a:ext>
+            </a:extLst>
+          </p:cNvPr>
           <p:cNvSpPr>
             <a:spLocks noGrp="1"/>
           </p:cNvSpPr>
@@ -3554,116 +3663,177 @@
         </p:nvSpPr>
         <p:spPr/>
         <p:txBody>
-          <a:bodyPr/>
-          <a:lstStyle/>
-          <a:p>
-            <a:r>
-              <a:rPr lang="en-US" altLang="zh-CN" i="1" dirty="0"/>
-              <a:t>M </a:t>
-            </a:r>
-            <a:r>
-              <a:rPr lang="zh-CN" altLang="en-US" dirty="0"/>
-              <a:t>矩阵，</a:t>
-            </a:r>
-            <a:r>
-              <a:rPr lang="el-GR" altLang="zh-CN" i="1" dirty="0"/>
-              <a:t> λ</a:t>
-            </a:r>
-            <a:r>
-              <a:rPr lang="zh-CN" altLang="en-US" dirty="0"/>
-              <a:t>常数，</a:t>
-            </a:r>
-            <a:r>
-              <a:rPr lang="en-US" altLang="zh-CN" dirty="0"/>
-              <a:t>e</a:t>
-            </a:r>
-            <a:r>
-              <a:rPr lang="zh-CN" altLang="en-US" dirty="0"/>
-              <a:t>非零列向量</a:t>
-            </a:r>
-            <a:endParaRPr lang="en-US" altLang="zh-CN" dirty="0"/>
-          </a:p>
-          <a:p>
-            <a:r>
-              <a:rPr lang="en-US" altLang="zh-CN" i="1" dirty="0"/>
-              <a:t>M</a:t>
-            </a:r>
-            <a:r>
-              <a:rPr lang="en-US" altLang="zh-CN" dirty="0"/>
-              <a:t>e = </a:t>
-            </a:r>
-            <a:r>
-              <a:rPr lang="el-GR" altLang="zh-CN" i="1" dirty="0"/>
-              <a:t>λ</a:t>
-            </a:r>
-            <a:r>
-              <a:rPr lang="en-US" altLang="zh-CN" dirty="0"/>
-              <a:t>e</a:t>
-            </a:r>
-          </a:p>
-          <a:p>
-            <a:r>
-              <a:rPr lang="zh-CN" altLang="en-US" dirty="0"/>
-              <a:t>唯一确定一个</a:t>
-            </a:r>
-            <a:r>
-              <a:rPr lang="en-US" altLang="zh-CN" dirty="0"/>
-              <a:t>e</a:t>
-            </a:r>
+          <a:bodyPr>
+            <a:normAutofit/>
+          </a:bodyPr>
+          <a:lstStyle/>
+          <a:p>
+            <a:r>
+              <a:rPr kumimoji="1" lang="zh-CN" altLang="en-US" sz="3000" dirty="0"/>
+              <a:t>模型</a:t>
+            </a:r>
+            <a:endParaRPr kumimoji="1" lang="en-US" altLang="zh-CN" sz="3000" dirty="0"/>
           </a:p>
           <a:p>
             <a:pPr lvl="1"/>
             <a:r>
-              <a:rPr lang="en-US" altLang="zh-CN" dirty="0"/>
-              <a:t>e</a:t>
-            </a:r>
-            <a:r>
-              <a:rPr lang="zh-CN" altLang="en-US" dirty="0"/>
-              <a:t>为</a:t>
-            </a:r>
-            <a:r>
-              <a:rPr lang="en-US" altLang="zh-CN" dirty="0"/>
-              <a:t>unit vector</a:t>
-            </a:r>
+              <a:rPr lang="en-US" altLang="zh-CN" sz="2700" dirty="0"/>
+              <a:t>v</a:t>
+            </a:r>
+            <a:r>
+              <a:rPr lang="zh-CN" altLang="en-US" sz="2700" dirty="0"/>
+              <a:t>：三明治成分配比向量，比如：</a:t>
+            </a:r>
+            <a:r>
+              <a:rPr lang="en-US" altLang="zh-CN" sz="2700" dirty="0"/>
+              <a:t>0.5</a:t>
+            </a:r>
+            <a:r>
+              <a:rPr lang="zh-CN" altLang="en-US" sz="2700" dirty="0"/>
+              <a:t>，</a:t>
+            </a:r>
+            <a:r>
+              <a:rPr lang="en-US" altLang="zh-CN" sz="2700" dirty="0"/>
+              <a:t>0.3</a:t>
+            </a:r>
+            <a:r>
+              <a:rPr lang="zh-CN" altLang="en-US" sz="2700" dirty="0"/>
+              <a:t>，</a:t>
+            </a:r>
+            <a:r>
+              <a:rPr lang="en-US" altLang="zh-CN" sz="2700" dirty="0"/>
+              <a:t>0.2</a:t>
+            </a:r>
+            <a:endParaRPr lang="zh-CN" altLang="en-US" sz="2700" dirty="0"/>
           </a:p>
           <a:p>
             <a:pPr lvl="1"/>
             <a:r>
-              <a:rPr lang="zh-CN" altLang="en-US" dirty="0"/>
-              <a:t>第一个非零元素为正</a:t>
-            </a:r>
-            <a:endParaRPr lang="en-US" altLang="zh-CN" dirty="0"/>
-          </a:p>
-        </p:txBody>
-      </p:sp>
-      <p:pic>
-        <p:nvPicPr>
-          <p:cNvPr id="4" name="图片 3"/>
-          <p:cNvPicPr>
-            <a:picLocks noChangeAspect="1"/>
-          </p:cNvPicPr>
-          <p:nvPr/>
-        </p:nvPicPr>
-        <p:blipFill>
-          <a:blip r:embed="rId2"/>
-          <a:stretch>
-            <a:fillRect/>
-          </a:stretch>
-        </p:blipFill>
-        <p:spPr>
-          <a:xfrm>
-            <a:off x="2088391" y="4328331"/>
-            <a:ext cx="4476182" cy="1019329"/>
-          </a:xfrm>
-          <a:prstGeom prst="rect">
-            <a:avLst/>
-          </a:prstGeom>
-        </p:spPr>
-      </p:pic>
+              <a:rPr lang="en-US" altLang="zh-CN" sz="2700" dirty="0"/>
+              <a:t>X</a:t>
+            </a:r>
+            <a:r>
+              <a:rPr lang="zh-CN" altLang="en-US" sz="2700" dirty="0"/>
+              <a:t>：三明治三种成分的价格测量数据，连续测</a:t>
+            </a:r>
+            <a:r>
+              <a:rPr lang="en-US" altLang="zh-CN" sz="2700" dirty="0"/>
+              <a:t>30</a:t>
+            </a:r>
+            <a:r>
+              <a:rPr lang="zh-CN" altLang="en-US" sz="2700" dirty="0"/>
+              <a:t>天</a:t>
+            </a:r>
+            <a:endParaRPr lang="en-US" altLang="zh-CN" sz="2700" dirty="0"/>
+          </a:p>
+          <a:p>
+            <a:pPr lvl="2"/>
+            <a:r>
+              <a:rPr lang="en-US" altLang="zh-CN" sz="2400" dirty="0"/>
+              <a:t>3</a:t>
+            </a:r>
+            <a:r>
+              <a:rPr lang="zh-CN" altLang="en-US" sz="2400" dirty="0"/>
+              <a:t> * </a:t>
+            </a:r>
+            <a:r>
+              <a:rPr lang="en-US" altLang="zh-CN" sz="2400" dirty="0"/>
+              <a:t>30</a:t>
+            </a:r>
+            <a:r>
+              <a:rPr lang="zh-CN" altLang="en-US" sz="2400" dirty="0"/>
+              <a:t> 的 矩阵</a:t>
+            </a:r>
+            <a:endParaRPr lang="en-US" altLang="zh-CN" sz="2400" dirty="0"/>
+          </a:p>
+          <a:p>
+            <a:pPr lvl="1"/>
+            <a:r>
+              <a:rPr lang="en-US" altLang="zh-CN" sz="2700" dirty="0"/>
+              <a:t>v</a:t>
+            </a:r>
+            <a:r>
+              <a:rPr lang="zh-CN" altLang="en-US" sz="2700" dirty="0"/>
+              <a:t> * </a:t>
+            </a:r>
+            <a:r>
+              <a:rPr lang="en-US" altLang="zh-CN" sz="2700" dirty="0"/>
+              <a:t>X</a:t>
+            </a:r>
+            <a:r>
+              <a:rPr lang="zh-CN" altLang="en-US" sz="2700" dirty="0"/>
+              <a:t>：</a:t>
+            </a:r>
+            <a:r>
+              <a:rPr lang="en-US" altLang="zh-CN" sz="2700" dirty="0"/>
+              <a:t>1</a:t>
+            </a:r>
+            <a:r>
+              <a:rPr lang="zh-CN" altLang="en-US" sz="2700" dirty="0"/>
+              <a:t>*</a:t>
+            </a:r>
+            <a:r>
+              <a:rPr lang="en-US" altLang="zh-CN" sz="2700" dirty="0"/>
+              <a:t>30</a:t>
+            </a:r>
+            <a:r>
+              <a:rPr lang="zh-CN" altLang="en-US" sz="2700" dirty="0"/>
+              <a:t> 的向量，代表了这</a:t>
+            </a:r>
+            <a:r>
+              <a:rPr lang="en-US" altLang="zh-CN" sz="2700" dirty="0"/>
+              <a:t>30</a:t>
+            </a:r>
+            <a:r>
+              <a:rPr lang="zh-CN" altLang="en-US" sz="2700" dirty="0"/>
+              <a:t>天的三明治价格向量</a:t>
+            </a:r>
+          </a:p>
+          <a:p>
+            <a:r>
+              <a:rPr lang="zh-CN" altLang="en-US" sz="3000" dirty="0"/>
+              <a:t>三明治价格随机向量的方差</a:t>
+            </a:r>
+            <a:endParaRPr lang="en-US" altLang="zh-CN" sz="3000" dirty="0"/>
+          </a:p>
+          <a:p>
+            <a:pPr lvl="1"/>
+            <a:r>
+              <a:rPr lang="en-US" altLang="zh-CN" sz="2700" dirty="0" err="1">
+                <a:solidFill>
+                  <a:srgbClr val="FF0000"/>
+                </a:solidFill>
+              </a:rPr>
+              <a:t>v</a:t>
+            </a:r>
+            <a:r>
+              <a:rPr lang="en-US" altLang="zh-CN" sz="2700" baseline="30000" dirty="0" err="1">
+                <a:solidFill>
+                  <a:srgbClr val="FF0000"/>
+                </a:solidFill>
+              </a:rPr>
+              <a:t>T</a:t>
+            </a:r>
+            <a:r>
+              <a:rPr lang="en-US" altLang="zh-CN" sz="2700" dirty="0">
+                <a:solidFill>
+                  <a:srgbClr val="FF0000"/>
+                </a:solidFill>
+              </a:rPr>
+              <a:t> * sigma * v</a:t>
+            </a:r>
+            <a:endParaRPr lang="zh-CN" altLang="en-US" sz="2700" dirty="0">
+              <a:solidFill>
+                <a:srgbClr val="FF0000"/>
+              </a:solidFill>
+            </a:endParaRPr>
+          </a:p>
+        </p:txBody>
+      </p:sp>
     </p:spTree>
     <p:extLst>
       <p:ext uri="{BB962C8B-B14F-4D97-AF65-F5344CB8AC3E}">
-        <p14:creationId xmlns:p14="http://schemas.microsoft.com/office/powerpoint/2010/main" val="2127973222"/>
+        <p14:creationId xmlns:p14="http://schemas.microsoft.com/office/powerpoint/2010/main" val="1891557692"/>
       </p:ext>
     </p:extLst>
   </p:cSld>
@@ -3692,6 +3862,2725 @@
       </p:grpSpPr>
       <p:sp>
         <p:nvSpPr>
+          <p:cNvPr id="2" name="标题 1">
+            <a:extLst>
+              <a:ext uri="{FF2B5EF4-FFF2-40B4-BE49-F238E27FC236}">
+                <a16:creationId xmlns:a16="http://schemas.microsoft.com/office/drawing/2014/main" id="{434B3399-EB0C-7D4E-B691-68AFE2D5C5C6}"/>
+              </a:ext>
+            </a:extLst>
+          </p:cNvPr>
+          <p:cNvSpPr>
+            <a:spLocks noGrp="1"/>
+          </p:cNvSpPr>
+          <p:nvPr>
+            <p:ph type="title"/>
+          </p:nvPr>
+        </p:nvSpPr>
+        <p:spPr/>
+        <p:txBody>
+          <a:bodyPr/>
+          <a:lstStyle/>
+          <a:p>
+            <a:r>
+              <a:rPr kumimoji="1" lang="zh-CN" altLang="en-US" dirty="0"/>
+              <a:t>例：加拿大城市坐标在东北方向的投影</a:t>
+            </a:r>
+          </a:p>
+        </p:txBody>
+      </p:sp>
+      <p:sp>
+        <p:nvSpPr>
+          <p:cNvPr id="3" name="内容占位符 2">
+            <a:extLst>
+              <a:ext uri="{FF2B5EF4-FFF2-40B4-BE49-F238E27FC236}">
+                <a16:creationId xmlns:a16="http://schemas.microsoft.com/office/drawing/2014/main" id="{6242D413-09BA-B745-8703-CCE16AFF3A30}"/>
+              </a:ext>
+            </a:extLst>
+          </p:cNvPr>
+          <p:cNvSpPr>
+            <a:spLocks noGrp="1"/>
+          </p:cNvSpPr>
+          <p:nvPr>
+            <p:ph idx="1"/>
+          </p:nvPr>
+        </p:nvSpPr>
+        <p:spPr/>
+        <p:txBody>
+          <a:bodyPr/>
+          <a:lstStyle/>
+          <a:p>
+            <a:r>
+              <a:rPr kumimoji="1" lang="en-US" altLang="zh-CN" dirty="0"/>
+              <a:t>v</a:t>
+            </a:r>
+            <a:r>
+              <a:rPr kumimoji="1" lang="zh-CN" altLang="en-US" dirty="0"/>
+              <a:t>：</a:t>
+            </a:r>
+            <a:r>
+              <a:rPr kumimoji="1" lang="en-US" altLang="zh-CN" dirty="0"/>
+              <a:t>[1,1] </a:t>
+            </a:r>
+            <a:r>
+              <a:rPr kumimoji="1" lang="zh-CN" altLang="en-US" dirty="0"/>
+              <a:t>归一化</a:t>
+            </a:r>
+            <a:endParaRPr kumimoji="1" lang="en-US" altLang="zh-CN" dirty="0"/>
+          </a:p>
+          <a:p>
+            <a:r>
+              <a:rPr kumimoji="1" lang="en-US" altLang="zh-CN" dirty="0"/>
+              <a:t>x</a:t>
+            </a:r>
+            <a:r>
+              <a:rPr kumimoji="1" lang="zh-CN" altLang="en-US" dirty="0"/>
+              <a:t>：加拿大城市坐标</a:t>
+            </a:r>
+            <a:r>
+              <a:rPr kumimoji="1" lang="en-US" altLang="zh-CN" dirty="0"/>
+              <a:t> [x</a:t>
+            </a:r>
+            <a:r>
+              <a:rPr kumimoji="1" lang="en-US" altLang="zh-CN" baseline="-25000" dirty="0"/>
+              <a:t>1</a:t>
+            </a:r>
+            <a:r>
+              <a:rPr kumimoji="1" lang="en-US" altLang="zh-CN" dirty="0"/>
+              <a:t>, x</a:t>
+            </a:r>
+            <a:r>
+              <a:rPr kumimoji="1" lang="en-US" altLang="zh-CN" baseline="-25000" dirty="0"/>
+              <a:t>2</a:t>
+            </a:r>
+            <a:r>
+              <a:rPr kumimoji="1" lang="en-US" altLang="zh-CN" dirty="0"/>
+              <a:t>]</a:t>
+            </a:r>
+            <a:endParaRPr kumimoji="1" lang="zh-CN" altLang="en-US" dirty="0"/>
+          </a:p>
+        </p:txBody>
+      </p:sp>
+      <p:pic>
+        <p:nvPicPr>
+          <p:cNvPr id="4" name="图片 3">
+            <a:extLst>
+              <a:ext uri="{FF2B5EF4-FFF2-40B4-BE49-F238E27FC236}">
+                <a16:creationId xmlns:a16="http://schemas.microsoft.com/office/drawing/2014/main" id="{59ADE5F8-8500-8A44-A0E8-9C7A23CA2E77}"/>
+              </a:ext>
+            </a:extLst>
+          </p:cNvPr>
+          <p:cNvPicPr>
+            <a:picLocks noChangeAspect="1"/>
+          </p:cNvPicPr>
+          <p:nvPr/>
+        </p:nvPicPr>
+        <p:blipFill>
+          <a:blip r:embed="rId2"/>
+          <a:stretch>
+            <a:fillRect/>
+          </a:stretch>
+        </p:blipFill>
+        <p:spPr>
+          <a:xfrm>
+            <a:off x="0" y="3141479"/>
+            <a:ext cx="9144000" cy="3842548"/>
+          </a:xfrm>
+          <a:prstGeom prst="rect">
+            <a:avLst/>
+          </a:prstGeom>
+        </p:spPr>
+      </p:pic>
+      <p:sp>
+        <p:nvSpPr>
+          <p:cNvPr id="5" name="矩形 4">
+            <a:extLst>
+              <a:ext uri="{FF2B5EF4-FFF2-40B4-BE49-F238E27FC236}">
+                <a16:creationId xmlns:a16="http://schemas.microsoft.com/office/drawing/2014/main" id="{6A0DA4DF-5EF3-F44E-8926-96A53D6B0939}"/>
+              </a:ext>
+            </a:extLst>
+          </p:cNvPr>
+          <p:cNvSpPr/>
+          <p:nvPr/>
+        </p:nvSpPr>
+        <p:spPr>
+          <a:xfrm>
+            <a:off x="5703758" y="2399087"/>
+            <a:ext cx="4572000" cy="969496"/>
+          </a:xfrm>
+          <a:prstGeom prst="rect">
+            <a:avLst/>
+          </a:prstGeom>
+        </p:spPr>
+        <p:txBody>
+          <a:bodyPr>
+            <a:spAutoFit/>
+          </a:bodyPr>
+          <a:lstStyle/>
+          <a:p>
+            <a:r>
+              <a:rPr lang="zh-CN" altLang="en-US" sz="3000" dirty="0"/>
+              <a:t>这个投影 的方差</a:t>
+            </a:r>
+            <a:r>
+              <a:rPr lang="en-US" altLang="zh-CN" sz="3000" dirty="0"/>
+              <a:t>:</a:t>
+            </a:r>
+            <a:r>
+              <a:rPr lang="zh-CN" altLang="en-US" sz="3000" dirty="0"/>
+              <a:t> </a:t>
+            </a:r>
+            <a:endParaRPr lang="en-US" altLang="zh-CN" sz="3000" dirty="0"/>
+          </a:p>
+          <a:p>
+            <a:pPr lvl="1"/>
+            <a:r>
+              <a:rPr lang="en-US" altLang="zh-CN" sz="2700" dirty="0" err="1">
+                <a:solidFill>
+                  <a:srgbClr val="FF0000"/>
+                </a:solidFill>
+              </a:rPr>
+              <a:t>v</a:t>
+            </a:r>
+            <a:r>
+              <a:rPr lang="en-US" altLang="zh-CN" sz="2700" baseline="30000" dirty="0" err="1">
+                <a:solidFill>
+                  <a:srgbClr val="FF0000"/>
+                </a:solidFill>
+              </a:rPr>
+              <a:t>T</a:t>
+            </a:r>
+            <a:r>
+              <a:rPr lang="en-US" altLang="zh-CN" sz="2700" dirty="0">
+                <a:solidFill>
+                  <a:srgbClr val="FF0000"/>
+                </a:solidFill>
+              </a:rPr>
+              <a:t> * sigma * v</a:t>
+            </a:r>
+            <a:endParaRPr lang="zh-CN" altLang="en-US" sz="1350" dirty="0"/>
+          </a:p>
+        </p:txBody>
+      </p:sp>
+    </p:spTree>
+    <p:extLst>
+      <p:ext uri="{BB962C8B-B14F-4D97-AF65-F5344CB8AC3E}">
+        <p14:creationId xmlns:p14="http://schemas.microsoft.com/office/powerpoint/2010/main" val="3392487569"/>
+      </p:ext>
+    </p:extLst>
+  </p:cSld>
+  <p:clrMapOvr>
+    <a:masterClrMapping/>
+  </p:clrMapOvr>
+</p:sld>
+</file>
+
+<file path=ppt/slides/slide12.xml><?xml version="1.0" encoding="utf-8"?>
+<p:sld xmlns:a="http://schemas.openxmlformats.org/drawingml/2006/main" xmlns:r="http://schemas.openxmlformats.org/officeDocument/2006/relationships" xmlns:p="http://schemas.openxmlformats.org/presentationml/2006/main">
+  <p:cSld>
+    <p:spTree>
+      <p:nvGrpSpPr>
+        <p:cNvPr id="1" name=""/>
+        <p:cNvGrpSpPr/>
+        <p:nvPr/>
+      </p:nvGrpSpPr>
+      <p:grpSpPr>
+        <a:xfrm>
+          <a:off x="0" y="0"/>
+          <a:ext cx="0" cy="0"/>
+          <a:chOff x="0" y="0"/>
+          <a:chExt cx="0" cy="0"/>
+        </a:xfrm>
+      </p:grpSpPr>
+      <p:sp>
+        <p:nvSpPr>
+          <p:cNvPr id="2" name="标题 1">
+            <a:extLst>
+              <a:ext uri="{FF2B5EF4-FFF2-40B4-BE49-F238E27FC236}">
+                <a16:creationId xmlns:a16="http://schemas.microsoft.com/office/drawing/2014/main" id="{F1A2BF0C-16CE-6346-8C42-BF2B4992F01E}"/>
+              </a:ext>
+            </a:extLst>
+          </p:cNvPr>
+          <p:cNvSpPr>
+            <a:spLocks noGrp="1"/>
+          </p:cNvSpPr>
+          <p:nvPr>
+            <p:ph type="title"/>
+          </p:nvPr>
+        </p:nvSpPr>
+        <p:spPr/>
+        <p:txBody>
+          <a:bodyPr>
+            <a:normAutofit/>
+          </a:bodyPr>
+          <a:lstStyle/>
+          <a:p>
+            <a:r>
+              <a:rPr kumimoji="1" lang="zh-CN" altLang="en-US" sz="3000" dirty="0"/>
+              <a:t>加拿大城市坐标矩阵在各个方向上的投影方差</a:t>
+            </a:r>
+          </a:p>
+        </p:txBody>
+      </p:sp>
+      <p:sp>
+        <p:nvSpPr>
+          <p:cNvPr id="3" name="内容占位符 2">
+            <a:extLst>
+              <a:ext uri="{FF2B5EF4-FFF2-40B4-BE49-F238E27FC236}">
+                <a16:creationId xmlns:a16="http://schemas.microsoft.com/office/drawing/2014/main" id="{AE811C96-CA1A-854F-BAF0-2C0C22B289F1}"/>
+              </a:ext>
+            </a:extLst>
+          </p:cNvPr>
+          <p:cNvSpPr>
+            <a:spLocks noGrp="1"/>
+          </p:cNvSpPr>
+          <p:nvPr>
+            <p:ph idx="1"/>
+          </p:nvPr>
+        </p:nvSpPr>
+        <p:spPr/>
+        <p:txBody>
+          <a:bodyPr/>
+          <a:lstStyle/>
+          <a:p>
+            <a:r>
+              <a:rPr kumimoji="1" lang="zh-CN" altLang="en-US" dirty="0"/>
+              <a:t>主方向，就是投影后，方差</a:t>
+            </a:r>
+            <a:r>
+              <a:rPr kumimoji="1" lang="zh-CN" altLang="en-US" dirty="0">
+                <a:solidFill>
+                  <a:srgbClr val="FF0000"/>
+                </a:solidFill>
+              </a:rPr>
+              <a:t>最大</a:t>
+            </a:r>
+            <a:r>
+              <a:rPr kumimoji="1" lang="zh-CN" altLang="en-US" dirty="0"/>
+              <a:t>的方向</a:t>
+            </a:r>
+          </a:p>
+        </p:txBody>
+      </p:sp>
+      <p:pic>
+        <p:nvPicPr>
+          <p:cNvPr id="4" name="图片 3">
+            <a:extLst>
+              <a:ext uri="{FF2B5EF4-FFF2-40B4-BE49-F238E27FC236}">
+                <a16:creationId xmlns:a16="http://schemas.microsoft.com/office/drawing/2014/main" id="{BF0E3FC8-99A4-C142-91BA-32D57981F2FF}"/>
+              </a:ext>
+            </a:extLst>
+          </p:cNvPr>
+          <p:cNvPicPr>
+            <a:picLocks noChangeAspect="1"/>
+          </p:cNvPicPr>
+          <p:nvPr/>
+        </p:nvPicPr>
+        <p:blipFill>
+          <a:blip r:embed="rId2"/>
+          <a:stretch>
+            <a:fillRect/>
+          </a:stretch>
+        </p:blipFill>
+        <p:spPr>
+          <a:xfrm>
+            <a:off x="337089" y="2721125"/>
+            <a:ext cx="8649706" cy="5143500"/>
+          </a:xfrm>
+          <a:prstGeom prst="rect">
+            <a:avLst/>
+          </a:prstGeom>
+        </p:spPr>
+      </p:pic>
+    </p:spTree>
+    <p:extLst>
+      <p:ext uri="{BB962C8B-B14F-4D97-AF65-F5344CB8AC3E}">
+        <p14:creationId xmlns:p14="http://schemas.microsoft.com/office/powerpoint/2010/main" val="1187537517"/>
+      </p:ext>
+    </p:extLst>
+  </p:cSld>
+  <p:clrMapOvr>
+    <a:masterClrMapping/>
+  </p:clrMapOvr>
+</p:sld>
+</file>
+
+<file path=ppt/slides/slide13.xml><?xml version="1.0" encoding="utf-8"?>
+<p:sld xmlns:a="http://schemas.openxmlformats.org/drawingml/2006/main" xmlns:r="http://schemas.openxmlformats.org/officeDocument/2006/relationships" xmlns:p="http://schemas.openxmlformats.org/presentationml/2006/main">
+  <p:cSld>
+    <p:spTree>
+      <p:nvGrpSpPr>
+        <p:cNvPr id="1" name=""/>
+        <p:cNvGrpSpPr/>
+        <p:nvPr/>
+      </p:nvGrpSpPr>
+      <p:grpSpPr>
+        <a:xfrm>
+          <a:off x="0" y="0"/>
+          <a:ext cx="0" cy="0"/>
+          <a:chOff x="0" y="0"/>
+          <a:chExt cx="0" cy="0"/>
+        </a:xfrm>
+      </p:grpSpPr>
+      <p:sp>
+        <p:nvSpPr>
+          <p:cNvPr id="2" name="标题 1">
+            <a:extLst>
+              <a:ext uri="{FF2B5EF4-FFF2-40B4-BE49-F238E27FC236}">
+                <a16:creationId xmlns:a16="http://schemas.microsoft.com/office/drawing/2014/main" id="{F08B6BFE-F9D2-DD4C-8E4A-62624E0EBB54}"/>
+              </a:ext>
+            </a:extLst>
+          </p:cNvPr>
+          <p:cNvSpPr>
+            <a:spLocks noGrp="1"/>
+          </p:cNvSpPr>
+          <p:nvPr>
+            <p:ph type="title"/>
+          </p:nvPr>
+        </p:nvSpPr>
+        <p:spPr/>
+        <p:txBody>
+          <a:bodyPr/>
+          <a:lstStyle/>
+          <a:p>
+            <a:r>
+              <a:rPr lang="en-US" altLang="zh-CN" dirty="0"/>
+              <a:t>Spectral </a:t>
+            </a:r>
+            <a:r>
+              <a:rPr lang="zh-CN" altLang="en-US" dirty="0"/>
+              <a:t>定理</a:t>
+            </a:r>
+            <a:endParaRPr kumimoji="1" lang="zh-CN" altLang="en-US" dirty="0"/>
+          </a:p>
+        </p:txBody>
+      </p:sp>
+      <p:sp>
+        <p:nvSpPr>
+          <p:cNvPr id="3" name="内容占位符 2">
+            <a:extLst>
+              <a:ext uri="{FF2B5EF4-FFF2-40B4-BE49-F238E27FC236}">
+                <a16:creationId xmlns:a16="http://schemas.microsoft.com/office/drawing/2014/main" id="{079BC4EF-2B5D-9943-A04E-4AD3DF642C4D}"/>
+              </a:ext>
+            </a:extLst>
+          </p:cNvPr>
+          <p:cNvSpPr>
+            <a:spLocks noGrp="1"/>
+          </p:cNvSpPr>
+          <p:nvPr>
+            <p:ph idx="1"/>
+          </p:nvPr>
+        </p:nvSpPr>
+        <p:spPr/>
+        <p:txBody>
+          <a:bodyPr>
+            <a:normAutofit lnSpcReduction="10000"/>
+          </a:bodyPr>
+          <a:lstStyle/>
+          <a:p>
+            <a:r>
+              <a:rPr lang="zh-CN" altLang="en-US" dirty="0"/>
+              <a:t>线性代数</a:t>
+            </a:r>
+          </a:p>
+          <a:p>
+            <a:r>
+              <a:rPr lang="zh-CN" altLang="en-US" dirty="0"/>
+              <a:t>对称阵 可以 </a:t>
+            </a:r>
+            <a:r>
+              <a:rPr lang="en-US" altLang="zh-CN" dirty="0"/>
+              <a:t>eigen</a:t>
+            </a:r>
+            <a:r>
+              <a:rPr lang="zh-CN" altLang="en-US" dirty="0"/>
+              <a:t>分解</a:t>
+            </a:r>
+            <a:endParaRPr lang="en-US" altLang="zh-CN" dirty="0"/>
+          </a:p>
+          <a:p>
+            <a:pPr lvl="1"/>
+            <a:r>
+              <a:rPr lang="zh-CN" altLang="en-US" dirty="0"/>
+              <a:t>协方差矩阵就是对称的</a:t>
+            </a:r>
+          </a:p>
+          <a:p>
+            <a:r>
+              <a:rPr lang="zh-CN" altLang="en-US" dirty="0"/>
+              <a:t>对 </a:t>
+            </a:r>
+            <a:r>
+              <a:rPr lang="en-US" altLang="zh-CN" dirty="0"/>
+              <a:t>X</a:t>
+            </a:r>
+            <a:r>
+              <a:rPr lang="zh-CN" altLang="en-US" dirty="0"/>
+              <a:t> 协方差矩阵做 </a:t>
+            </a:r>
+            <a:r>
+              <a:rPr lang="en-US" altLang="zh-CN" dirty="0"/>
+              <a:t>eigen</a:t>
+            </a:r>
+            <a:r>
+              <a:rPr lang="zh-CN" altLang="en-US" dirty="0"/>
+              <a:t> 分解得到的向量，就是让其投影的方差最大的方向</a:t>
+            </a:r>
+            <a:endParaRPr lang="en-US" altLang="zh-CN" dirty="0"/>
+          </a:p>
+          <a:p>
+            <a:pPr lvl="1"/>
+            <a:r>
+              <a:rPr lang="zh-CN" altLang="en-US" dirty="0"/>
+              <a:t>对应的 </a:t>
+            </a:r>
+            <a:r>
+              <a:rPr lang="en-US" altLang="zh-CN" dirty="0"/>
+              <a:t>eigenvalue lambda </a:t>
+            </a:r>
+            <a:r>
+              <a:rPr lang="zh-CN" altLang="en-US" dirty="0"/>
+              <a:t>就是 其 在这个方向上的投影的 方差</a:t>
+            </a:r>
+          </a:p>
+          <a:p>
+            <a:r>
+              <a:rPr lang="zh-CN" altLang="en-US" dirty="0"/>
+              <a:t>这些向量相互正交，</a:t>
+            </a:r>
+            <a:r>
+              <a:rPr lang="zh-CN" altLang="en-US" sz="2100" dirty="0"/>
+              <a:t>叫：</a:t>
+            </a:r>
+            <a:r>
+              <a:rPr lang="zh-CN" altLang="en-US" sz="2100" dirty="0">
+                <a:solidFill>
+                  <a:srgbClr val="FF0000"/>
+                </a:solidFill>
+              </a:rPr>
+              <a:t>主方向</a:t>
+            </a:r>
+            <a:endParaRPr lang="en-US" altLang="zh-CN" sz="2100" dirty="0">
+              <a:solidFill>
+                <a:srgbClr val="FF0000"/>
+              </a:solidFill>
+            </a:endParaRPr>
+          </a:p>
+          <a:p>
+            <a:r>
+              <a:rPr lang="zh-CN" altLang="en-US" dirty="0">
+                <a:solidFill>
+                  <a:srgbClr val="FF0000"/>
+                </a:solidFill>
+              </a:rPr>
+              <a:t>主元素 </a:t>
+            </a:r>
+            <a:r>
+              <a:rPr lang="zh-CN" altLang="en-US" dirty="0"/>
+              <a:t>是 数据在 主方向 上 的投影</a:t>
+            </a:r>
+          </a:p>
+          <a:p>
+            <a:pPr lvl="1"/>
+            <a:r>
+              <a:rPr lang="zh-CN" altLang="en-US" sz="2100" dirty="0"/>
+              <a:t>主元素 </a:t>
+            </a:r>
+            <a:r>
+              <a:rPr lang="zh-CN" altLang="en-US" sz="2100" dirty="0">
+                <a:solidFill>
+                  <a:srgbClr val="FF0000"/>
+                </a:solidFill>
+              </a:rPr>
+              <a:t>互不相关</a:t>
+            </a:r>
+          </a:p>
+          <a:p>
+            <a:pPr lvl="1"/>
+            <a:r>
+              <a:rPr lang="zh-CN" altLang="en-US" sz="2100" dirty="0"/>
+              <a:t>这个特别重要</a:t>
+            </a:r>
+          </a:p>
+          <a:p>
+            <a:pPr lvl="1"/>
+            <a:endParaRPr lang="zh-CN" altLang="en-US" dirty="0"/>
+          </a:p>
+          <a:p>
+            <a:endParaRPr kumimoji="1" lang="zh-CN" altLang="en-US" dirty="0"/>
+          </a:p>
+        </p:txBody>
+      </p:sp>
+    </p:spTree>
+    <p:extLst>
+      <p:ext uri="{BB962C8B-B14F-4D97-AF65-F5344CB8AC3E}">
+        <p14:creationId xmlns:p14="http://schemas.microsoft.com/office/powerpoint/2010/main" val="3351644344"/>
+      </p:ext>
+    </p:extLst>
+  </p:cSld>
+  <p:clrMapOvr>
+    <a:masterClrMapping/>
+  </p:clrMapOvr>
+</p:sld>
+</file>
+
+<file path=ppt/slides/slide14.xml><?xml version="1.0" encoding="utf-8"?>
+<p:sld xmlns:a="http://schemas.openxmlformats.org/drawingml/2006/main" xmlns:r="http://schemas.openxmlformats.org/officeDocument/2006/relationships" xmlns:p="http://schemas.openxmlformats.org/presentationml/2006/main">
+  <p:cSld>
+    <p:spTree>
+      <p:nvGrpSpPr>
+        <p:cNvPr id="1" name=""/>
+        <p:cNvGrpSpPr/>
+        <p:nvPr/>
+      </p:nvGrpSpPr>
+      <p:grpSpPr>
+        <a:xfrm>
+          <a:off x="0" y="0"/>
+          <a:ext cx="0" cy="0"/>
+          <a:chOff x="0" y="0"/>
+          <a:chExt cx="0" cy="0"/>
+        </a:xfrm>
+      </p:grpSpPr>
+      <p:sp>
+        <p:nvSpPr>
+          <p:cNvPr id="2" name="标题 1">
+            <a:extLst>
+              <a:ext uri="{FF2B5EF4-FFF2-40B4-BE49-F238E27FC236}">
+                <a16:creationId xmlns:a16="http://schemas.microsoft.com/office/drawing/2014/main" id="{7F493F91-9566-2144-9366-611967B75DE9}"/>
+              </a:ext>
+            </a:extLst>
+          </p:cNvPr>
+          <p:cNvSpPr>
+            <a:spLocks noGrp="1"/>
+          </p:cNvSpPr>
+          <p:nvPr>
+            <p:ph type="title"/>
+          </p:nvPr>
+        </p:nvSpPr>
+        <p:spPr/>
+        <p:txBody>
+          <a:bodyPr/>
+          <a:lstStyle/>
+          <a:p>
+            <a:r>
+              <a:rPr lang="en-US" altLang="zh-CN" dirty="0"/>
+              <a:t>Spectral </a:t>
+            </a:r>
+            <a:r>
+              <a:rPr lang="zh-CN" altLang="en-US" dirty="0"/>
+              <a:t>定理</a:t>
+            </a:r>
+            <a:endParaRPr kumimoji="1" lang="zh-CN" altLang="en-US" dirty="0"/>
+          </a:p>
+        </p:txBody>
+      </p:sp>
+      <p:pic>
+        <p:nvPicPr>
+          <p:cNvPr id="4" name="图片 3">
+            <a:extLst>
+              <a:ext uri="{FF2B5EF4-FFF2-40B4-BE49-F238E27FC236}">
+                <a16:creationId xmlns:a16="http://schemas.microsoft.com/office/drawing/2014/main" id="{6FCD79ED-7CBD-A74A-905C-ABF65F3E01C4}"/>
+              </a:ext>
+            </a:extLst>
+          </p:cNvPr>
+          <p:cNvPicPr>
+            <a:picLocks noChangeAspect="1"/>
+          </p:cNvPicPr>
+          <p:nvPr/>
+        </p:nvPicPr>
+        <p:blipFill>
+          <a:blip r:embed="rId2"/>
+          <a:stretch>
+            <a:fillRect/>
+          </a:stretch>
+        </p:blipFill>
+        <p:spPr>
+          <a:xfrm>
+            <a:off x="628651" y="1998333"/>
+            <a:ext cx="7997252" cy="3923719"/>
+          </a:xfrm>
+          <a:prstGeom prst="rect">
+            <a:avLst/>
+          </a:prstGeom>
+        </p:spPr>
+      </p:pic>
+    </p:spTree>
+    <p:extLst>
+      <p:ext uri="{BB962C8B-B14F-4D97-AF65-F5344CB8AC3E}">
+        <p14:creationId xmlns:p14="http://schemas.microsoft.com/office/powerpoint/2010/main" val="2978926354"/>
+      </p:ext>
+    </p:extLst>
+  </p:cSld>
+  <p:clrMapOvr>
+    <a:masterClrMapping/>
+  </p:clrMapOvr>
+</p:sld>
+</file>
+
+<file path=ppt/slides/slide15.xml><?xml version="1.0" encoding="utf-8"?>
+<p:sld xmlns:a="http://schemas.openxmlformats.org/drawingml/2006/main" xmlns:r="http://schemas.openxmlformats.org/officeDocument/2006/relationships" xmlns:p="http://schemas.openxmlformats.org/presentationml/2006/main">
+  <p:cSld>
+    <p:spTree>
+      <p:nvGrpSpPr>
+        <p:cNvPr id="1" name=""/>
+        <p:cNvGrpSpPr/>
+        <p:nvPr/>
+      </p:nvGrpSpPr>
+      <p:grpSpPr>
+        <a:xfrm>
+          <a:off x="0" y="0"/>
+          <a:ext cx="0" cy="0"/>
+          <a:chOff x="0" y="0"/>
+          <a:chExt cx="0" cy="0"/>
+        </a:xfrm>
+      </p:grpSpPr>
+      <p:sp>
+        <p:nvSpPr>
+          <p:cNvPr id="2" name="标题 1">
+            <a:extLst>
+              <a:ext uri="{FF2B5EF4-FFF2-40B4-BE49-F238E27FC236}">
+                <a16:creationId xmlns:a16="http://schemas.microsoft.com/office/drawing/2014/main" id="{35EDFB2D-4993-3043-944F-73D1F468D096}"/>
+              </a:ext>
+            </a:extLst>
+          </p:cNvPr>
+          <p:cNvSpPr>
+            <a:spLocks noGrp="1"/>
+          </p:cNvSpPr>
+          <p:nvPr>
+            <p:ph type="title"/>
+          </p:nvPr>
+        </p:nvSpPr>
+        <p:spPr>
+          <a:xfrm>
+            <a:off x="392554" y="1134553"/>
+            <a:ext cx="1900940" cy="994172"/>
+          </a:xfrm>
+        </p:spPr>
+        <p:txBody>
+          <a:bodyPr>
+            <a:normAutofit fontScale="90000"/>
+          </a:bodyPr>
+          <a:lstStyle/>
+          <a:p>
+            <a:pPr algn="ctr"/>
+            <a:r>
+              <a:rPr lang="en-US" altLang="zh-CN" dirty="0"/>
+              <a:t>Spectral </a:t>
+            </a:r>
+            <a:br>
+              <a:rPr lang="en-US" altLang="zh-CN" dirty="0"/>
+            </a:br>
+            <a:r>
+              <a:rPr lang="zh-CN" altLang="en-US" dirty="0"/>
+              <a:t>定理</a:t>
+            </a:r>
+            <a:endParaRPr kumimoji="1" lang="zh-CN" altLang="en-US" dirty="0"/>
+          </a:p>
+        </p:txBody>
+      </p:sp>
+      <p:pic>
+        <p:nvPicPr>
+          <p:cNvPr id="4" name="图片 3">
+            <a:extLst>
+              <a:ext uri="{FF2B5EF4-FFF2-40B4-BE49-F238E27FC236}">
+                <a16:creationId xmlns:a16="http://schemas.microsoft.com/office/drawing/2014/main" id="{EB88BE8E-74EE-FA48-8B82-07E6D17E76BB}"/>
+              </a:ext>
+            </a:extLst>
+          </p:cNvPr>
+          <p:cNvPicPr>
+            <a:picLocks noChangeAspect="1"/>
+          </p:cNvPicPr>
+          <p:nvPr/>
+        </p:nvPicPr>
+        <p:blipFill>
+          <a:blip r:embed="rId2"/>
+          <a:stretch>
+            <a:fillRect/>
+          </a:stretch>
+        </p:blipFill>
+        <p:spPr>
+          <a:xfrm>
+            <a:off x="2127855" y="961873"/>
+            <a:ext cx="7016146" cy="4797161"/>
+          </a:xfrm>
+          <a:prstGeom prst="rect">
+            <a:avLst/>
+          </a:prstGeom>
+        </p:spPr>
+      </p:pic>
+    </p:spTree>
+    <p:extLst>
+      <p:ext uri="{BB962C8B-B14F-4D97-AF65-F5344CB8AC3E}">
+        <p14:creationId xmlns:p14="http://schemas.microsoft.com/office/powerpoint/2010/main" val="1883384202"/>
+      </p:ext>
+    </p:extLst>
+  </p:cSld>
+  <p:clrMapOvr>
+    <a:masterClrMapping/>
+  </p:clrMapOvr>
+</p:sld>
+</file>
+
+<file path=ppt/slides/slide16.xml><?xml version="1.0" encoding="utf-8"?>
+<p:sld xmlns:a="http://schemas.openxmlformats.org/drawingml/2006/main" xmlns:r="http://schemas.openxmlformats.org/officeDocument/2006/relationships" xmlns:p="http://schemas.openxmlformats.org/presentationml/2006/main">
+  <p:cSld>
+    <p:spTree>
+      <p:nvGrpSpPr>
+        <p:cNvPr id="1" name=""/>
+        <p:cNvGrpSpPr/>
+        <p:nvPr/>
+      </p:nvGrpSpPr>
+      <p:grpSpPr>
+        <a:xfrm>
+          <a:off x="0" y="0"/>
+          <a:ext cx="0" cy="0"/>
+          <a:chOff x="0" y="0"/>
+          <a:chExt cx="0" cy="0"/>
+        </a:xfrm>
+      </p:grpSpPr>
+      <p:sp>
+        <p:nvSpPr>
+          <p:cNvPr id="2" name="标题 1">
+            <a:extLst>
+              <a:ext uri="{FF2B5EF4-FFF2-40B4-BE49-F238E27FC236}">
+                <a16:creationId xmlns:a16="http://schemas.microsoft.com/office/drawing/2014/main" id="{BE41DD93-672E-8E42-A0DA-9A7ED755BCD2}"/>
+              </a:ext>
+            </a:extLst>
+          </p:cNvPr>
+          <p:cNvSpPr>
+            <a:spLocks noGrp="1"/>
+          </p:cNvSpPr>
+          <p:nvPr>
+            <p:ph type="title"/>
+          </p:nvPr>
+        </p:nvSpPr>
+        <p:spPr>
+          <a:xfrm>
+            <a:off x="628650" y="423554"/>
+            <a:ext cx="7886700" cy="994172"/>
+          </a:xfrm>
+        </p:spPr>
+        <p:txBody>
+          <a:bodyPr/>
+          <a:lstStyle/>
+          <a:p>
+            <a:r>
+              <a:rPr kumimoji="1" lang="zh-CN" altLang="en-US" dirty="0"/>
+              <a:t>例：两个主方向及其投影</a:t>
+            </a:r>
+          </a:p>
+        </p:txBody>
+      </p:sp>
+      <p:sp>
+        <p:nvSpPr>
+          <p:cNvPr id="3" name="内容占位符 2">
+            <a:extLst>
+              <a:ext uri="{FF2B5EF4-FFF2-40B4-BE49-F238E27FC236}">
+                <a16:creationId xmlns:a16="http://schemas.microsoft.com/office/drawing/2014/main" id="{FCD1339F-A312-CC43-A528-31B00F3992C5}"/>
+              </a:ext>
+            </a:extLst>
+          </p:cNvPr>
+          <p:cNvSpPr>
+            <a:spLocks noGrp="1"/>
+          </p:cNvSpPr>
+          <p:nvPr>
+            <p:ph idx="1"/>
+          </p:nvPr>
+        </p:nvSpPr>
+        <p:spPr>
+          <a:xfrm>
+            <a:off x="628650" y="1212438"/>
+            <a:ext cx="7886700" cy="4351338"/>
+          </a:xfrm>
+        </p:spPr>
+        <p:txBody>
+          <a:bodyPr/>
+          <a:lstStyle/>
+          <a:p>
+            <a:endParaRPr kumimoji="1" lang="zh-CN" altLang="en-US"/>
+          </a:p>
+        </p:txBody>
+      </p:sp>
+      <p:pic>
+        <p:nvPicPr>
+          <p:cNvPr id="4" name="图片 3">
+            <a:extLst>
+              <a:ext uri="{FF2B5EF4-FFF2-40B4-BE49-F238E27FC236}">
+                <a16:creationId xmlns:a16="http://schemas.microsoft.com/office/drawing/2014/main" id="{0CDA3887-5D19-5D40-BD4C-2CB04AA00E8D}"/>
+              </a:ext>
+            </a:extLst>
+          </p:cNvPr>
+          <p:cNvPicPr>
+            <a:picLocks noChangeAspect="1"/>
+          </p:cNvPicPr>
+          <p:nvPr/>
+        </p:nvPicPr>
+        <p:blipFill>
+          <a:blip r:embed="rId2"/>
+          <a:stretch>
+            <a:fillRect/>
+          </a:stretch>
+        </p:blipFill>
+        <p:spPr>
+          <a:xfrm>
+            <a:off x="628650" y="1120988"/>
+            <a:ext cx="7799830" cy="5585439"/>
+          </a:xfrm>
+          <a:prstGeom prst="rect">
+            <a:avLst/>
+          </a:prstGeom>
+        </p:spPr>
+      </p:pic>
+    </p:spTree>
+    <p:extLst>
+      <p:ext uri="{BB962C8B-B14F-4D97-AF65-F5344CB8AC3E}">
+        <p14:creationId xmlns:p14="http://schemas.microsoft.com/office/powerpoint/2010/main" val="2792018775"/>
+      </p:ext>
+    </p:extLst>
+  </p:cSld>
+  <p:clrMapOvr>
+    <a:masterClrMapping/>
+  </p:clrMapOvr>
+</p:sld>
+</file>
+
+<file path=ppt/slides/slide17.xml><?xml version="1.0" encoding="utf-8"?>
+<p:sld xmlns:a="http://schemas.openxmlformats.org/drawingml/2006/main" xmlns:r="http://schemas.openxmlformats.org/officeDocument/2006/relationships" xmlns:p="http://schemas.openxmlformats.org/presentationml/2006/main">
+  <p:cSld>
+    <p:spTree>
+      <p:nvGrpSpPr>
+        <p:cNvPr id="1" name=""/>
+        <p:cNvGrpSpPr/>
+        <p:nvPr/>
+      </p:nvGrpSpPr>
+      <p:grpSpPr>
+        <a:xfrm>
+          <a:off x="0" y="0"/>
+          <a:ext cx="0" cy="0"/>
+          <a:chOff x="0" y="0"/>
+          <a:chExt cx="0" cy="0"/>
+        </a:xfrm>
+      </p:grpSpPr>
+      <p:sp>
+        <p:nvSpPr>
+          <p:cNvPr id="2" name="标题 1">
+            <a:extLst>
+              <a:ext uri="{FF2B5EF4-FFF2-40B4-BE49-F238E27FC236}">
+                <a16:creationId xmlns:a16="http://schemas.microsoft.com/office/drawing/2014/main" id="{CB386C57-ED0E-364B-92B0-A94D1E5CAFCB}"/>
+              </a:ext>
+            </a:extLst>
+          </p:cNvPr>
+          <p:cNvSpPr>
+            <a:spLocks noGrp="1"/>
+          </p:cNvSpPr>
+          <p:nvPr>
+            <p:ph type="title"/>
+          </p:nvPr>
+        </p:nvSpPr>
+        <p:spPr/>
+        <p:txBody>
+          <a:bodyPr>
+            <a:normAutofit/>
+          </a:bodyPr>
+          <a:lstStyle/>
+          <a:p>
+            <a:r>
+              <a:rPr lang="zh-CN" altLang="en-US" dirty="0"/>
+              <a:t>例：人脸数据</a:t>
+            </a:r>
+            <a:endParaRPr kumimoji="1" lang="zh-CN" altLang="en-US" dirty="0"/>
+          </a:p>
+        </p:txBody>
+      </p:sp>
+      <p:sp>
+        <p:nvSpPr>
+          <p:cNvPr id="3" name="内容占位符 2">
+            <a:extLst>
+              <a:ext uri="{FF2B5EF4-FFF2-40B4-BE49-F238E27FC236}">
+                <a16:creationId xmlns:a16="http://schemas.microsoft.com/office/drawing/2014/main" id="{13FF4CC4-CCBE-794B-B405-3F58A5D3F1CC}"/>
+              </a:ext>
+            </a:extLst>
+          </p:cNvPr>
+          <p:cNvSpPr>
+            <a:spLocks noGrp="1"/>
+          </p:cNvSpPr>
+          <p:nvPr>
+            <p:ph idx="1"/>
+          </p:nvPr>
+        </p:nvSpPr>
+        <p:spPr/>
+        <p:txBody>
+          <a:bodyPr/>
+          <a:lstStyle/>
+          <a:p>
+            <a:r>
+              <a:rPr lang="zh-CN" altLang="en-US" dirty="0"/>
+              <a:t>每个像素作为一维</a:t>
+            </a:r>
+          </a:p>
+          <a:p>
+            <a:endParaRPr kumimoji="1" lang="zh-CN" altLang="en-US" dirty="0"/>
+          </a:p>
+        </p:txBody>
+      </p:sp>
+      <p:pic>
+        <p:nvPicPr>
+          <p:cNvPr id="4" name="图片 3">
+            <a:extLst>
+              <a:ext uri="{FF2B5EF4-FFF2-40B4-BE49-F238E27FC236}">
+                <a16:creationId xmlns:a16="http://schemas.microsoft.com/office/drawing/2014/main" id="{16EAE2C2-3DC1-5942-930C-50A1608BBD88}"/>
+              </a:ext>
+            </a:extLst>
+          </p:cNvPr>
+          <p:cNvPicPr>
+            <a:picLocks noChangeAspect="1"/>
+          </p:cNvPicPr>
+          <p:nvPr/>
+        </p:nvPicPr>
+        <p:blipFill>
+          <a:blip r:embed="rId2"/>
+          <a:stretch>
+            <a:fillRect/>
+          </a:stretch>
+        </p:blipFill>
+        <p:spPr>
+          <a:xfrm>
+            <a:off x="0" y="2816401"/>
+            <a:ext cx="9144000" cy="1652418"/>
+          </a:xfrm>
+          <a:prstGeom prst="rect">
+            <a:avLst/>
+          </a:prstGeom>
+        </p:spPr>
+      </p:pic>
+    </p:spTree>
+    <p:extLst>
+      <p:ext uri="{BB962C8B-B14F-4D97-AF65-F5344CB8AC3E}">
+        <p14:creationId xmlns:p14="http://schemas.microsoft.com/office/powerpoint/2010/main" val="4101886265"/>
+      </p:ext>
+    </p:extLst>
+  </p:cSld>
+  <p:clrMapOvr>
+    <a:masterClrMapping/>
+  </p:clrMapOvr>
+</p:sld>
+</file>
+
+<file path=ppt/slides/slide18.xml><?xml version="1.0" encoding="utf-8"?>
+<p:sld xmlns:a="http://schemas.openxmlformats.org/drawingml/2006/main" xmlns:r="http://schemas.openxmlformats.org/officeDocument/2006/relationships" xmlns:p="http://schemas.openxmlformats.org/presentationml/2006/main">
+  <p:cSld>
+    <p:spTree>
+      <p:nvGrpSpPr>
+        <p:cNvPr id="1" name=""/>
+        <p:cNvGrpSpPr/>
+        <p:nvPr/>
+      </p:nvGrpSpPr>
+      <p:grpSpPr>
+        <a:xfrm>
+          <a:off x="0" y="0"/>
+          <a:ext cx="0" cy="0"/>
+          <a:chOff x="0" y="0"/>
+          <a:chExt cx="0" cy="0"/>
+        </a:xfrm>
+      </p:grpSpPr>
+      <p:sp>
+        <p:nvSpPr>
+          <p:cNvPr id="2" name="标题 1">
+            <a:extLst>
+              <a:ext uri="{FF2B5EF4-FFF2-40B4-BE49-F238E27FC236}">
+                <a16:creationId xmlns:a16="http://schemas.microsoft.com/office/drawing/2014/main" id="{727375C4-253C-0D4D-A9A0-E38BF2E755FC}"/>
+              </a:ext>
+            </a:extLst>
+          </p:cNvPr>
+          <p:cNvSpPr>
+            <a:spLocks noGrp="1"/>
+          </p:cNvSpPr>
+          <p:nvPr>
+            <p:ph type="title"/>
+          </p:nvPr>
+        </p:nvSpPr>
+        <p:spPr/>
+        <p:txBody>
+          <a:bodyPr/>
+          <a:lstStyle/>
+          <a:p>
+            <a:r>
+              <a:rPr kumimoji="1" lang="zh-CN" altLang="en-US" dirty="0"/>
+              <a:t>主元素</a:t>
+            </a:r>
+          </a:p>
+        </p:txBody>
+      </p:sp>
+      <p:sp>
+        <p:nvSpPr>
+          <p:cNvPr id="3" name="内容占位符 2">
+            <a:extLst>
+              <a:ext uri="{FF2B5EF4-FFF2-40B4-BE49-F238E27FC236}">
+                <a16:creationId xmlns:a16="http://schemas.microsoft.com/office/drawing/2014/main" id="{D1204DD2-4D4C-CF43-91C5-1B476A7D6384}"/>
+              </a:ext>
+            </a:extLst>
+          </p:cNvPr>
+          <p:cNvSpPr>
+            <a:spLocks noGrp="1"/>
+          </p:cNvSpPr>
+          <p:nvPr>
+            <p:ph idx="1"/>
+          </p:nvPr>
+        </p:nvSpPr>
+        <p:spPr/>
+        <p:txBody>
+          <a:bodyPr/>
+          <a:lstStyle/>
+          <a:p>
+            <a:endParaRPr kumimoji="1" lang="zh-CN" altLang="en-US"/>
+          </a:p>
+        </p:txBody>
+      </p:sp>
+      <p:pic>
+        <p:nvPicPr>
+          <p:cNvPr id="4" name="图片 3">
+            <a:extLst>
+              <a:ext uri="{FF2B5EF4-FFF2-40B4-BE49-F238E27FC236}">
+                <a16:creationId xmlns:a16="http://schemas.microsoft.com/office/drawing/2014/main" id="{68726A55-9580-0544-A893-A59325240F87}"/>
+              </a:ext>
+            </a:extLst>
+          </p:cNvPr>
+          <p:cNvPicPr>
+            <a:picLocks noChangeAspect="1"/>
+          </p:cNvPicPr>
+          <p:nvPr/>
+        </p:nvPicPr>
+        <p:blipFill>
+          <a:blip r:embed="rId2"/>
+          <a:stretch>
+            <a:fillRect/>
+          </a:stretch>
+        </p:blipFill>
+        <p:spPr>
+          <a:xfrm>
+            <a:off x="2171988" y="1506589"/>
+            <a:ext cx="6419755" cy="5143500"/>
+          </a:xfrm>
+          <a:prstGeom prst="rect">
+            <a:avLst/>
+          </a:prstGeom>
+        </p:spPr>
+      </p:pic>
+    </p:spTree>
+    <p:extLst>
+      <p:ext uri="{BB962C8B-B14F-4D97-AF65-F5344CB8AC3E}">
+        <p14:creationId xmlns:p14="http://schemas.microsoft.com/office/powerpoint/2010/main" val="3102417276"/>
+      </p:ext>
+    </p:extLst>
+  </p:cSld>
+  <p:clrMapOvr>
+    <a:masterClrMapping/>
+  </p:clrMapOvr>
+</p:sld>
+</file>
+
+<file path=ppt/slides/slide19.xml><?xml version="1.0" encoding="utf-8"?>
+<p:sld xmlns:a="http://schemas.openxmlformats.org/drawingml/2006/main" xmlns:r="http://schemas.openxmlformats.org/officeDocument/2006/relationships" xmlns:p="http://schemas.openxmlformats.org/presentationml/2006/main">
+  <p:cSld>
+    <p:spTree>
+      <p:nvGrpSpPr>
+        <p:cNvPr id="1" name=""/>
+        <p:cNvGrpSpPr/>
+        <p:nvPr/>
+      </p:nvGrpSpPr>
+      <p:grpSpPr>
+        <a:xfrm>
+          <a:off x="0" y="0"/>
+          <a:ext cx="0" cy="0"/>
+          <a:chOff x="0" y="0"/>
+          <a:chExt cx="0" cy="0"/>
+        </a:xfrm>
+      </p:grpSpPr>
+      <p:sp>
+        <p:nvSpPr>
+          <p:cNvPr id="2" name="标题 1">
+            <a:extLst>
+              <a:ext uri="{FF2B5EF4-FFF2-40B4-BE49-F238E27FC236}">
+                <a16:creationId xmlns:a16="http://schemas.microsoft.com/office/drawing/2014/main" id="{2D66003D-3AC1-A443-8101-FEFAFD9FA88D}"/>
+              </a:ext>
+            </a:extLst>
+          </p:cNvPr>
+          <p:cNvSpPr>
+            <a:spLocks noGrp="1"/>
+          </p:cNvSpPr>
+          <p:nvPr>
+            <p:ph type="title"/>
+          </p:nvPr>
+        </p:nvSpPr>
+        <p:spPr/>
+        <p:txBody>
+          <a:bodyPr/>
+          <a:lstStyle/>
+          <a:p>
+            <a:r>
+              <a:rPr kumimoji="1" lang="zh-CN" altLang="en-US" dirty="0"/>
+              <a:t>小结</a:t>
+            </a:r>
+          </a:p>
+        </p:txBody>
+      </p:sp>
+      <p:sp>
+        <p:nvSpPr>
+          <p:cNvPr id="3" name="内容占位符 2">
+            <a:extLst>
+              <a:ext uri="{FF2B5EF4-FFF2-40B4-BE49-F238E27FC236}">
+                <a16:creationId xmlns:a16="http://schemas.microsoft.com/office/drawing/2014/main" id="{305428D8-DE87-394E-BFC0-050257459D25}"/>
+              </a:ext>
+            </a:extLst>
+          </p:cNvPr>
+          <p:cNvSpPr>
+            <a:spLocks noGrp="1"/>
+          </p:cNvSpPr>
+          <p:nvPr>
+            <p:ph idx="1"/>
+          </p:nvPr>
+        </p:nvSpPr>
+        <p:spPr/>
+        <p:txBody>
+          <a:bodyPr/>
+          <a:lstStyle/>
+          <a:p>
+            <a:r>
+              <a:rPr kumimoji="1" lang="en-US" altLang="zh-CN" dirty="0"/>
+              <a:t>PCA</a:t>
+            </a:r>
+            <a:r>
+              <a:rPr kumimoji="1" lang="zh-CN" altLang="en-US" dirty="0"/>
+              <a:t> 提取 方差 最大</a:t>
+            </a:r>
+            <a:r>
+              <a:rPr kumimoji="1" lang="en-US" altLang="zh-CN" dirty="0"/>
+              <a:t>/</a:t>
+            </a:r>
+            <a:r>
+              <a:rPr kumimoji="1" lang="zh-CN" altLang="en-US" dirty="0"/>
+              <a:t>最小 的数据成分</a:t>
+            </a:r>
+          </a:p>
+        </p:txBody>
+      </p:sp>
+    </p:spTree>
+    <p:extLst>
+      <p:ext uri="{BB962C8B-B14F-4D97-AF65-F5344CB8AC3E}">
+        <p14:creationId xmlns:p14="http://schemas.microsoft.com/office/powerpoint/2010/main" val="3917960095"/>
+      </p:ext>
+    </p:extLst>
+  </p:cSld>
+  <p:clrMapOvr>
+    <a:masterClrMapping/>
+  </p:clrMapOvr>
+</p:sld>
+</file>
+
+<file path=ppt/slides/slide2.xml><?xml version="1.0" encoding="utf-8"?>
+<p:sld xmlns:a="http://schemas.openxmlformats.org/drawingml/2006/main" xmlns:r="http://schemas.openxmlformats.org/officeDocument/2006/relationships" xmlns:p="http://schemas.openxmlformats.org/presentationml/2006/main">
+  <p:cSld>
+    <p:spTree>
+      <p:nvGrpSpPr>
+        <p:cNvPr id="1" name=""/>
+        <p:cNvGrpSpPr/>
+        <p:nvPr/>
+      </p:nvGrpSpPr>
+      <p:grpSpPr>
+        <a:xfrm>
+          <a:off x="0" y="0"/>
+          <a:ext cx="0" cy="0"/>
+          <a:chOff x="0" y="0"/>
+          <a:chExt cx="0" cy="0"/>
+        </a:xfrm>
+      </p:grpSpPr>
+      <p:sp>
+        <p:nvSpPr>
+          <p:cNvPr id="2" name="标题 1"/>
+          <p:cNvSpPr>
+            <a:spLocks noGrp="1"/>
+          </p:cNvSpPr>
+          <p:nvPr>
+            <p:ph type="title"/>
+          </p:nvPr>
+        </p:nvSpPr>
+        <p:spPr/>
+        <p:txBody>
+          <a:bodyPr/>
+          <a:lstStyle/>
+          <a:p>
+            <a:r>
+              <a:rPr lang="zh-CN" altLang="en-US" dirty="0"/>
+              <a:t>背景</a:t>
+            </a:r>
+          </a:p>
+        </p:txBody>
+      </p:sp>
+      <p:sp>
+        <p:nvSpPr>
+          <p:cNvPr id="3" name="内容占位符 2"/>
+          <p:cNvSpPr>
+            <a:spLocks noGrp="1"/>
+          </p:cNvSpPr>
+          <p:nvPr>
+            <p:ph idx="1"/>
+          </p:nvPr>
+        </p:nvSpPr>
+        <p:spPr/>
+        <p:txBody>
+          <a:bodyPr>
+            <a:normAutofit fontScale="92500" lnSpcReduction="20000"/>
+          </a:bodyPr>
+          <a:lstStyle/>
+          <a:p>
+            <a:r>
+              <a:rPr lang="zh-CN" altLang="en-US" dirty="0"/>
+              <a:t>以工行为例</a:t>
+            </a:r>
+            <a:endParaRPr lang="en-US" altLang="zh-CN" dirty="0"/>
+          </a:p>
+          <a:p>
+            <a:pPr>
+              <a:lnSpc>
+                <a:spcPct val="120000"/>
+              </a:lnSpc>
+            </a:pPr>
+            <a:r>
+              <a:rPr lang="zh-CN" altLang="en-US" dirty="0"/>
+              <a:t>数据</a:t>
+            </a:r>
+            <a:r>
+              <a:rPr lang="en-US" altLang="zh-CN" dirty="0"/>
+              <a:t>: </a:t>
+            </a:r>
+            <a:r>
+              <a:rPr lang="zh-CN" altLang="en-US" dirty="0"/>
+              <a:t>客户信息，账户信息，产品信息，交易信息，管理信息</a:t>
+            </a:r>
+            <a:endParaRPr lang="en-US" altLang="zh-CN" dirty="0"/>
+          </a:p>
+          <a:p>
+            <a:r>
+              <a:rPr lang="zh-CN" altLang="en-US" dirty="0"/>
+              <a:t>数据规模</a:t>
+            </a:r>
+            <a:r>
+              <a:rPr lang="en-US" altLang="zh-CN" dirty="0"/>
+              <a:t>: 300TB</a:t>
+            </a:r>
+          </a:p>
+          <a:p>
+            <a:pPr>
+              <a:lnSpc>
+                <a:spcPct val="110000"/>
+              </a:lnSpc>
+            </a:pPr>
+            <a:r>
+              <a:rPr lang="zh-CN" altLang="en-US" dirty="0"/>
+              <a:t>基于数据，开发了</a:t>
+            </a:r>
+            <a:r>
+              <a:rPr lang="en-US" altLang="zh-CN" dirty="0"/>
+              <a:t>4.1</a:t>
+            </a:r>
+            <a:r>
+              <a:rPr lang="zh-CN" altLang="en-US" dirty="0"/>
+              <a:t>亿个人客户和</a:t>
+            </a:r>
+            <a:r>
+              <a:rPr lang="en-US" altLang="zh-CN" dirty="0"/>
+              <a:t>460</a:t>
+            </a:r>
+            <a:r>
+              <a:rPr lang="zh-CN" altLang="en-US" dirty="0"/>
+              <a:t>万法人客户的信息视图和星级评价体系</a:t>
+            </a:r>
+            <a:endParaRPr lang="en-US" altLang="zh-CN" dirty="0"/>
+          </a:p>
+          <a:p>
+            <a:r>
+              <a:rPr lang="zh-CN" altLang="en-US" dirty="0"/>
+              <a:t>模型：</a:t>
+            </a:r>
+            <a:endParaRPr lang="en-US" altLang="zh-CN" dirty="0"/>
+          </a:p>
+          <a:p>
+            <a:pPr lvl="1"/>
+            <a:r>
+              <a:rPr lang="en-US" altLang="zh-CN" sz="3000" dirty="0"/>
+              <a:t>34</a:t>
+            </a:r>
+            <a:r>
+              <a:rPr lang="zh-CN" altLang="en-US" sz="3000" dirty="0"/>
+              <a:t>个法人客户评级模型</a:t>
+            </a:r>
+            <a:endParaRPr lang="en-US" altLang="zh-CN" sz="3000" dirty="0"/>
+          </a:p>
+          <a:p>
+            <a:pPr lvl="1"/>
+            <a:r>
+              <a:rPr lang="en-US" altLang="zh-CN" sz="3000" dirty="0"/>
+              <a:t>75</a:t>
+            </a:r>
+            <a:r>
+              <a:rPr lang="zh-CN" altLang="en-US" sz="3000" dirty="0"/>
+              <a:t>个零售信用评分模型</a:t>
+            </a:r>
+            <a:br>
+              <a:rPr lang="en-US" altLang="zh-CN" sz="3000" dirty="0"/>
+            </a:br>
+            <a:r>
+              <a:rPr lang="en-US" altLang="zh-CN" sz="3000" dirty="0"/>
+              <a:t>16</a:t>
+            </a:r>
+            <a:r>
+              <a:rPr lang="zh-CN" altLang="en-US" sz="3000" dirty="0"/>
+              <a:t>项市场风险内部计量模型</a:t>
+            </a:r>
+            <a:endParaRPr lang="en-US" altLang="zh-CN" sz="3000" dirty="0"/>
+          </a:p>
+          <a:p>
+            <a:pPr lvl="1"/>
+            <a:r>
+              <a:rPr lang="en-US" altLang="zh-CN" sz="3000" dirty="0"/>
+              <a:t>17</a:t>
+            </a:r>
+            <a:r>
+              <a:rPr lang="zh-CN" altLang="en-US" sz="3000" dirty="0"/>
+              <a:t>类操作风险资本计量模型</a:t>
+            </a:r>
+            <a:endParaRPr lang="en-US" altLang="zh-CN" dirty="0"/>
+          </a:p>
+          <a:p>
+            <a:endParaRPr lang="zh-CN" altLang="en-US" dirty="0"/>
+          </a:p>
+        </p:txBody>
+      </p:sp>
+    </p:spTree>
+    <p:extLst>
+      <p:ext uri="{BB962C8B-B14F-4D97-AF65-F5344CB8AC3E}">
+        <p14:creationId xmlns:p14="http://schemas.microsoft.com/office/powerpoint/2010/main" val="2260252690"/>
+      </p:ext>
+    </p:extLst>
+  </p:cSld>
+  <p:clrMapOvr>
+    <a:masterClrMapping/>
+  </p:clrMapOvr>
+</p:sld>
+</file>
+
+<file path=ppt/slides/slide20.xml><?xml version="1.0" encoding="utf-8"?>
+<p:sld xmlns:a="http://schemas.openxmlformats.org/drawingml/2006/main" xmlns:r="http://schemas.openxmlformats.org/officeDocument/2006/relationships" xmlns:p="http://schemas.openxmlformats.org/presentationml/2006/main">
+  <p:cSld>
+    <p:spTree>
+      <p:nvGrpSpPr>
+        <p:cNvPr id="1" name=""/>
+        <p:cNvGrpSpPr/>
+        <p:nvPr/>
+      </p:nvGrpSpPr>
+      <p:grpSpPr>
+        <a:xfrm>
+          <a:off x="0" y="0"/>
+          <a:ext cx="0" cy="0"/>
+          <a:chOff x="0" y="0"/>
+          <a:chExt cx="0" cy="0"/>
+        </a:xfrm>
+      </p:grpSpPr>
+      <p:sp>
+        <p:nvSpPr>
+          <p:cNvPr id="2" name="标题 1"/>
+          <p:cNvSpPr>
+            <a:spLocks noGrp="1"/>
+          </p:cNvSpPr>
+          <p:nvPr>
+            <p:ph type="title"/>
+          </p:nvPr>
+        </p:nvSpPr>
+        <p:spPr/>
+        <p:txBody>
+          <a:bodyPr/>
+          <a:lstStyle/>
+          <a:p>
+            <a:r>
+              <a:rPr lang="zh-CN" altLang="en-US" dirty="0"/>
+              <a:t>原理</a:t>
+            </a:r>
+          </a:p>
+        </p:txBody>
+      </p:sp>
+      <p:sp>
+        <p:nvSpPr>
+          <p:cNvPr id="3" name="内容占位符 2"/>
+          <p:cNvSpPr>
+            <a:spLocks noGrp="1"/>
+          </p:cNvSpPr>
+          <p:nvPr>
+            <p:ph idx="1"/>
+          </p:nvPr>
+        </p:nvSpPr>
+        <p:spPr>
+          <a:xfrm>
+            <a:off x="628650" y="1481068"/>
+            <a:ext cx="7886700" cy="4351338"/>
+          </a:xfrm>
+        </p:spPr>
+        <p:txBody>
+          <a:bodyPr>
+            <a:normAutofit/>
+          </a:bodyPr>
+          <a:lstStyle/>
+          <a:p>
+            <a:pPr>
+              <a:lnSpc>
+                <a:spcPct val="120000"/>
+              </a:lnSpc>
+            </a:pPr>
+            <a:r>
+              <a:rPr lang="zh-CN" altLang="en-US" dirty="0"/>
+              <a:t>求                              的特征向量，构成特征向量矩阵</a:t>
+            </a:r>
+            <a:r>
+              <a:rPr lang="en-US" altLang="zh-CN" dirty="0"/>
+              <a:t>E</a:t>
+            </a:r>
+          </a:p>
+          <a:p>
+            <a:pPr>
+              <a:lnSpc>
+                <a:spcPct val="120000"/>
+              </a:lnSpc>
+            </a:pPr>
+            <a:r>
+              <a:rPr lang="en-US" altLang="zh-CN" dirty="0"/>
+              <a:t>x</a:t>
+            </a:r>
+            <a:r>
+              <a:rPr lang="zh-CN" altLang="en-US" dirty="0"/>
+              <a:t>与特征向量矩阵</a:t>
+            </a:r>
+            <a:r>
+              <a:rPr lang="en-US" altLang="zh-CN" dirty="0"/>
+              <a:t>E</a:t>
+            </a:r>
+            <a:r>
+              <a:rPr lang="zh-CN" altLang="en-US" dirty="0"/>
+              <a:t>的乘积，相当于将</a:t>
+            </a:r>
+            <a:r>
+              <a:rPr lang="en-US" altLang="zh-CN" dirty="0"/>
+              <a:t>x</a:t>
+            </a:r>
+            <a:r>
+              <a:rPr lang="zh-CN" altLang="en-US" dirty="0"/>
+              <a:t>在高维空间中旋转</a:t>
+            </a:r>
+            <a:endParaRPr lang="en-US" altLang="zh-CN" dirty="0"/>
+          </a:p>
+          <a:p>
+            <a:pPr lvl="1">
+              <a:lnSpc>
+                <a:spcPct val="120000"/>
+              </a:lnSpc>
+            </a:pPr>
+            <a:r>
+              <a:rPr lang="zh-CN" altLang="en-US" dirty="0"/>
+              <a:t>原数据变成在新的坐标上的投影</a:t>
+            </a:r>
+            <a:endParaRPr lang="en-US" altLang="zh-CN" dirty="0"/>
+          </a:p>
+          <a:p>
+            <a:pPr>
+              <a:lnSpc>
+                <a:spcPct val="120000"/>
+              </a:lnSpc>
+            </a:pPr>
+            <a:endParaRPr lang="en-US" altLang="zh-CN" dirty="0"/>
+          </a:p>
+        </p:txBody>
+      </p:sp>
+      <p:pic>
+        <p:nvPicPr>
+          <p:cNvPr id="4" name="图片 3"/>
+          <p:cNvPicPr>
+            <a:picLocks noChangeAspect="1"/>
+          </p:cNvPicPr>
+          <p:nvPr/>
+        </p:nvPicPr>
+        <p:blipFill>
+          <a:blip r:embed="rId2"/>
+          <a:stretch>
+            <a:fillRect/>
+          </a:stretch>
+        </p:blipFill>
+        <p:spPr>
+          <a:xfrm>
+            <a:off x="1443826" y="1595893"/>
+            <a:ext cx="2146890" cy="365428"/>
+          </a:xfrm>
+          <a:prstGeom prst="rect">
+            <a:avLst/>
+          </a:prstGeom>
+        </p:spPr>
+      </p:pic>
+      <p:pic>
+        <p:nvPicPr>
+          <p:cNvPr id="9" name="图片 8">
+            <a:extLst>
+              <a:ext uri="{FF2B5EF4-FFF2-40B4-BE49-F238E27FC236}">
+                <a16:creationId xmlns:a16="http://schemas.microsoft.com/office/drawing/2014/main" id="{3C036A90-B25E-7E49-A3BC-E959930FF3D7}"/>
+              </a:ext>
+            </a:extLst>
+          </p:cNvPr>
+          <p:cNvPicPr>
+            <a:picLocks noChangeAspect="1"/>
+          </p:cNvPicPr>
+          <p:nvPr/>
+        </p:nvPicPr>
+        <p:blipFill rotWithShape="1">
+          <a:blip r:embed="rId3"/>
+          <a:srcRect r="62812"/>
+          <a:stretch/>
+        </p:blipFill>
+        <p:spPr>
+          <a:xfrm>
+            <a:off x="1700988" y="4396755"/>
+            <a:ext cx="2066980" cy="2329019"/>
+          </a:xfrm>
+          <a:prstGeom prst="rect">
+            <a:avLst/>
+          </a:prstGeom>
+        </p:spPr>
+      </p:pic>
+      <p:pic>
+        <p:nvPicPr>
+          <p:cNvPr id="10" name="图片 9">
+            <a:extLst>
+              <a:ext uri="{FF2B5EF4-FFF2-40B4-BE49-F238E27FC236}">
+                <a16:creationId xmlns:a16="http://schemas.microsoft.com/office/drawing/2014/main" id="{5CC81D53-668A-F048-955D-D70339E6BE82}"/>
+              </a:ext>
+            </a:extLst>
+          </p:cNvPr>
+          <p:cNvPicPr>
+            <a:picLocks noChangeAspect="1"/>
+          </p:cNvPicPr>
+          <p:nvPr/>
+        </p:nvPicPr>
+        <p:blipFill rotWithShape="1">
+          <a:blip r:embed="rId3"/>
+          <a:srcRect r="62812"/>
+          <a:stretch/>
+        </p:blipFill>
+        <p:spPr>
+          <a:xfrm>
+            <a:off x="4840306" y="4619329"/>
+            <a:ext cx="2066980" cy="2329019"/>
+          </a:xfrm>
+          <a:prstGeom prst="rect">
+            <a:avLst/>
+          </a:prstGeom>
+          <a:scene3d>
+            <a:camera prst="orthographicFront">
+              <a:rot lat="0" lon="0" rev="18900000"/>
+            </a:camera>
+            <a:lightRig rig="threePt" dir="t"/>
+          </a:scene3d>
+        </p:spPr>
+      </p:pic>
+    </p:spTree>
+    <p:extLst>
+      <p:ext uri="{BB962C8B-B14F-4D97-AF65-F5344CB8AC3E}">
+        <p14:creationId xmlns:p14="http://schemas.microsoft.com/office/powerpoint/2010/main" val="2140455394"/>
+      </p:ext>
+    </p:extLst>
+  </p:cSld>
+  <p:clrMapOvr>
+    <a:masterClrMapping/>
+  </p:clrMapOvr>
+</p:sld>
+</file>
+
+<file path=ppt/slides/slide21.xml><?xml version="1.0" encoding="utf-8"?>
+<p:sld xmlns:a="http://schemas.openxmlformats.org/drawingml/2006/main" xmlns:r="http://schemas.openxmlformats.org/officeDocument/2006/relationships" xmlns:p="http://schemas.openxmlformats.org/presentationml/2006/main">
+  <p:cSld>
+    <p:spTree>
+      <p:nvGrpSpPr>
+        <p:cNvPr id="1" name=""/>
+        <p:cNvGrpSpPr/>
+        <p:nvPr/>
+      </p:nvGrpSpPr>
+      <p:grpSpPr>
+        <a:xfrm>
+          <a:off x="0" y="0"/>
+          <a:ext cx="0" cy="0"/>
+          <a:chOff x="0" y="0"/>
+          <a:chExt cx="0" cy="0"/>
+        </a:xfrm>
+      </p:grpSpPr>
+      <p:sp>
+        <p:nvSpPr>
+          <p:cNvPr id="2" name="标题 1">
+            <a:extLst>
+              <a:ext uri="{FF2B5EF4-FFF2-40B4-BE49-F238E27FC236}">
+                <a16:creationId xmlns:a16="http://schemas.microsoft.com/office/drawing/2014/main" id="{95F38598-1E92-CE42-ACE8-3046640E2010}"/>
+              </a:ext>
+            </a:extLst>
+          </p:cNvPr>
+          <p:cNvSpPr>
+            <a:spLocks noGrp="1"/>
+          </p:cNvSpPr>
+          <p:nvPr>
+            <p:ph type="title"/>
+          </p:nvPr>
+        </p:nvSpPr>
+        <p:spPr/>
+        <p:txBody>
+          <a:bodyPr/>
+          <a:lstStyle/>
+          <a:p>
+            <a:r>
+              <a:rPr kumimoji="1" lang="zh-CN" altLang="en-US" dirty="0"/>
+              <a:t>主特征向量</a:t>
+            </a:r>
+          </a:p>
+        </p:txBody>
+      </p:sp>
+      <p:sp>
+        <p:nvSpPr>
+          <p:cNvPr id="3" name="内容占位符 2">
+            <a:extLst>
+              <a:ext uri="{FF2B5EF4-FFF2-40B4-BE49-F238E27FC236}">
+                <a16:creationId xmlns:a16="http://schemas.microsoft.com/office/drawing/2014/main" id="{1C1A2CF1-15D0-664D-890E-D667EEAD7742}"/>
+              </a:ext>
+            </a:extLst>
+          </p:cNvPr>
+          <p:cNvSpPr>
+            <a:spLocks noGrp="1"/>
+          </p:cNvSpPr>
+          <p:nvPr>
+            <p:ph idx="1"/>
+          </p:nvPr>
+        </p:nvSpPr>
+        <p:spPr>
+          <a:xfrm>
+            <a:off x="628650" y="1622425"/>
+            <a:ext cx="7886700" cy="4351338"/>
+          </a:xfrm>
+        </p:spPr>
+        <p:txBody>
+          <a:bodyPr/>
+          <a:lstStyle/>
+          <a:p>
+            <a:pPr>
+              <a:lnSpc>
+                <a:spcPct val="120000"/>
+              </a:lnSpc>
+            </a:pPr>
+            <a:r>
+              <a:rPr lang="zh-CN" altLang="en-US" dirty="0"/>
+              <a:t>主特征向量就是沿着它、点最“分散”的方向</a:t>
+            </a:r>
+            <a:endParaRPr lang="en-US" altLang="zh-CN" dirty="0"/>
+          </a:p>
+          <a:p>
+            <a:pPr lvl="1">
+              <a:lnSpc>
+                <a:spcPct val="120000"/>
+              </a:lnSpc>
+            </a:pPr>
+            <a:r>
+              <a:rPr lang="zh-CN" altLang="en-US" dirty="0"/>
+              <a:t>也就是数据方差最大的方向</a:t>
+            </a:r>
+            <a:endParaRPr lang="en-US" altLang="zh-CN" dirty="0"/>
+          </a:p>
+          <a:p>
+            <a:pPr lvl="1">
+              <a:lnSpc>
+                <a:spcPct val="120000"/>
+              </a:lnSpc>
+            </a:pPr>
+            <a:r>
+              <a:rPr lang="zh-CN" altLang="en-US" dirty="0"/>
+              <a:t>将这些点视为沿这个方向放置</a:t>
+            </a:r>
+            <a:endParaRPr lang="en-US" altLang="zh-CN" dirty="0"/>
+          </a:p>
+          <a:p>
+            <a:pPr>
+              <a:lnSpc>
+                <a:spcPct val="120000"/>
+              </a:lnSpc>
+            </a:pPr>
+            <a:r>
+              <a:rPr lang="zh-CN" altLang="en-US" dirty="0"/>
+              <a:t>新的坐标上，第一维是主特征向量指向的那个方向，能量最强</a:t>
+            </a:r>
+            <a:endParaRPr lang="en-US" altLang="zh-CN" dirty="0"/>
+          </a:p>
+          <a:p>
+            <a:pPr lvl="1">
+              <a:lnSpc>
+                <a:spcPct val="120000"/>
+              </a:lnSpc>
+            </a:pPr>
+            <a:endParaRPr lang="en-US" altLang="zh-CN" dirty="0"/>
+          </a:p>
+          <a:p>
+            <a:pPr>
+              <a:lnSpc>
+                <a:spcPct val="120000"/>
+              </a:lnSpc>
+            </a:pPr>
+            <a:endParaRPr lang="en-US" altLang="zh-CN" dirty="0"/>
+          </a:p>
+          <a:p>
+            <a:endParaRPr kumimoji="1" lang="zh-CN" altLang="en-US" dirty="0"/>
+          </a:p>
+        </p:txBody>
+      </p:sp>
+      <p:pic>
+        <p:nvPicPr>
+          <p:cNvPr id="7" name="图片 6">
+            <a:extLst>
+              <a:ext uri="{FF2B5EF4-FFF2-40B4-BE49-F238E27FC236}">
+                <a16:creationId xmlns:a16="http://schemas.microsoft.com/office/drawing/2014/main" id="{DDC211B5-69E4-6142-9F77-739A5C440A9F}"/>
+              </a:ext>
+            </a:extLst>
+          </p:cNvPr>
+          <p:cNvPicPr>
+            <a:picLocks noChangeAspect="1"/>
+          </p:cNvPicPr>
+          <p:nvPr/>
+        </p:nvPicPr>
+        <p:blipFill rotWithShape="1">
+          <a:blip r:embed="rId2"/>
+          <a:srcRect r="62812"/>
+          <a:stretch/>
+        </p:blipFill>
+        <p:spPr>
+          <a:xfrm>
+            <a:off x="3197037" y="4420546"/>
+            <a:ext cx="2066980" cy="2329019"/>
+          </a:xfrm>
+          <a:prstGeom prst="rect">
+            <a:avLst/>
+          </a:prstGeom>
+          <a:scene3d>
+            <a:camera prst="orthographicFront">
+              <a:rot lat="0" lon="0" rev="18900000"/>
+            </a:camera>
+            <a:lightRig rig="threePt" dir="t"/>
+          </a:scene3d>
+        </p:spPr>
+      </p:pic>
+    </p:spTree>
+    <p:extLst>
+      <p:ext uri="{BB962C8B-B14F-4D97-AF65-F5344CB8AC3E}">
+        <p14:creationId xmlns:p14="http://schemas.microsoft.com/office/powerpoint/2010/main" val="1765876357"/>
+      </p:ext>
+    </p:extLst>
+  </p:cSld>
+  <p:clrMapOvr>
+    <a:masterClrMapping/>
+  </p:clrMapOvr>
+</p:sld>
+</file>
+
+<file path=ppt/slides/slide22.xml><?xml version="1.0" encoding="utf-8"?>
+<p:sld xmlns:a="http://schemas.openxmlformats.org/drawingml/2006/main" xmlns:r="http://schemas.openxmlformats.org/officeDocument/2006/relationships" xmlns:p="http://schemas.openxmlformats.org/presentationml/2006/main">
+  <p:cSld>
+    <p:spTree>
+      <p:nvGrpSpPr>
+        <p:cNvPr id="1" name=""/>
+        <p:cNvGrpSpPr/>
+        <p:nvPr/>
+      </p:nvGrpSpPr>
+      <p:grpSpPr>
+        <a:xfrm>
+          <a:off x="0" y="0"/>
+          <a:ext cx="0" cy="0"/>
+          <a:chOff x="0" y="0"/>
+          <a:chExt cx="0" cy="0"/>
+        </a:xfrm>
+      </p:grpSpPr>
+      <p:sp>
+        <p:nvSpPr>
+          <p:cNvPr id="2" name="标题 1">
+            <a:extLst>
+              <a:ext uri="{FF2B5EF4-FFF2-40B4-BE49-F238E27FC236}">
+                <a16:creationId xmlns:a16="http://schemas.microsoft.com/office/drawing/2014/main" id="{696CB9B8-989D-E940-91D5-22D9AC8C1F4D}"/>
+              </a:ext>
+            </a:extLst>
+          </p:cNvPr>
+          <p:cNvSpPr>
+            <a:spLocks noGrp="1"/>
+          </p:cNvSpPr>
+          <p:nvPr>
+            <p:ph type="title"/>
+          </p:nvPr>
+        </p:nvSpPr>
+        <p:spPr/>
+        <p:txBody>
+          <a:bodyPr/>
+          <a:lstStyle/>
+          <a:p>
+            <a:r>
+              <a:rPr kumimoji="1" lang="zh-CN" altLang="en-US" dirty="0"/>
+              <a:t>第二特征向量</a:t>
+            </a:r>
+          </a:p>
+        </p:txBody>
+      </p:sp>
+      <p:sp>
+        <p:nvSpPr>
+          <p:cNvPr id="3" name="内容占位符 2">
+            <a:extLst>
+              <a:ext uri="{FF2B5EF4-FFF2-40B4-BE49-F238E27FC236}">
+                <a16:creationId xmlns:a16="http://schemas.microsoft.com/office/drawing/2014/main" id="{39049F91-1C76-354D-907B-594FBD70F22A}"/>
+              </a:ext>
+            </a:extLst>
+          </p:cNvPr>
+          <p:cNvSpPr>
+            <a:spLocks noGrp="1"/>
+          </p:cNvSpPr>
+          <p:nvPr>
+            <p:ph idx="1"/>
+          </p:nvPr>
+        </p:nvSpPr>
+        <p:spPr/>
+        <p:txBody>
+          <a:bodyPr/>
+          <a:lstStyle/>
+          <a:p>
+            <a:pPr>
+              <a:lnSpc>
+                <a:spcPct val="120000"/>
+              </a:lnSpc>
+            </a:pPr>
+            <a:r>
+              <a:rPr lang="zh-CN" altLang="en-US" dirty="0"/>
+              <a:t>对应于第二特征向量的轴（对应于第二最大特征值的特征向量）是去掉第一轴后数据方差最大的轴，依此类推。</a:t>
+            </a:r>
+            <a:endParaRPr lang="en-US" altLang="zh-CN" dirty="0"/>
+          </a:p>
+          <a:p>
+            <a:pPr>
+              <a:lnSpc>
+                <a:spcPct val="120000"/>
+              </a:lnSpc>
+            </a:pPr>
+            <a:r>
+              <a:rPr lang="zh-CN" altLang="en-US" dirty="0"/>
+              <a:t>以后依次递减</a:t>
+            </a:r>
+            <a:endParaRPr lang="en-US" altLang="zh-CN" dirty="0"/>
+          </a:p>
+          <a:p>
+            <a:pPr lvl="1">
+              <a:lnSpc>
+                <a:spcPct val="120000"/>
+              </a:lnSpc>
+            </a:pPr>
+            <a:r>
+              <a:rPr lang="zh-CN" altLang="en-US" dirty="0"/>
+              <a:t>使降维成为可能</a:t>
+            </a:r>
+          </a:p>
+          <a:p>
+            <a:endParaRPr kumimoji="1" lang="zh-CN" altLang="en-US" dirty="0"/>
+          </a:p>
+        </p:txBody>
+      </p:sp>
+      <p:pic>
+        <p:nvPicPr>
+          <p:cNvPr id="4" name="图片 3">
+            <a:extLst>
+              <a:ext uri="{FF2B5EF4-FFF2-40B4-BE49-F238E27FC236}">
+                <a16:creationId xmlns:a16="http://schemas.microsoft.com/office/drawing/2014/main" id="{6093659A-B7FE-F64C-A4F0-892A14E615FF}"/>
+              </a:ext>
+            </a:extLst>
+          </p:cNvPr>
+          <p:cNvPicPr>
+            <a:picLocks noChangeAspect="1"/>
+          </p:cNvPicPr>
+          <p:nvPr/>
+        </p:nvPicPr>
+        <p:blipFill rotWithShape="1">
+          <a:blip r:embed="rId2"/>
+          <a:srcRect r="62812"/>
+          <a:stretch/>
+        </p:blipFill>
+        <p:spPr>
+          <a:xfrm>
+            <a:off x="5052341" y="4001294"/>
+            <a:ext cx="2066980" cy="2329019"/>
+          </a:xfrm>
+          <a:prstGeom prst="rect">
+            <a:avLst/>
+          </a:prstGeom>
+          <a:scene3d>
+            <a:camera prst="orthographicFront">
+              <a:rot lat="0" lon="0" rev="18900000"/>
+            </a:camera>
+            <a:lightRig rig="threePt" dir="t"/>
+          </a:scene3d>
+        </p:spPr>
+      </p:pic>
+    </p:spTree>
+    <p:extLst>
+      <p:ext uri="{BB962C8B-B14F-4D97-AF65-F5344CB8AC3E}">
+        <p14:creationId xmlns:p14="http://schemas.microsoft.com/office/powerpoint/2010/main" val="1446766588"/>
+      </p:ext>
+    </p:extLst>
+  </p:cSld>
+  <p:clrMapOvr>
+    <a:masterClrMapping/>
+  </p:clrMapOvr>
+</p:sld>
+</file>
+
+<file path=ppt/slides/slide23.xml><?xml version="1.0" encoding="utf-8"?>
+<p:sld xmlns:a="http://schemas.openxmlformats.org/drawingml/2006/main" xmlns:r="http://schemas.openxmlformats.org/officeDocument/2006/relationships" xmlns:p="http://schemas.openxmlformats.org/presentationml/2006/main">
+  <p:cSld>
+    <p:spTree>
+      <p:nvGrpSpPr>
+        <p:cNvPr id="1" name=""/>
+        <p:cNvGrpSpPr/>
+        <p:nvPr/>
+      </p:nvGrpSpPr>
+      <p:grpSpPr>
+        <a:xfrm>
+          <a:off x="0" y="0"/>
+          <a:ext cx="0" cy="0"/>
+          <a:chOff x="0" y="0"/>
+          <a:chExt cx="0" cy="0"/>
+        </a:xfrm>
+      </p:grpSpPr>
+      <p:sp>
+        <p:nvSpPr>
+          <p:cNvPr id="2" name="标题 1"/>
+          <p:cNvSpPr>
+            <a:spLocks noGrp="1"/>
+          </p:cNvSpPr>
+          <p:nvPr>
+            <p:ph type="title"/>
+          </p:nvPr>
+        </p:nvSpPr>
+        <p:spPr/>
+        <p:txBody>
+          <a:bodyPr/>
+          <a:lstStyle/>
+          <a:p>
+            <a:r>
+              <a:rPr lang="zh-CN" altLang="en-US" dirty="0"/>
+              <a:t>实现</a:t>
+            </a:r>
+          </a:p>
+        </p:txBody>
+      </p:sp>
+      <p:sp>
+        <p:nvSpPr>
+          <p:cNvPr id="3" name="文本占位符 2"/>
+          <p:cNvSpPr>
+            <a:spLocks noGrp="1"/>
+          </p:cNvSpPr>
+          <p:nvPr>
+            <p:ph type="body" idx="1"/>
+          </p:nvPr>
+        </p:nvSpPr>
+        <p:spPr/>
+        <p:txBody>
+          <a:bodyPr>
+            <a:normAutofit/>
+          </a:bodyPr>
+          <a:lstStyle/>
+          <a:p>
+            <a:r>
+              <a:rPr lang="zh-CN" altLang="en-US" sz="3200" dirty="0">
+                <a:solidFill>
+                  <a:schemeClr val="tx1"/>
+                </a:solidFill>
+              </a:rPr>
+              <a:t>特征值与特征向量的计算方法</a:t>
+            </a:r>
+          </a:p>
+        </p:txBody>
+      </p:sp>
+    </p:spTree>
+    <p:extLst>
+      <p:ext uri="{BB962C8B-B14F-4D97-AF65-F5344CB8AC3E}">
+        <p14:creationId xmlns:p14="http://schemas.microsoft.com/office/powerpoint/2010/main" val="972836973"/>
+      </p:ext>
+    </p:extLst>
+  </p:cSld>
+  <p:clrMapOvr>
+    <a:masterClrMapping/>
+  </p:clrMapOvr>
+</p:sld>
+</file>
+
+<file path=ppt/slides/slide24.xml><?xml version="1.0" encoding="utf-8"?>
+<p:sld xmlns:a="http://schemas.openxmlformats.org/drawingml/2006/main" xmlns:r="http://schemas.openxmlformats.org/officeDocument/2006/relationships" xmlns:p="http://schemas.openxmlformats.org/presentationml/2006/main">
+  <p:cSld>
+    <p:spTree>
+      <p:nvGrpSpPr>
+        <p:cNvPr id="1" name=""/>
+        <p:cNvGrpSpPr/>
+        <p:nvPr/>
+      </p:nvGrpSpPr>
+      <p:grpSpPr>
+        <a:xfrm>
+          <a:off x="0" y="0"/>
+          <a:ext cx="0" cy="0"/>
+          <a:chOff x="0" y="0"/>
+          <a:chExt cx="0" cy="0"/>
+        </a:xfrm>
+      </p:grpSpPr>
+      <p:sp>
+        <p:nvSpPr>
+          <p:cNvPr id="2" name="标题 1">
+            <a:extLst>
+              <a:ext uri="{FF2B5EF4-FFF2-40B4-BE49-F238E27FC236}">
+                <a16:creationId xmlns:a16="http://schemas.microsoft.com/office/drawing/2014/main" id="{1048DB61-21F1-2941-85AD-2231B3127EDF}"/>
+              </a:ext>
+            </a:extLst>
+          </p:cNvPr>
+          <p:cNvSpPr>
+            <a:spLocks noGrp="1"/>
+          </p:cNvSpPr>
+          <p:nvPr>
+            <p:ph type="title"/>
+          </p:nvPr>
+        </p:nvSpPr>
+        <p:spPr/>
+        <p:txBody>
+          <a:bodyPr/>
+          <a:lstStyle/>
+          <a:p>
+            <a:r>
+              <a:rPr kumimoji="1" lang="zh-CN" altLang="en-US" dirty="0"/>
+              <a:t>实现</a:t>
+            </a:r>
+          </a:p>
+        </p:txBody>
+      </p:sp>
+      <p:sp>
+        <p:nvSpPr>
+          <p:cNvPr id="3" name="内容占位符 2">
+            <a:extLst>
+              <a:ext uri="{FF2B5EF4-FFF2-40B4-BE49-F238E27FC236}">
+                <a16:creationId xmlns:a16="http://schemas.microsoft.com/office/drawing/2014/main" id="{90588D28-0A8E-5A48-B52E-A0CD8FCEEEC3}"/>
+              </a:ext>
+            </a:extLst>
+          </p:cNvPr>
+          <p:cNvSpPr>
+            <a:spLocks noGrp="1"/>
+          </p:cNvSpPr>
+          <p:nvPr>
+            <p:ph idx="1"/>
+          </p:nvPr>
+        </p:nvSpPr>
+        <p:spPr/>
+        <p:txBody>
+          <a:bodyPr/>
+          <a:lstStyle/>
+          <a:p>
+            <a:r>
+              <a:rPr kumimoji="1" lang="zh-CN" altLang="en-US" dirty="0"/>
+              <a:t>一个实数、对称、方阵</a:t>
+            </a:r>
+            <a:r>
+              <a:rPr kumimoji="1" lang="en-US" altLang="zh-CN" dirty="0"/>
+              <a:t>B</a:t>
+            </a:r>
+            <a:r>
+              <a:rPr kumimoji="1" lang="zh-CN" altLang="en-US" dirty="0"/>
+              <a:t>可以写作</a:t>
+            </a:r>
+            <a:endParaRPr kumimoji="1" lang="en-US" altLang="zh-CN" dirty="0"/>
+          </a:p>
+          <a:p>
+            <a:endParaRPr kumimoji="1" lang="en-US" altLang="zh-CN" dirty="0"/>
+          </a:p>
+          <a:p>
+            <a:endParaRPr kumimoji="1" lang="en-US" altLang="zh-CN" dirty="0"/>
+          </a:p>
+          <a:p>
+            <a:r>
+              <a:rPr kumimoji="1" lang="zh-CN" altLang="en-US" dirty="0"/>
+              <a:t>其中对角阵</a:t>
+            </a:r>
+            <a:endParaRPr kumimoji="1" lang="en-US" altLang="zh-CN" dirty="0"/>
+          </a:p>
+          <a:p>
+            <a:endParaRPr kumimoji="1" lang="en-US" altLang="zh-CN" dirty="0"/>
+          </a:p>
+          <a:p>
+            <a:r>
+              <a:rPr kumimoji="1" lang="zh-CN" altLang="en-US" dirty="0"/>
+              <a:t>包括</a:t>
+            </a:r>
+            <a:r>
+              <a:rPr kumimoji="1" lang="en-US" altLang="zh-CN" dirty="0"/>
+              <a:t>B</a:t>
+            </a:r>
+            <a:r>
+              <a:rPr kumimoji="1" lang="zh-CN" altLang="en-US" dirty="0"/>
+              <a:t>的特征值</a:t>
+            </a:r>
+            <a:endParaRPr kumimoji="1" lang="en-US" altLang="zh-CN" dirty="0"/>
+          </a:p>
+          <a:p>
+            <a:r>
+              <a:rPr kumimoji="1" lang="en-US" altLang="zh-CN" dirty="0"/>
+              <a:t>Q</a:t>
+            </a:r>
+            <a:r>
+              <a:rPr kumimoji="1" lang="zh-CN" altLang="en-US" dirty="0"/>
+              <a:t>是正交矩阵，它的列是</a:t>
+            </a:r>
+            <a:r>
+              <a:rPr kumimoji="1" lang="en-US" altLang="zh-CN" dirty="0"/>
+              <a:t>B</a:t>
+            </a:r>
+            <a:r>
+              <a:rPr kumimoji="1" lang="zh-CN" altLang="en-US" dirty="0"/>
+              <a:t>的特征向量</a:t>
+            </a:r>
+            <a:endParaRPr kumimoji="1" lang="en-US" altLang="zh-CN" dirty="0"/>
+          </a:p>
+          <a:p>
+            <a:r>
+              <a:rPr kumimoji="1" lang="en-US" altLang="zh-CN" dirty="0"/>
+              <a:t>PCA</a:t>
+            </a:r>
+            <a:r>
+              <a:rPr kumimoji="1" lang="zh-CN" altLang="en-US" dirty="0"/>
+              <a:t>要计算的是                               的特征向量 </a:t>
+            </a:r>
+          </a:p>
+        </p:txBody>
+      </p:sp>
+      <p:pic>
+        <p:nvPicPr>
+          <p:cNvPr id="4" name="图片 3">
+            <a:extLst>
+              <a:ext uri="{FF2B5EF4-FFF2-40B4-BE49-F238E27FC236}">
+                <a16:creationId xmlns:a16="http://schemas.microsoft.com/office/drawing/2014/main" id="{6995E90F-5CFF-2B44-BCE3-854FD15537EF}"/>
+              </a:ext>
+            </a:extLst>
+          </p:cNvPr>
+          <p:cNvPicPr>
+            <a:picLocks noChangeAspect="1"/>
+          </p:cNvPicPr>
+          <p:nvPr/>
+        </p:nvPicPr>
+        <p:blipFill>
+          <a:blip r:embed="rId2"/>
+          <a:stretch>
+            <a:fillRect/>
+          </a:stretch>
+        </p:blipFill>
+        <p:spPr>
+          <a:xfrm>
+            <a:off x="3299791" y="2319050"/>
+            <a:ext cx="1895061" cy="766774"/>
+          </a:xfrm>
+          <a:prstGeom prst="rect">
+            <a:avLst/>
+          </a:prstGeom>
+        </p:spPr>
+      </p:pic>
+      <p:pic>
+        <p:nvPicPr>
+          <p:cNvPr id="5" name="图片 4">
+            <a:extLst>
+              <a:ext uri="{FF2B5EF4-FFF2-40B4-BE49-F238E27FC236}">
+                <a16:creationId xmlns:a16="http://schemas.microsoft.com/office/drawing/2014/main" id="{AB37A4AD-7F15-5A4E-848A-85A440EBBDCA}"/>
+              </a:ext>
+            </a:extLst>
+          </p:cNvPr>
+          <p:cNvPicPr>
+            <a:picLocks noChangeAspect="1"/>
+          </p:cNvPicPr>
+          <p:nvPr/>
+        </p:nvPicPr>
+        <p:blipFill>
+          <a:blip r:embed="rId3"/>
+          <a:stretch>
+            <a:fillRect/>
+          </a:stretch>
+        </p:blipFill>
+        <p:spPr>
+          <a:xfrm>
+            <a:off x="2633259" y="3890996"/>
+            <a:ext cx="2561593" cy="432076"/>
+          </a:xfrm>
+          <a:prstGeom prst="rect">
+            <a:avLst/>
+          </a:prstGeom>
+        </p:spPr>
+      </p:pic>
+      <p:pic>
+        <p:nvPicPr>
+          <p:cNvPr id="6" name="图片 5">
+            <a:extLst>
+              <a:ext uri="{FF2B5EF4-FFF2-40B4-BE49-F238E27FC236}">
+                <a16:creationId xmlns:a16="http://schemas.microsoft.com/office/drawing/2014/main" id="{ECE0CE63-1AA8-2C45-932E-8C0D7E591471}"/>
+              </a:ext>
+            </a:extLst>
+          </p:cNvPr>
+          <p:cNvPicPr>
+            <a:picLocks noChangeAspect="1"/>
+          </p:cNvPicPr>
+          <p:nvPr/>
+        </p:nvPicPr>
+        <p:blipFill>
+          <a:blip r:embed="rId4"/>
+          <a:stretch>
+            <a:fillRect/>
+          </a:stretch>
+        </p:blipFill>
+        <p:spPr>
+          <a:xfrm>
+            <a:off x="3498555" y="5399267"/>
+            <a:ext cx="2146890" cy="365428"/>
+          </a:xfrm>
+          <a:prstGeom prst="rect">
+            <a:avLst/>
+          </a:prstGeom>
+        </p:spPr>
+      </p:pic>
+    </p:spTree>
+    <p:extLst>
+      <p:ext uri="{BB962C8B-B14F-4D97-AF65-F5344CB8AC3E}">
+        <p14:creationId xmlns:p14="http://schemas.microsoft.com/office/powerpoint/2010/main" val="631615379"/>
+      </p:ext>
+    </p:extLst>
+  </p:cSld>
+  <p:clrMapOvr>
+    <a:masterClrMapping/>
+  </p:clrMapOvr>
+</p:sld>
+</file>
+
+<file path=ppt/slides/slide25.xml><?xml version="1.0" encoding="utf-8"?>
+<p:sld xmlns:a="http://schemas.openxmlformats.org/drawingml/2006/main" xmlns:r="http://schemas.openxmlformats.org/officeDocument/2006/relationships" xmlns:p="http://schemas.openxmlformats.org/presentationml/2006/main">
+  <p:cSld>
+    <p:spTree>
+      <p:nvGrpSpPr>
+        <p:cNvPr id="1" name=""/>
+        <p:cNvGrpSpPr/>
+        <p:nvPr/>
+      </p:nvGrpSpPr>
+      <p:grpSpPr>
+        <a:xfrm>
+          <a:off x="0" y="0"/>
+          <a:ext cx="0" cy="0"/>
+          <a:chOff x="0" y="0"/>
+          <a:chExt cx="0" cy="0"/>
+        </a:xfrm>
+      </p:grpSpPr>
+      <p:sp>
+        <p:nvSpPr>
+          <p:cNvPr id="2" name="标题 1"/>
+          <p:cNvSpPr>
+            <a:spLocks noGrp="1"/>
+          </p:cNvSpPr>
+          <p:nvPr>
+            <p:ph type="title"/>
+          </p:nvPr>
+        </p:nvSpPr>
+        <p:spPr/>
+        <p:txBody>
+          <a:bodyPr/>
+          <a:lstStyle/>
+          <a:p>
+            <a:r>
+              <a:rPr lang="zh-CN" altLang="en-US" dirty="0"/>
+              <a:t>特征值与特征向量</a:t>
+            </a:r>
+          </a:p>
+        </p:txBody>
+      </p:sp>
+      <p:sp>
+        <p:nvSpPr>
+          <p:cNvPr id="3" name="内容占位符 2"/>
+          <p:cNvSpPr>
+            <a:spLocks noGrp="1"/>
+          </p:cNvSpPr>
+          <p:nvPr>
+            <p:ph idx="1"/>
+          </p:nvPr>
+        </p:nvSpPr>
+        <p:spPr/>
+        <p:txBody>
+          <a:bodyPr/>
+          <a:lstStyle/>
+          <a:p>
+            <a:r>
+              <a:rPr lang="zh-CN" altLang="en-US" dirty="0"/>
+              <a:t>定义</a:t>
+            </a:r>
+            <a:endParaRPr lang="en-US" altLang="zh-CN" dirty="0"/>
+          </a:p>
+          <a:p>
+            <a:r>
+              <a:rPr lang="zh-CN" altLang="en-US" dirty="0"/>
+              <a:t>计算方法</a:t>
+            </a:r>
+            <a:endParaRPr lang="en-US" altLang="zh-CN" dirty="0"/>
+          </a:p>
+          <a:p>
+            <a:r>
+              <a:rPr lang="en-US" altLang="zh-CN" dirty="0"/>
+              <a:t>Power Iteration</a:t>
+            </a:r>
+            <a:r>
+              <a:rPr lang="zh-CN" altLang="en-US" dirty="0"/>
+              <a:t>寻找特征对（</a:t>
+            </a:r>
+            <a:r>
+              <a:rPr lang="en-US" altLang="zh-CN" dirty="0" err="1"/>
+              <a:t>Eigenpairs</a:t>
+            </a:r>
+            <a:r>
+              <a:rPr lang="zh-CN" altLang="en-US" dirty="0"/>
+              <a:t>）</a:t>
+            </a:r>
+            <a:endParaRPr lang="en-US" altLang="zh-CN" dirty="0"/>
+          </a:p>
+          <a:p>
+            <a:r>
+              <a:rPr lang="zh-CN" altLang="en-US" dirty="0"/>
+              <a:t>特征向量矩阵</a:t>
+            </a:r>
+            <a:endParaRPr lang="en-US" altLang="zh-CN" dirty="0"/>
+          </a:p>
+        </p:txBody>
+      </p:sp>
+    </p:spTree>
+    <p:extLst>
+      <p:ext uri="{BB962C8B-B14F-4D97-AF65-F5344CB8AC3E}">
+        <p14:creationId xmlns:p14="http://schemas.microsoft.com/office/powerpoint/2010/main" val="609292440"/>
+      </p:ext>
+    </p:extLst>
+  </p:cSld>
+  <p:clrMapOvr>
+    <a:masterClrMapping/>
+  </p:clrMapOvr>
+</p:sld>
+</file>
+
+<file path=ppt/slides/slide26.xml><?xml version="1.0" encoding="utf-8"?>
+<p:sld xmlns:a="http://schemas.openxmlformats.org/drawingml/2006/main" xmlns:r="http://schemas.openxmlformats.org/officeDocument/2006/relationships" xmlns:p="http://schemas.openxmlformats.org/presentationml/2006/main">
+  <p:cSld>
+    <p:spTree>
+      <p:nvGrpSpPr>
+        <p:cNvPr id="1" name=""/>
+        <p:cNvGrpSpPr/>
+        <p:nvPr/>
+      </p:nvGrpSpPr>
+      <p:grpSpPr>
+        <a:xfrm>
+          <a:off x="0" y="0"/>
+          <a:ext cx="0" cy="0"/>
+          <a:chOff x="0" y="0"/>
+          <a:chExt cx="0" cy="0"/>
+        </a:xfrm>
+      </p:grpSpPr>
+      <p:sp>
+        <p:nvSpPr>
+          <p:cNvPr id="2" name="标题 1"/>
+          <p:cNvSpPr>
+            <a:spLocks noGrp="1"/>
+          </p:cNvSpPr>
+          <p:nvPr>
+            <p:ph type="title"/>
+          </p:nvPr>
+        </p:nvSpPr>
+        <p:spPr/>
+        <p:txBody>
+          <a:bodyPr/>
+          <a:lstStyle/>
+          <a:p>
+            <a:r>
+              <a:rPr lang="zh-CN" altLang="en-US" dirty="0"/>
+              <a:t>定义</a:t>
+            </a:r>
+          </a:p>
+        </p:txBody>
+      </p:sp>
+      <p:sp>
+        <p:nvSpPr>
+          <p:cNvPr id="3" name="内容占位符 2"/>
+          <p:cNvSpPr>
+            <a:spLocks noGrp="1"/>
+          </p:cNvSpPr>
+          <p:nvPr>
+            <p:ph idx="1"/>
+          </p:nvPr>
+        </p:nvSpPr>
+        <p:spPr/>
+        <p:txBody>
+          <a:bodyPr/>
+          <a:lstStyle/>
+          <a:p>
+            <a:r>
+              <a:rPr lang="en-US" altLang="zh-CN" i="1" dirty="0"/>
+              <a:t>M </a:t>
+            </a:r>
+            <a:r>
+              <a:rPr lang="zh-CN" altLang="en-US" dirty="0"/>
+              <a:t>矩阵，</a:t>
+            </a:r>
+            <a:r>
+              <a:rPr lang="el-GR" altLang="zh-CN" i="1" dirty="0"/>
+              <a:t> λ</a:t>
+            </a:r>
+            <a:r>
+              <a:rPr lang="zh-CN" altLang="en-US" dirty="0"/>
+              <a:t>常数，</a:t>
+            </a:r>
+            <a:r>
+              <a:rPr lang="en-US" altLang="zh-CN" dirty="0"/>
+              <a:t>e</a:t>
+            </a:r>
+            <a:r>
+              <a:rPr lang="zh-CN" altLang="en-US" dirty="0"/>
+              <a:t>非零列向量</a:t>
+            </a:r>
+            <a:endParaRPr lang="en-US" altLang="zh-CN" dirty="0"/>
+          </a:p>
+          <a:p>
+            <a:r>
+              <a:rPr lang="en-US" altLang="zh-CN" i="1" dirty="0"/>
+              <a:t>M</a:t>
+            </a:r>
+            <a:r>
+              <a:rPr lang="en-US" altLang="zh-CN" dirty="0"/>
+              <a:t>e = </a:t>
+            </a:r>
+            <a:r>
+              <a:rPr lang="el-GR" altLang="zh-CN" i="1" dirty="0"/>
+              <a:t>λ</a:t>
+            </a:r>
+            <a:r>
+              <a:rPr lang="en-US" altLang="zh-CN" dirty="0"/>
+              <a:t>e</a:t>
+            </a:r>
+          </a:p>
+          <a:p>
+            <a:r>
+              <a:rPr lang="zh-CN" altLang="en-US" dirty="0"/>
+              <a:t>唯一确定一个</a:t>
+            </a:r>
+            <a:r>
+              <a:rPr lang="en-US" altLang="zh-CN" dirty="0"/>
+              <a:t>e</a:t>
+            </a:r>
+          </a:p>
+          <a:p>
+            <a:pPr lvl="1"/>
+            <a:r>
+              <a:rPr lang="en-US" altLang="zh-CN" dirty="0"/>
+              <a:t>e</a:t>
+            </a:r>
+            <a:r>
+              <a:rPr lang="zh-CN" altLang="en-US" dirty="0"/>
+              <a:t>为</a:t>
+            </a:r>
+            <a:r>
+              <a:rPr lang="en-US" altLang="zh-CN" dirty="0"/>
+              <a:t>unit vector</a:t>
+            </a:r>
+          </a:p>
+          <a:p>
+            <a:pPr lvl="1"/>
+            <a:r>
+              <a:rPr lang="zh-CN" altLang="en-US" dirty="0"/>
+              <a:t>第一个非零元素为正</a:t>
+            </a:r>
+            <a:endParaRPr lang="en-US" altLang="zh-CN" dirty="0"/>
+          </a:p>
+        </p:txBody>
+      </p:sp>
+      <p:pic>
+        <p:nvPicPr>
+          <p:cNvPr id="4" name="图片 3"/>
+          <p:cNvPicPr>
+            <a:picLocks noChangeAspect="1"/>
+          </p:cNvPicPr>
+          <p:nvPr/>
+        </p:nvPicPr>
+        <p:blipFill>
+          <a:blip r:embed="rId2"/>
+          <a:stretch>
+            <a:fillRect/>
+          </a:stretch>
+        </p:blipFill>
+        <p:spPr>
+          <a:xfrm>
+            <a:off x="2088391" y="4328331"/>
+            <a:ext cx="4476182" cy="1019329"/>
+          </a:xfrm>
+          <a:prstGeom prst="rect">
+            <a:avLst/>
+          </a:prstGeom>
+        </p:spPr>
+      </p:pic>
+    </p:spTree>
+    <p:extLst>
+      <p:ext uri="{BB962C8B-B14F-4D97-AF65-F5344CB8AC3E}">
+        <p14:creationId xmlns:p14="http://schemas.microsoft.com/office/powerpoint/2010/main" val="2127973222"/>
+      </p:ext>
+    </p:extLst>
+  </p:cSld>
+  <p:clrMapOvr>
+    <a:masterClrMapping/>
+  </p:clrMapOvr>
+</p:sld>
+</file>
+
+<file path=ppt/slides/slide27.xml><?xml version="1.0" encoding="utf-8"?>
+<p:sld xmlns:a="http://schemas.openxmlformats.org/drawingml/2006/main" xmlns:r="http://schemas.openxmlformats.org/officeDocument/2006/relationships" xmlns:p="http://schemas.openxmlformats.org/presentationml/2006/main">
+  <p:cSld>
+    <p:spTree>
+      <p:nvGrpSpPr>
+        <p:cNvPr id="1" name=""/>
+        <p:cNvGrpSpPr/>
+        <p:nvPr/>
+      </p:nvGrpSpPr>
+      <p:grpSpPr>
+        <a:xfrm>
+          <a:off x="0" y="0"/>
+          <a:ext cx="0" cy="0"/>
+          <a:chOff x="0" y="0"/>
+          <a:chExt cx="0" cy="0"/>
+        </a:xfrm>
+      </p:grpSpPr>
+      <p:sp>
+        <p:nvSpPr>
+          <p:cNvPr id="2" name="标题 1"/>
+          <p:cNvSpPr>
+            <a:spLocks noGrp="1"/>
+          </p:cNvSpPr>
+          <p:nvPr>
+            <p:ph type="title"/>
+          </p:nvPr>
+        </p:nvSpPr>
+        <p:spPr/>
+        <p:txBody>
+          <a:bodyPr/>
+          <a:lstStyle/>
+          <a:p>
+            <a:r>
+              <a:rPr lang="zh-CN" altLang="en-US" dirty="0"/>
+              <a:t>特征向量矩阵</a:t>
+            </a:r>
+          </a:p>
+        </p:txBody>
+      </p:sp>
+      <p:sp>
+        <p:nvSpPr>
+          <p:cNvPr id="3" name="内容占位符 2"/>
+          <p:cNvSpPr>
+            <a:spLocks noGrp="1"/>
+          </p:cNvSpPr>
+          <p:nvPr>
+            <p:ph idx="1"/>
+          </p:nvPr>
+        </p:nvSpPr>
+        <p:spPr/>
+        <p:txBody>
+          <a:bodyPr/>
+          <a:lstStyle/>
+          <a:p>
+            <a:r>
+              <a:rPr lang="zh-CN" altLang="en-US" dirty="0"/>
+              <a:t>特征向量是单位向量</a:t>
+            </a:r>
+            <a:endParaRPr lang="en-US" altLang="zh-CN" dirty="0"/>
+          </a:p>
+          <a:p>
+            <a:r>
+              <a:rPr lang="zh-CN" altLang="en-US" dirty="0"/>
+              <a:t>特征向量之间正交</a:t>
+            </a:r>
+            <a:endParaRPr lang="en-US" altLang="zh-CN" dirty="0"/>
+          </a:p>
+          <a:p>
+            <a:r>
+              <a:rPr lang="zh-CN" altLang="en-US" dirty="0"/>
+              <a:t>特征向量矩阵 </a:t>
+            </a:r>
+            <a:r>
+              <a:rPr lang="en-US" altLang="zh-CN" dirty="0"/>
+              <a:t>E </a:t>
+            </a:r>
+            <a:r>
+              <a:rPr lang="zh-CN" altLang="en-US" dirty="0"/>
+              <a:t>的特点</a:t>
+            </a:r>
+            <a:endParaRPr lang="en-US" altLang="zh-CN" dirty="0"/>
+          </a:p>
+        </p:txBody>
+      </p:sp>
+      <p:pic>
+        <p:nvPicPr>
+          <p:cNvPr id="4" name="图片 3"/>
+          <p:cNvPicPr>
+            <a:picLocks noChangeAspect="1"/>
+          </p:cNvPicPr>
+          <p:nvPr/>
+        </p:nvPicPr>
+        <p:blipFill>
+          <a:blip r:embed="rId2"/>
+          <a:stretch>
+            <a:fillRect/>
+          </a:stretch>
+        </p:blipFill>
+        <p:spPr>
+          <a:xfrm>
+            <a:off x="2309599" y="3781437"/>
+            <a:ext cx="3224569" cy="439714"/>
+          </a:xfrm>
+          <a:prstGeom prst="rect">
+            <a:avLst/>
+          </a:prstGeom>
+        </p:spPr>
+      </p:pic>
+    </p:spTree>
+    <p:extLst>
+      <p:ext uri="{BB962C8B-B14F-4D97-AF65-F5344CB8AC3E}">
+        <p14:creationId xmlns:p14="http://schemas.microsoft.com/office/powerpoint/2010/main" val="1475177394"/>
+      </p:ext>
+    </p:extLst>
+  </p:cSld>
+  <p:clrMapOvr>
+    <a:masterClrMapping/>
+  </p:clrMapOvr>
+</p:sld>
+</file>
+
+<file path=ppt/slides/slide28.xml><?xml version="1.0" encoding="utf-8"?>
+<p:sld xmlns:a="http://schemas.openxmlformats.org/drawingml/2006/main" xmlns:r="http://schemas.openxmlformats.org/officeDocument/2006/relationships" xmlns:p="http://schemas.openxmlformats.org/presentationml/2006/main">
+  <p:cSld>
+    <p:spTree>
+      <p:nvGrpSpPr>
+        <p:cNvPr id="1" name=""/>
+        <p:cNvGrpSpPr/>
+        <p:nvPr/>
+      </p:nvGrpSpPr>
+      <p:grpSpPr>
+        <a:xfrm>
+          <a:off x="0" y="0"/>
+          <a:ext cx="0" cy="0"/>
+          <a:chOff x="0" y="0"/>
+          <a:chExt cx="0" cy="0"/>
+        </a:xfrm>
+      </p:grpSpPr>
+      <p:sp>
+        <p:nvSpPr>
           <p:cNvPr id="2" name="标题 1"/>
           <p:cNvSpPr>
             <a:spLocks noGrp="1"/>
@@ -3928,7 +6817,7 @@
 </p:sld>
 </file>
 
-<file path=ppt/slides/slide12.xml><?xml version="1.0" encoding="utf-8"?>
+<file path=ppt/slides/slide29.xml><?xml version="1.0" encoding="utf-8"?>
 <p:sld xmlns:a="http://schemas.openxmlformats.org/drawingml/2006/main" xmlns:r="http://schemas.openxmlformats.org/officeDocument/2006/relationships" xmlns:p="http://schemas.openxmlformats.org/presentationml/2006/main">
   <p:cSld>
     <p:spTree>
@@ -4163,7 +7052,7 @@
 </p:sld>
 </file>
 
-<file path=ppt/slides/slide13.xml><?xml version="1.0" encoding="utf-8"?>
+<file path=ppt/slides/slide3.xml><?xml version="1.0" encoding="utf-8"?>
 <p:sld xmlns:a="http://schemas.openxmlformats.org/drawingml/2006/main" xmlns:r="http://schemas.openxmlformats.org/officeDocument/2006/relationships" xmlns:p="http://schemas.openxmlformats.org/presentationml/2006/main">
   <p:cSld>
     <p:spTree>
@@ -4196,262 +7085,88 @@
           <a:lstStyle/>
           <a:p>
             <a:r>
+              <a:rPr lang="zh-CN" altLang="en-US" dirty="0"/>
+              <a:t>背景</a:t>
+            </a:r>
+          </a:p>
+        </p:txBody>
+      </p:sp>
+      <p:sp>
+        <p:nvSpPr>
+          <p:cNvPr id="3" name="内容占位符 2"/>
+          <p:cNvSpPr>
+            <a:spLocks noGrp="1"/>
+          </p:cNvSpPr>
+          <p:nvPr>
+            <p:ph idx="1"/>
+          </p:nvPr>
+        </p:nvSpPr>
+        <p:spPr/>
+        <p:txBody>
+          <a:bodyPr/>
+          <a:lstStyle/>
+          <a:p>
+            <a:r>
+              <a:rPr lang="zh-CN" altLang="en-US" dirty="0"/>
+              <a:t>数据累积长度：</a:t>
+            </a:r>
+            <a:endParaRPr lang="en-US" altLang="zh-CN" dirty="0"/>
+          </a:p>
+          <a:p>
+            <a:pPr lvl="1"/>
+            <a:r>
+              <a:rPr lang="zh-CN" altLang="en-US" dirty="0"/>
+              <a:t>客户违约率和违约损失率数据的积累长度均在</a:t>
+            </a:r>
+            <a:r>
               <a:rPr lang="en-US" altLang="zh-CN" dirty="0"/>
-              <a:t>Power Iteration</a:t>
+              <a:t>10</a:t>
             </a:r>
             <a:r>
               <a:rPr lang="zh-CN" altLang="en-US" dirty="0"/>
-              <a:t>方法</a:t>
-            </a:r>
-          </a:p>
-        </p:txBody>
-      </p:sp>
-      <p:sp>
-        <p:nvSpPr>
-          <p:cNvPr id="3" name="内容占位符 2"/>
-          <p:cNvSpPr>
-            <a:spLocks noGrp="1"/>
-          </p:cNvSpPr>
-          <p:nvPr>
-            <p:ph idx="1"/>
-          </p:nvPr>
-        </p:nvSpPr>
-        <p:spPr/>
-        <p:txBody>
-          <a:bodyPr/>
-          <a:lstStyle/>
-          <a:p>
+              <a:t>年以上</a:t>
+            </a:r>
+            <a:endParaRPr lang="en-US" altLang="zh-CN" dirty="0"/>
+          </a:p>
+          <a:p>
+            <a:pPr lvl="1"/>
             <a:r>
               <a:rPr lang="zh-CN" altLang="en-US" dirty="0"/>
-              <a:t>任选一个向量</a:t>
+              <a:t>巴塞尔资本管理协议</a:t>
             </a:r>
             <a:r>
               <a:rPr lang="en-US" altLang="zh-CN" dirty="0"/>
-              <a:t>X</a:t>
-            </a:r>
-            <a:r>
-              <a:rPr lang="en-US" altLang="zh-CN" baseline="-25000" dirty="0"/>
-              <a:t>0</a:t>
-            </a:r>
-          </a:p>
-          <a:p>
+              <a:t>Ⅲ</a:t>
+            </a:r>
             <a:r>
               <a:rPr lang="zh-CN" altLang="en-US" dirty="0"/>
-              <a:t>递归</a:t>
+              <a:t>的要求。</a:t>
             </a:r>
             <a:endParaRPr lang="en-US" altLang="zh-CN" dirty="0"/>
           </a:p>
           <a:p>
+            <a:r>
+              <a:rPr lang="zh-CN" altLang="en-US" dirty="0"/>
+              <a:t>工商银行还建立了独立的模型验证团队，对数据应用的有效性、准确性进行持续验证和监控。</a:t>
+            </a:r>
             <a:endParaRPr lang="en-US" altLang="zh-CN" dirty="0"/>
           </a:p>
           <a:p>
             <a:r>
               <a:rPr lang="zh-CN" altLang="en-US" dirty="0"/>
-              <a:t>误差 </a:t>
-            </a:r>
-            <a:r>
-              <a:rPr lang="en-US" altLang="zh-CN" dirty="0" err="1"/>
-              <a:t>Frobenius</a:t>
-            </a:r>
-            <a:r>
-              <a:rPr lang="en-US" altLang="zh-CN" dirty="0"/>
-              <a:t> norm                           </a:t>
-            </a:r>
-            <a:r>
-              <a:rPr lang="zh-CN" altLang="en-US" dirty="0"/>
-              <a:t>足够小时，停止</a:t>
+              <a:t>信用评级</a:t>
             </a:r>
             <a:endParaRPr lang="en-US" altLang="zh-CN" dirty="0"/>
           </a:p>
           <a:p>
-            <a:r>
-              <a:rPr lang="zh-CN" altLang="en-US" dirty="0"/>
-              <a:t>这个</a:t>
-            </a:r>
-            <a:r>
-              <a:rPr lang="en-US" altLang="zh-CN" i="1" dirty="0" err="1"/>
-              <a:t>X</a:t>
-            </a:r>
-            <a:r>
-              <a:rPr lang="en-US" altLang="zh-CN" i="1" baseline="-25000" dirty="0" err="1"/>
-              <a:t>k</a:t>
-            </a:r>
-            <a:r>
-              <a:rPr lang="zh-CN" altLang="en-US" dirty="0"/>
-              <a:t>就是</a:t>
-            </a:r>
-            <a:r>
-              <a:rPr lang="en-US" altLang="zh-CN" dirty="0"/>
-              <a:t>M</a:t>
-            </a:r>
-            <a:r>
-              <a:rPr lang="zh-CN" altLang="en-US" dirty="0"/>
-              <a:t>的主特征向量</a:t>
-            </a:r>
-            <a:endParaRPr lang="en-US" altLang="zh-CN" dirty="0"/>
-          </a:p>
-          <a:p>
-            <a:r>
-              <a:rPr lang="zh-CN" altLang="en-US" dirty="0"/>
-              <a:t>然后通过 </a:t>
-            </a:r>
-            <a:r>
-              <a:rPr lang="en-US" altLang="zh-CN" i="1" dirty="0" err="1"/>
-              <a:t>M</a:t>
-            </a:r>
-            <a:r>
-              <a:rPr lang="en-US" altLang="zh-CN" dirty="0" err="1"/>
-              <a:t>x</a:t>
-            </a:r>
-            <a:r>
-              <a:rPr lang="en-US" altLang="zh-CN" dirty="0"/>
-              <a:t> = </a:t>
-            </a:r>
-            <a:r>
-              <a:rPr lang="el-GR" altLang="zh-CN" i="1" dirty="0"/>
-              <a:t>λ</a:t>
-            </a:r>
-            <a:r>
-              <a:rPr lang="en-US" altLang="zh-CN" dirty="0"/>
-              <a:t>x </a:t>
-            </a:r>
-            <a:r>
-              <a:rPr lang="zh-CN" altLang="en-US" dirty="0"/>
-              <a:t>求 </a:t>
-            </a:r>
-            <a:r>
-              <a:rPr lang="el-GR" altLang="zh-CN" i="1" dirty="0"/>
-              <a:t>λ</a:t>
-            </a:r>
-            <a:endParaRPr lang="en-US" altLang="zh-CN" i="1" dirty="0"/>
-          </a:p>
-          <a:p>
-            <a:pPr lvl="1"/>
-            <a:r>
-              <a:rPr lang="en-US" altLang="zh-CN" dirty="0"/>
-              <a:t>x</a:t>
-            </a:r>
-            <a:r>
-              <a:rPr lang="zh-CN" altLang="en-US" dirty="0"/>
-              <a:t>是一个单位向量：</a:t>
-            </a:r>
-            <a:r>
-              <a:rPr lang="en-US" altLang="zh-CN" dirty="0"/>
-              <a:t>X</a:t>
-            </a:r>
-            <a:r>
-              <a:rPr lang="en-US" altLang="zh-CN" baseline="30000" dirty="0"/>
-              <a:t>-1</a:t>
-            </a:r>
-            <a:r>
-              <a:rPr lang="en-US" altLang="zh-CN" dirty="0"/>
-              <a:t> = X</a:t>
-            </a:r>
-            <a:r>
-              <a:rPr lang="en-US" altLang="zh-CN" baseline="30000" dirty="0"/>
-              <a:t>T</a:t>
-            </a:r>
-          </a:p>
-          <a:p>
-            <a:pPr lvl="1"/>
-            <a:endParaRPr lang="en-US" altLang="zh-CN" dirty="0"/>
-          </a:p>
-          <a:p>
-            <a:pPr lvl="1"/>
-            <a:endParaRPr lang="en-US" altLang="zh-CN" dirty="0"/>
-          </a:p>
-          <a:p>
-            <a:pPr lvl="1"/>
-            <a:endParaRPr lang="en-US" altLang="zh-CN" dirty="0"/>
-          </a:p>
-          <a:p>
-            <a:pPr lvl="1"/>
-            <a:endParaRPr lang="en-US" altLang="zh-CN" dirty="0"/>
-          </a:p>
-          <a:p>
-            <a:endParaRPr lang="en-US" altLang="zh-CN" dirty="0"/>
-          </a:p>
-          <a:p>
-            <a:endParaRPr lang="en-US" altLang="zh-CN" dirty="0"/>
-          </a:p>
-        </p:txBody>
-      </p:sp>
-      <p:pic>
-        <p:nvPicPr>
-          <p:cNvPr id="4" name="图片 3"/>
-          <p:cNvPicPr>
-            <a:picLocks noChangeAspect="1"/>
-          </p:cNvPicPr>
-          <p:nvPr/>
-        </p:nvPicPr>
-        <p:blipFill>
-          <a:blip r:embed="rId2"/>
-          <a:stretch>
-            <a:fillRect/>
-          </a:stretch>
-        </p:blipFill>
-        <p:spPr>
-          <a:xfrm>
-            <a:off x="2069058" y="2394187"/>
-            <a:ext cx="2334188" cy="881275"/>
-          </a:xfrm>
-          <a:prstGeom prst="rect">
-            <a:avLst/>
-          </a:prstGeom>
-        </p:spPr>
-      </p:pic>
-      <p:pic>
-        <p:nvPicPr>
-          <p:cNvPr id="5" name="图片 4"/>
-          <p:cNvPicPr>
-            <a:picLocks noChangeAspect="1"/>
-          </p:cNvPicPr>
-          <p:nvPr/>
-        </p:nvPicPr>
-        <p:blipFill>
-          <a:blip r:embed="rId3"/>
-          <a:stretch>
-            <a:fillRect/>
-          </a:stretch>
-        </p:blipFill>
-        <p:spPr>
-          <a:xfrm>
-            <a:off x="4047984" y="3329149"/>
-            <a:ext cx="2088284" cy="480756"/>
-          </a:xfrm>
-          <a:prstGeom prst="rect">
-            <a:avLst/>
-          </a:prstGeom>
-        </p:spPr>
-      </p:pic>
-      <p:pic>
-        <p:nvPicPr>
-          <p:cNvPr id="6" name="图片 5"/>
-          <p:cNvPicPr>
-            <a:picLocks noChangeAspect="1"/>
-          </p:cNvPicPr>
-          <p:nvPr/>
-        </p:nvPicPr>
-        <p:blipFill>
-          <a:blip r:embed="rId4"/>
-          <a:stretch>
-            <a:fillRect/>
-          </a:stretch>
-        </p:blipFill>
-        <p:spPr>
-          <a:xfrm>
-            <a:off x="2388499" y="5591790"/>
-            <a:ext cx="1782735" cy="585173"/>
-          </a:xfrm>
-          <a:prstGeom prst="rect">
-            <a:avLst/>
-          </a:prstGeom>
-        </p:spPr>
-      </p:pic>
+            <a:endParaRPr lang="zh-CN" altLang="en-US" dirty="0"/>
+          </a:p>
+        </p:txBody>
+      </p:sp>
     </p:spTree>
     <p:extLst>
       <p:ext uri="{BB962C8B-B14F-4D97-AF65-F5344CB8AC3E}">
-        <p14:creationId xmlns:p14="http://schemas.microsoft.com/office/powerpoint/2010/main" val="2097979181"/>
+        <p14:creationId xmlns:p14="http://schemas.microsoft.com/office/powerpoint/2010/main" val="2269609181"/>
       </p:ext>
     </p:extLst>
   </p:cSld>
@@ -4461,7 +7176,7 @@
 </p:sld>
 </file>
 
-<file path=ppt/slides/slide14.xml><?xml version="1.0" encoding="utf-8"?>
+<file path=ppt/slides/slide30.xml><?xml version="1.0" encoding="utf-8"?>
 <p:sld xmlns:a="http://schemas.openxmlformats.org/drawingml/2006/main" xmlns:r="http://schemas.openxmlformats.org/officeDocument/2006/relationships" xmlns:p="http://schemas.openxmlformats.org/presentationml/2006/main">
   <p:cSld>
     <p:spTree>
@@ -4521,14 +7236,62 @@
           <a:p>
             <a:r>
               <a:rPr lang="zh-CN" altLang="en-US" dirty="0"/>
-              <a:t>再找第二个特征对</a:t>
+              <a:t>任选一个向量</a:t>
+            </a:r>
+            <a:r>
+              <a:rPr lang="en-US" altLang="zh-CN" dirty="0"/>
+              <a:t>X</a:t>
+            </a:r>
+            <a:r>
+              <a:rPr lang="en-US" altLang="zh-CN" baseline="-25000" dirty="0"/>
+              <a:t>0</a:t>
+            </a:r>
+          </a:p>
+          <a:p>
+            <a:r>
+              <a:rPr lang="zh-CN" altLang="en-US" dirty="0"/>
+              <a:t>递归</a:t>
             </a:r>
             <a:endParaRPr lang="en-US" altLang="zh-CN" dirty="0"/>
           </a:p>
           <a:p>
+            <a:endParaRPr lang="en-US" altLang="zh-CN" dirty="0"/>
+          </a:p>
+          <a:p>
             <a:r>
               <a:rPr lang="zh-CN" altLang="en-US" dirty="0"/>
-              <a:t>在</a:t>
+              <a:t>误差 </a:t>
+            </a:r>
+            <a:r>
+              <a:rPr lang="en-US" altLang="zh-CN" dirty="0" err="1"/>
+              <a:t>Frobenius</a:t>
+            </a:r>
+            <a:r>
+              <a:rPr lang="en-US" altLang="zh-CN" dirty="0"/>
+              <a:t> norm                           </a:t>
+            </a:r>
+            <a:r>
+              <a:rPr lang="zh-CN" altLang="en-US" dirty="0"/>
+              <a:t>足够小时，停止</a:t>
+            </a:r>
+            <a:endParaRPr lang="en-US" altLang="zh-CN" dirty="0"/>
+          </a:p>
+          <a:p>
+            <a:r>
+              <a:rPr lang="zh-CN" altLang="en-US" dirty="0"/>
+              <a:t>这个</a:t>
+            </a:r>
+            <a:r>
+              <a:rPr lang="en-US" altLang="zh-CN" i="1" dirty="0" err="1"/>
+              <a:t>X</a:t>
+            </a:r>
+            <a:r>
+              <a:rPr lang="en-US" altLang="zh-CN" i="1" baseline="-25000" dirty="0" err="1"/>
+              <a:t>k</a:t>
+            </a:r>
+            <a:r>
+              <a:rPr lang="zh-CN" altLang="en-US" dirty="0"/>
+              <a:t>就是</a:t>
             </a:r>
             <a:r>
               <a:rPr lang="en-US" altLang="zh-CN" dirty="0"/>
@@ -4536,18 +7299,93 @@
             </a:r>
             <a:r>
               <a:rPr lang="zh-CN" altLang="en-US" dirty="0"/>
-              <a:t>中去掉第一个主特征向量的因素</a:t>
+              <a:t>的主特征向量</a:t>
             </a:r>
             <a:endParaRPr lang="en-US" altLang="zh-CN" dirty="0"/>
           </a:p>
           <a:p>
+            <a:r>
+              <a:rPr lang="zh-CN" altLang="en-US" dirty="0"/>
+              <a:t>然后通过 </a:t>
+            </a:r>
+            <a:r>
+              <a:rPr lang="en-US" altLang="zh-CN" i="1" dirty="0" err="1"/>
+              <a:t>M</a:t>
+            </a:r>
+            <a:r>
+              <a:rPr lang="en-US" altLang="zh-CN" dirty="0" err="1"/>
+              <a:t>x</a:t>
+            </a:r>
+            <a:r>
+              <a:rPr lang="en-US" altLang="zh-CN" dirty="0"/>
+              <a:t> = </a:t>
+            </a:r>
+            <a:r>
+              <a:rPr lang="el-GR" altLang="zh-CN" i="1" dirty="0"/>
+              <a:t>λ</a:t>
+            </a:r>
+            <a:r>
+              <a:rPr lang="en-US" altLang="zh-CN" dirty="0"/>
+              <a:t>x </a:t>
+            </a:r>
+            <a:r>
+              <a:rPr lang="zh-CN" altLang="en-US" dirty="0"/>
+              <a:t>求 </a:t>
+            </a:r>
+            <a:r>
+              <a:rPr lang="el-GR" altLang="zh-CN" i="1" dirty="0"/>
+              <a:t>λ</a:t>
+            </a:r>
+            <a:endParaRPr lang="en-US" altLang="zh-CN" i="1" dirty="0"/>
+          </a:p>
+          <a:p>
+            <a:pPr lvl="1"/>
+            <a:r>
+              <a:rPr lang="en-US" altLang="zh-CN" dirty="0"/>
+              <a:t>x</a:t>
+            </a:r>
+            <a:r>
+              <a:rPr lang="zh-CN" altLang="en-US" dirty="0"/>
+              <a:t>是一个单位向量：</a:t>
+            </a:r>
+            <a:r>
+              <a:rPr lang="en-US" altLang="zh-CN" dirty="0"/>
+              <a:t>X</a:t>
+            </a:r>
+            <a:r>
+              <a:rPr lang="en-US" altLang="zh-CN" baseline="30000" dirty="0"/>
+              <a:t>-1</a:t>
+            </a:r>
+            <a:r>
+              <a:rPr lang="en-US" altLang="zh-CN" dirty="0"/>
+              <a:t> = X</a:t>
+            </a:r>
+            <a:r>
+              <a:rPr lang="en-US" altLang="zh-CN" baseline="30000" dirty="0"/>
+              <a:t>T</a:t>
+            </a:r>
+          </a:p>
+          <a:p>
+            <a:pPr lvl="1"/>
             <a:endParaRPr lang="en-US" altLang="zh-CN" dirty="0"/>
           </a:p>
           <a:p>
-            <a:r>
-              <a:rPr lang="zh-CN" altLang="en-US" dirty="0"/>
-              <a:t>然后类似计算</a:t>
-            </a:r>
+            <a:pPr lvl="1"/>
+            <a:endParaRPr lang="en-US" altLang="zh-CN" dirty="0"/>
+          </a:p>
+          <a:p>
+            <a:pPr lvl="1"/>
+            <a:endParaRPr lang="en-US" altLang="zh-CN" dirty="0"/>
+          </a:p>
+          <a:p>
+            <a:pPr lvl="1"/>
+            <a:endParaRPr lang="en-US" altLang="zh-CN" dirty="0"/>
+          </a:p>
+          <a:p>
+            <a:endParaRPr lang="en-US" altLang="zh-CN" dirty="0"/>
+          </a:p>
+          <a:p>
+            <a:endParaRPr lang="en-US" altLang="zh-CN" dirty="0"/>
           </a:p>
         </p:txBody>
       </p:sp>
@@ -4567,8 +7405,56 @@
         </p:blipFill>
         <p:spPr>
           <a:xfrm>
-            <a:off x="2602884" y="2798287"/>
-            <a:ext cx="2944932" cy="490822"/>
+            <a:off x="2069058" y="2394187"/>
+            <a:ext cx="2334188" cy="881275"/>
+          </a:xfrm>
+          <a:prstGeom prst="rect">
+            <a:avLst/>
+          </a:prstGeom>
+        </p:spPr>
+      </p:pic>
+      <p:pic>
+        <p:nvPicPr>
+          <p:cNvPr id="5" name="图片 4"/>
+          <p:cNvPicPr>
+            <a:picLocks noChangeAspect="1"/>
+          </p:cNvPicPr>
+          <p:nvPr/>
+        </p:nvPicPr>
+        <p:blipFill>
+          <a:blip r:embed="rId3"/>
+          <a:stretch>
+            <a:fillRect/>
+          </a:stretch>
+        </p:blipFill>
+        <p:spPr>
+          <a:xfrm>
+            <a:off x="4047984" y="3329149"/>
+            <a:ext cx="2088284" cy="480756"/>
+          </a:xfrm>
+          <a:prstGeom prst="rect">
+            <a:avLst/>
+          </a:prstGeom>
+        </p:spPr>
+      </p:pic>
+      <p:pic>
+        <p:nvPicPr>
+          <p:cNvPr id="6" name="图片 5"/>
+          <p:cNvPicPr>
+            <a:picLocks noChangeAspect="1"/>
+          </p:cNvPicPr>
+          <p:nvPr/>
+        </p:nvPicPr>
+        <p:blipFill>
+          <a:blip r:embed="rId4"/>
+          <a:stretch>
+            <a:fillRect/>
+          </a:stretch>
+        </p:blipFill>
+        <p:spPr>
+          <a:xfrm>
+            <a:off x="2388499" y="5591790"/>
+            <a:ext cx="1782735" cy="585173"/>
           </a:xfrm>
           <a:prstGeom prst="rect">
             <a:avLst/>
@@ -4578,7 +7464,7 @@
     </p:spTree>
     <p:extLst>
       <p:ext uri="{BB962C8B-B14F-4D97-AF65-F5344CB8AC3E}">
-        <p14:creationId xmlns:p14="http://schemas.microsoft.com/office/powerpoint/2010/main" val="3497050644"/>
+        <p14:creationId xmlns:p14="http://schemas.microsoft.com/office/powerpoint/2010/main" val="2097979181"/>
       </p:ext>
     </p:extLst>
   </p:cSld>
@@ -4588,7 +7474,7 @@
 </p:sld>
 </file>
 
-<file path=ppt/slides/slide15.xml><?xml version="1.0" encoding="utf-8"?>
+<file path=ppt/slides/slide31.xml><?xml version="1.0" encoding="utf-8"?>
 <p:sld xmlns:a="http://schemas.openxmlformats.org/drawingml/2006/main" xmlns:r="http://schemas.openxmlformats.org/officeDocument/2006/relationships" xmlns:p="http://schemas.openxmlformats.org/presentationml/2006/main">
   <p:cSld>
     <p:spTree>
@@ -4621,8 +7507,12 @@
           <a:lstStyle/>
           <a:p>
             <a:r>
+              <a:rPr lang="en-US" altLang="zh-CN" dirty="0"/>
+              <a:t>Power Iteration</a:t>
+            </a:r>
+            <a:r>
               <a:rPr lang="zh-CN" altLang="en-US" dirty="0"/>
-              <a:t>特征向量矩阵</a:t>
+              <a:t>方法</a:t>
             </a:r>
           </a:p>
         </p:txBody>
@@ -4644,31 +7534,33 @@
           <a:p>
             <a:r>
               <a:rPr lang="zh-CN" altLang="en-US" dirty="0"/>
-              <a:t>特征向量是单位向量</a:t>
+              <a:t>再找第二个特征对</a:t>
             </a:r>
             <a:endParaRPr lang="en-US" altLang="zh-CN" dirty="0"/>
           </a:p>
           <a:p>
             <a:r>
               <a:rPr lang="zh-CN" altLang="en-US" dirty="0"/>
-              <a:t>特征向量之间正交</a:t>
+              <a:t>在</a:t>
+            </a:r>
+            <a:r>
+              <a:rPr lang="en-US" altLang="zh-CN" dirty="0"/>
+              <a:t>M</a:t>
+            </a:r>
+            <a:r>
+              <a:rPr lang="zh-CN" altLang="en-US" dirty="0"/>
+              <a:t>中去掉第一个主特征向量的因素</a:t>
             </a:r>
             <a:endParaRPr lang="en-US" altLang="zh-CN" dirty="0"/>
           </a:p>
           <a:p>
+            <a:endParaRPr lang="en-US" altLang="zh-CN" dirty="0"/>
+          </a:p>
+          <a:p>
             <a:r>
               <a:rPr lang="zh-CN" altLang="en-US" dirty="0"/>
-              <a:t>特征向量矩阵 </a:t>
-            </a:r>
-            <a:r>
-              <a:rPr lang="en-US" altLang="zh-CN" dirty="0"/>
-              <a:t>E </a:t>
-            </a:r>
-            <a:r>
-              <a:rPr lang="zh-CN" altLang="en-US" dirty="0"/>
-              <a:t>的特点</a:t>
-            </a:r>
-            <a:endParaRPr lang="en-US" altLang="zh-CN" dirty="0"/>
+              <a:t>然后类似计算</a:t>
+            </a:r>
           </a:p>
         </p:txBody>
       </p:sp>
@@ -4688,8 +7580,8 @@
         </p:blipFill>
         <p:spPr>
           <a:xfrm>
-            <a:off x="2309599" y="3781437"/>
-            <a:ext cx="3224569" cy="439714"/>
+            <a:off x="2602884" y="2798287"/>
+            <a:ext cx="2944932" cy="490822"/>
           </a:xfrm>
           <a:prstGeom prst="rect">
             <a:avLst/>
@@ -4699,7 +7591,7 @@
     </p:spTree>
     <p:extLst>
       <p:ext uri="{BB962C8B-B14F-4D97-AF65-F5344CB8AC3E}">
-        <p14:creationId xmlns:p14="http://schemas.microsoft.com/office/powerpoint/2010/main" val="1475177394"/>
+        <p14:creationId xmlns:p14="http://schemas.microsoft.com/office/powerpoint/2010/main" val="3497050644"/>
       </p:ext>
     </p:extLst>
   </p:cSld>
@@ -4709,1361 +7601,7 @@
 </p:sld>
 </file>
 
-<file path=ppt/slides/slide16.xml><?xml version="1.0" encoding="utf-8"?>
-<p:sld xmlns:a="http://schemas.openxmlformats.org/drawingml/2006/main" xmlns:r="http://schemas.openxmlformats.org/officeDocument/2006/relationships" xmlns:p="http://schemas.openxmlformats.org/presentationml/2006/main">
-  <p:cSld>
-    <p:spTree>
-      <p:nvGrpSpPr>
-        <p:cNvPr id="1" name=""/>
-        <p:cNvGrpSpPr/>
-        <p:nvPr/>
-      </p:nvGrpSpPr>
-      <p:grpSpPr>
-        <a:xfrm>
-          <a:off x="0" y="0"/>
-          <a:ext cx="0" cy="0"/>
-          <a:chOff x="0" y="0"/>
-          <a:chExt cx="0" cy="0"/>
-        </a:xfrm>
-      </p:grpSpPr>
-      <p:sp>
-        <p:nvSpPr>
-          <p:cNvPr id="2" name="标题 1">
-            <a:extLst>
-              <a:ext uri="{FF2B5EF4-FFF2-40B4-BE49-F238E27FC236}">
-                <a16:creationId xmlns:a16="http://schemas.microsoft.com/office/drawing/2014/main" id="{1048DB61-21F1-2941-85AD-2231B3127EDF}"/>
-              </a:ext>
-            </a:extLst>
-          </p:cNvPr>
-          <p:cNvSpPr>
-            <a:spLocks noGrp="1"/>
-          </p:cNvSpPr>
-          <p:nvPr>
-            <p:ph type="title"/>
-          </p:nvPr>
-        </p:nvSpPr>
-        <p:spPr/>
-        <p:txBody>
-          <a:bodyPr/>
-          <a:lstStyle/>
-          <a:p>
-            <a:r>
-              <a:rPr kumimoji="1" lang="zh-CN" altLang="en-US" dirty="0"/>
-              <a:t>特征值分解</a:t>
-            </a:r>
-          </a:p>
-        </p:txBody>
-      </p:sp>
-      <p:sp>
-        <p:nvSpPr>
-          <p:cNvPr id="3" name="内容占位符 2">
-            <a:extLst>
-              <a:ext uri="{FF2B5EF4-FFF2-40B4-BE49-F238E27FC236}">
-                <a16:creationId xmlns:a16="http://schemas.microsoft.com/office/drawing/2014/main" id="{90588D28-0A8E-5A48-B52E-A0CD8FCEEEC3}"/>
-              </a:ext>
-            </a:extLst>
-          </p:cNvPr>
-          <p:cNvSpPr>
-            <a:spLocks noGrp="1"/>
-          </p:cNvSpPr>
-          <p:nvPr>
-            <p:ph idx="1"/>
-          </p:nvPr>
-        </p:nvSpPr>
-        <p:spPr/>
-        <p:txBody>
-          <a:bodyPr/>
-          <a:lstStyle/>
-          <a:p>
-            <a:r>
-              <a:rPr kumimoji="1" lang="zh-CN" altLang="en-US" dirty="0"/>
-              <a:t>一个实数、对称、方阵</a:t>
-            </a:r>
-            <a:r>
-              <a:rPr kumimoji="1" lang="en-US" altLang="zh-CN" dirty="0"/>
-              <a:t>B</a:t>
-            </a:r>
-            <a:r>
-              <a:rPr kumimoji="1" lang="zh-CN" altLang="en-US" dirty="0"/>
-              <a:t>可以写作</a:t>
-            </a:r>
-            <a:endParaRPr kumimoji="1" lang="en-US" altLang="zh-CN" dirty="0"/>
-          </a:p>
-          <a:p>
-            <a:endParaRPr kumimoji="1" lang="en-US" altLang="zh-CN" dirty="0"/>
-          </a:p>
-          <a:p>
-            <a:endParaRPr kumimoji="1" lang="en-US" altLang="zh-CN" dirty="0"/>
-          </a:p>
-          <a:p>
-            <a:r>
-              <a:rPr kumimoji="1" lang="zh-CN" altLang="en-US" dirty="0"/>
-              <a:t>其中对角阵</a:t>
-            </a:r>
-            <a:endParaRPr kumimoji="1" lang="en-US" altLang="zh-CN" dirty="0"/>
-          </a:p>
-          <a:p>
-            <a:endParaRPr kumimoji="1" lang="en-US" altLang="zh-CN" dirty="0"/>
-          </a:p>
-          <a:p>
-            <a:r>
-              <a:rPr kumimoji="1" lang="zh-CN" altLang="en-US" dirty="0"/>
-              <a:t>包括</a:t>
-            </a:r>
-            <a:r>
-              <a:rPr kumimoji="1" lang="en-US" altLang="zh-CN" dirty="0"/>
-              <a:t>B</a:t>
-            </a:r>
-            <a:r>
-              <a:rPr kumimoji="1" lang="zh-CN" altLang="en-US" dirty="0"/>
-              <a:t>的特征值</a:t>
-            </a:r>
-            <a:endParaRPr kumimoji="1" lang="en-US" altLang="zh-CN" dirty="0"/>
-          </a:p>
-          <a:p>
-            <a:r>
-              <a:rPr kumimoji="1" lang="en-US" altLang="zh-CN" dirty="0"/>
-              <a:t>Q</a:t>
-            </a:r>
-            <a:r>
-              <a:rPr kumimoji="1" lang="zh-CN" altLang="en-US" dirty="0"/>
-              <a:t>是正交矩阵，它的列是</a:t>
-            </a:r>
-            <a:r>
-              <a:rPr kumimoji="1" lang="en-US" altLang="zh-CN" dirty="0"/>
-              <a:t>B</a:t>
-            </a:r>
-            <a:r>
-              <a:rPr kumimoji="1" lang="zh-CN" altLang="en-US" dirty="0"/>
-              <a:t>的特征向量</a:t>
-            </a:r>
-            <a:endParaRPr kumimoji="1" lang="en-US" altLang="zh-CN" dirty="0"/>
-          </a:p>
-          <a:p>
-            <a:r>
-              <a:rPr kumimoji="1" lang="en-US" altLang="zh-CN" dirty="0"/>
-              <a:t>PCA</a:t>
-            </a:r>
-            <a:r>
-              <a:rPr kumimoji="1" lang="zh-CN" altLang="en-US" dirty="0"/>
-              <a:t>要计算的是                               的特征向量 </a:t>
-            </a:r>
-          </a:p>
-        </p:txBody>
-      </p:sp>
-      <p:pic>
-        <p:nvPicPr>
-          <p:cNvPr id="4" name="图片 3">
-            <a:extLst>
-              <a:ext uri="{FF2B5EF4-FFF2-40B4-BE49-F238E27FC236}">
-                <a16:creationId xmlns:a16="http://schemas.microsoft.com/office/drawing/2014/main" id="{6995E90F-5CFF-2B44-BCE3-854FD15537EF}"/>
-              </a:ext>
-            </a:extLst>
-          </p:cNvPr>
-          <p:cNvPicPr>
-            <a:picLocks noChangeAspect="1"/>
-          </p:cNvPicPr>
-          <p:nvPr/>
-        </p:nvPicPr>
-        <p:blipFill>
-          <a:blip r:embed="rId2"/>
-          <a:stretch>
-            <a:fillRect/>
-          </a:stretch>
-        </p:blipFill>
-        <p:spPr>
-          <a:xfrm>
-            <a:off x="3299791" y="2319050"/>
-            <a:ext cx="1895061" cy="766774"/>
-          </a:xfrm>
-          <a:prstGeom prst="rect">
-            <a:avLst/>
-          </a:prstGeom>
-        </p:spPr>
-      </p:pic>
-      <p:pic>
-        <p:nvPicPr>
-          <p:cNvPr id="5" name="图片 4">
-            <a:extLst>
-              <a:ext uri="{FF2B5EF4-FFF2-40B4-BE49-F238E27FC236}">
-                <a16:creationId xmlns:a16="http://schemas.microsoft.com/office/drawing/2014/main" id="{AB37A4AD-7F15-5A4E-848A-85A440EBBDCA}"/>
-              </a:ext>
-            </a:extLst>
-          </p:cNvPr>
-          <p:cNvPicPr>
-            <a:picLocks noChangeAspect="1"/>
-          </p:cNvPicPr>
-          <p:nvPr/>
-        </p:nvPicPr>
-        <p:blipFill>
-          <a:blip r:embed="rId3"/>
-          <a:stretch>
-            <a:fillRect/>
-          </a:stretch>
-        </p:blipFill>
-        <p:spPr>
-          <a:xfrm>
-            <a:off x="2633259" y="3890996"/>
-            <a:ext cx="2561593" cy="432076"/>
-          </a:xfrm>
-          <a:prstGeom prst="rect">
-            <a:avLst/>
-          </a:prstGeom>
-        </p:spPr>
-      </p:pic>
-      <p:pic>
-        <p:nvPicPr>
-          <p:cNvPr id="6" name="图片 5">
-            <a:extLst>
-              <a:ext uri="{FF2B5EF4-FFF2-40B4-BE49-F238E27FC236}">
-                <a16:creationId xmlns:a16="http://schemas.microsoft.com/office/drawing/2014/main" id="{ECE0CE63-1AA8-2C45-932E-8C0D7E591471}"/>
-              </a:ext>
-            </a:extLst>
-          </p:cNvPr>
-          <p:cNvPicPr>
-            <a:picLocks noChangeAspect="1"/>
-          </p:cNvPicPr>
-          <p:nvPr/>
-        </p:nvPicPr>
-        <p:blipFill>
-          <a:blip r:embed="rId4"/>
-          <a:stretch>
-            <a:fillRect/>
-          </a:stretch>
-        </p:blipFill>
-        <p:spPr>
-          <a:xfrm>
-            <a:off x="3498555" y="5399267"/>
-            <a:ext cx="2146890" cy="365428"/>
-          </a:xfrm>
-          <a:prstGeom prst="rect">
-            <a:avLst/>
-          </a:prstGeom>
-        </p:spPr>
-      </p:pic>
-    </p:spTree>
-    <p:extLst>
-      <p:ext uri="{BB962C8B-B14F-4D97-AF65-F5344CB8AC3E}">
-        <p14:creationId xmlns:p14="http://schemas.microsoft.com/office/powerpoint/2010/main" val="631615379"/>
-      </p:ext>
-    </p:extLst>
-  </p:cSld>
-  <p:clrMapOvr>
-    <a:masterClrMapping/>
-  </p:clrMapOvr>
-</p:sld>
-</file>
-
-<file path=ppt/slides/slide17.xml><?xml version="1.0" encoding="utf-8"?>
-<p:sld xmlns:a="http://schemas.openxmlformats.org/drawingml/2006/main" xmlns:r="http://schemas.openxmlformats.org/officeDocument/2006/relationships" xmlns:p="http://schemas.openxmlformats.org/presentationml/2006/main">
-  <p:cSld>
-    <p:spTree>
-      <p:nvGrpSpPr>
-        <p:cNvPr id="1" name=""/>
-        <p:cNvGrpSpPr/>
-        <p:nvPr/>
-      </p:nvGrpSpPr>
-      <p:grpSpPr>
-        <a:xfrm>
-          <a:off x="0" y="0"/>
-          <a:ext cx="0" cy="0"/>
-          <a:chOff x="0" y="0"/>
-          <a:chExt cx="0" cy="0"/>
-        </a:xfrm>
-      </p:grpSpPr>
-      <p:sp>
-        <p:nvSpPr>
-          <p:cNvPr id="2" name="标题 1"/>
-          <p:cNvSpPr>
-            <a:spLocks noGrp="1"/>
-          </p:cNvSpPr>
-          <p:nvPr>
-            <p:ph type="title"/>
-          </p:nvPr>
-        </p:nvSpPr>
-        <p:spPr/>
-        <p:txBody>
-          <a:bodyPr/>
-          <a:lstStyle/>
-          <a:p>
-            <a:r>
-              <a:rPr lang="en-US" altLang="zh-CN" dirty="0"/>
-              <a:t>PCA</a:t>
-            </a:r>
-            <a:endParaRPr lang="zh-CN" altLang="en-US" dirty="0"/>
-          </a:p>
-        </p:txBody>
-      </p:sp>
-      <p:sp>
-        <p:nvSpPr>
-          <p:cNvPr id="3" name="文本占位符 2"/>
-          <p:cNvSpPr>
-            <a:spLocks noGrp="1"/>
-          </p:cNvSpPr>
-          <p:nvPr>
-            <p:ph type="body" idx="1"/>
-          </p:nvPr>
-        </p:nvSpPr>
-        <p:spPr/>
-        <p:txBody>
-          <a:bodyPr/>
-          <a:lstStyle/>
-          <a:p>
-            <a:endParaRPr lang="zh-CN" altLang="en-US" dirty="0"/>
-          </a:p>
-        </p:txBody>
-      </p:sp>
-    </p:spTree>
-    <p:extLst>
-      <p:ext uri="{BB962C8B-B14F-4D97-AF65-F5344CB8AC3E}">
-        <p14:creationId xmlns:p14="http://schemas.microsoft.com/office/powerpoint/2010/main" val="585793682"/>
-      </p:ext>
-    </p:extLst>
-  </p:cSld>
-  <p:clrMapOvr>
-    <a:masterClrMapping/>
-  </p:clrMapOvr>
-</p:sld>
-</file>
-
-<file path=ppt/slides/slide18.xml><?xml version="1.0" encoding="utf-8"?>
-<p:sld xmlns:a="http://schemas.openxmlformats.org/drawingml/2006/main" xmlns:r="http://schemas.openxmlformats.org/officeDocument/2006/relationships" xmlns:p="http://schemas.openxmlformats.org/presentationml/2006/main">
-  <p:cSld>
-    <p:spTree>
-      <p:nvGrpSpPr>
-        <p:cNvPr id="1" name=""/>
-        <p:cNvGrpSpPr/>
-        <p:nvPr/>
-      </p:nvGrpSpPr>
-      <p:grpSpPr>
-        <a:xfrm>
-          <a:off x="0" y="0"/>
-          <a:ext cx="0" cy="0"/>
-          <a:chOff x="0" y="0"/>
-          <a:chExt cx="0" cy="0"/>
-        </a:xfrm>
-      </p:grpSpPr>
-      <p:sp>
-        <p:nvSpPr>
-          <p:cNvPr id="2" name="标题 1"/>
-          <p:cNvSpPr>
-            <a:spLocks noGrp="1"/>
-          </p:cNvSpPr>
-          <p:nvPr>
-            <p:ph type="title"/>
-          </p:nvPr>
-        </p:nvSpPr>
-        <p:spPr/>
-        <p:txBody>
-          <a:bodyPr/>
-          <a:lstStyle/>
-          <a:p>
-            <a:r>
-              <a:rPr lang="en-US" altLang="zh-CN" dirty="0"/>
-              <a:t>PCA</a:t>
-            </a:r>
-            <a:endParaRPr lang="zh-CN" altLang="en-US" dirty="0"/>
-          </a:p>
-        </p:txBody>
-      </p:sp>
-      <p:sp>
-        <p:nvSpPr>
-          <p:cNvPr id="3" name="内容占位符 2"/>
-          <p:cNvSpPr>
-            <a:spLocks noGrp="1"/>
-          </p:cNvSpPr>
-          <p:nvPr>
-            <p:ph idx="1"/>
-          </p:nvPr>
-        </p:nvSpPr>
-        <p:spPr/>
-        <p:txBody>
-          <a:bodyPr/>
-          <a:lstStyle/>
-          <a:p>
-            <a:r>
-              <a:rPr lang="zh-CN" altLang="en-US" dirty="0"/>
-              <a:t>事例</a:t>
-            </a:r>
-            <a:endParaRPr lang="en-US" altLang="zh-CN" dirty="0"/>
-          </a:p>
-          <a:p>
-            <a:r>
-              <a:rPr lang="zh-CN" altLang="en-US" dirty="0"/>
-              <a:t>使用特征向量进行降维</a:t>
-            </a:r>
-            <a:endParaRPr lang="en-US" altLang="zh-CN" dirty="0"/>
-          </a:p>
-          <a:p>
-            <a:r>
-              <a:rPr lang="zh-CN" altLang="en-US" dirty="0"/>
-              <a:t>距离矩阵</a:t>
-            </a:r>
-            <a:endParaRPr lang="en-US" altLang="zh-CN" dirty="0"/>
-          </a:p>
-        </p:txBody>
-      </p:sp>
-    </p:spTree>
-    <p:extLst>
-      <p:ext uri="{BB962C8B-B14F-4D97-AF65-F5344CB8AC3E}">
-        <p14:creationId xmlns:p14="http://schemas.microsoft.com/office/powerpoint/2010/main" val="1658660988"/>
-      </p:ext>
-    </p:extLst>
-  </p:cSld>
-  <p:clrMapOvr>
-    <a:masterClrMapping/>
-  </p:clrMapOvr>
-</p:sld>
-</file>
-
-<file path=ppt/slides/slide19.xml><?xml version="1.0" encoding="utf-8"?>
-<p:sld xmlns:a="http://schemas.openxmlformats.org/drawingml/2006/main" xmlns:r="http://schemas.openxmlformats.org/officeDocument/2006/relationships" xmlns:p="http://schemas.openxmlformats.org/presentationml/2006/main">
-  <p:cSld>
-    <p:spTree>
-      <p:nvGrpSpPr>
-        <p:cNvPr id="1" name=""/>
-        <p:cNvGrpSpPr/>
-        <p:nvPr/>
-      </p:nvGrpSpPr>
-      <p:grpSpPr>
-        <a:xfrm>
-          <a:off x="0" y="0"/>
-          <a:ext cx="0" cy="0"/>
-          <a:chOff x="0" y="0"/>
-          <a:chExt cx="0" cy="0"/>
-        </a:xfrm>
-      </p:grpSpPr>
-      <p:sp>
-        <p:nvSpPr>
-          <p:cNvPr id="2" name="标题 1"/>
-          <p:cNvSpPr>
-            <a:spLocks noGrp="1"/>
-          </p:cNvSpPr>
-          <p:nvPr>
-            <p:ph type="title"/>
-          </p:nvPr>
-        </p:nvSpPr>
-        <p:spPr/>
-        <p:txBody>
-          <a:bodyPr/>
-          <a:lstStyle/>
-          <a:p>
-            <a:r>
-              <a:rPr lang="zh-CN" altLang="en-US" dirty="0"/>
-              <a:t>降维</a:t>
-            </a:r>
-          </a:p>
-        </p:txBody>
-      </p:sp>
-      <p:sp>
-        <p:nvSpPr>
-          <p:cNvPr id="3" name="内容占位符 2"/>
-          <p:cNvSpPr>
-            <a:spLocks noGrp="1"/>
-          </p:cNvSpPr>
-          <p:nvPr>
-            <p:ph idx="1"/>
-          </p:nvPr>
-        </p:nvSpPr>
-        <p:spPr/>
-        <p:txBody>
-          <a:bodyPr/>
-          <a:lstStyle/>
-          <a:p>
-            <a:endParaRPr lang="zh-CN" altLang="en-US"/>
-          </a:p>
-        </p:txBody>
-      </p:sp>
-      <p:pic>
-        <p:nvPicPr>
-          <p:cNvPr id="4" name="图片 3"/>
-          <p:cNvPicPr>
-            <a:picLocks noChangeAspect="1"/>
-          </p:cNvPicPr>
-          <p:nvPr/>
-        </p:nvPicPr>
-        <p:blipFill>
-          <a:blip r:embed="rId2"/>
-          <a:stretch>
-            <a:fillRect/>
-          </a:stretch>
-        </p:blipFill>
-        <p:spPr>
-          <a:xfrm>
-            <a:off x="628650" y="2234177"/>
-            <a:ext cx="7803392" cy="3269842"/>
-          </a:xfrm>
-          <a:prstGeom prst="rect">
-            <a:avLst/>
-          </a:prstGeom>
-        </p:spPr>
-      </p:pic>
-      <p:sp>
-        <p:nvSpPr>
-          <p:cNvPr id="5" name="文本框 4"/>
-          <p:cNvSpPr txBox="1"/>
-          <p:nvPr/>
-        </p:nvSpPr>
-        <p:spPr>
-          <a:xfrm>
-            <a:off x="628650" y="5571805"/>
-            <a:ext cx="2957861" cy="461665"/>
-          </a:xfrm>
-          <a:prstGeom prst="rect">
-            <a:avLst/>
-          </a:prstGeom>
-          <a:noFill/>
-        </p:spPr>
-        <p:txBody>
-          <a:bodyPr wrap="none" rtlCol="0">
-            <a:spAutoFit/>
-          </a:bodyPr>
-          <a:lstStyle/>
-          <a:p>
-            <a:r>
-              <a:rPr lang="zh-CN" altLang="en-US" sz="2400" dirty="0"/>
-              <a:t>看起来</a:t>
-            </a:r>
-            <a:r>
-              <a:rPr lang="en-US" altLang="zh-CN" sz="2400" dirty="0"/>
-              <a:t>2</a:t>
-            </a:r>
-            <a:r>
-              <a:rPr lang="zh-CN" altLang="en-US" sz="2400" dirty="0"/>
-              <a:t>维，其实</a:t>
-            </a:r>
-            <a:r>
-              <a:rPr lang="en-US" altLang="zh-CN" sz="2400" dirty="0"/>
-              <a:t>1</a:t>
-            </a:r>
-            <a:r>
-              <a:rPr lang="zh-CN" altLang="en-US" sz="2400" dirty="0"/>
-              <a:t>维</a:t>
-            </a:r>
-          </a:p>
-        </p:txBody>
-      </p:sp>
-      <p:sp>
-        <p:nvSpPr>
-          <p:cNvPr id="6" name="文本框 5"/>
-          <p:cNvSpPr txBox="1"/>
-          <p:nvPr/>
-        </p:nvSpPr>
-        <p:spPr>
-          <a:xfrm>
-            <a:off x="4572000" y="5518359"/>
-            <a:ext cx="2957861" cy="461665"/>
-          </a:xfrm>
-          <a:prstGeom prst="rect">
-            <a:avLst/>
-          </a:prstGeom>
-          <a:noFill/>
-        </p:spPr>
-        <p:txBody>
-          <a:bodyPr wrap="none" rtlCol="0">
-            <a:spAutoFit/>
-          </a:bodyPr>
-          <a:lstStyle/>
-          <a:p>
-            <a:r>
-              <a:rPr lang="zh-CN" altLang="en-US" sz="2400" dirty="0"/>
-              <a:t>看起来</a:t>
-            </a:r>
-            <a:r>
-              <a:rPr lang="en-US" altLang="zh-CN" sz="2400" dirty="0"/>
-              <a:t>3</a:t>
-            </a:r>
-            <a:r>
-              <a:rPr lang="zh-CN" altLang="en-US" sz="2400" dirty="0"/>
-              <a:t>维，其实</a:t>
-            </a:r>
-            <a:r>
-              <a:rPr lang="en-US" altLang="zh-CN" sz="2400" dirty="0"/>
-              <a:t>2</a:t>
-            </a:r>
-            <a:r>
-              <a:rPr lang="zh-CN" altLang="en-US" sz="2400" dirty="0"/>
-              <a:t>维</a:t>
-            </a:r>
-          </a:p>
-        </p:txBody>
-      </p:sp>
-    </p:spTree>
-    <p:extLst>
-      <p:ext uri="{BB962C8B-B14F-4D97-AF65-F5344CB8AC3E}">
-        <p14:creationId xmlns:p14="http://schemas.microsoft.com/office/powerpoint/2010/main" val="439495143"/>
-      </p:ext>
-    </p:extLst>
-  </p:cSld>
-  <p:clrMapOvr>
-    <a:masterClrMapping/>
-  </p:clrMapOvr>
-</p:sld>
-</file>
-
-<file path=ppt/slides/slide2.xml><?xml version="1.0" encoding="utf-8"?>
-<p:sld xmlns:a="http://schemas.openxmlformats.org/drawingml/2006/main" xmlns:r="http://schemas.openxmlformats.org/officeDocument/2006/relationships" xmlns:p="http://schemas.openxmlformats.org/presentationml/2006/main">
-  <p:cSld>
-    <p:spTree>
-      <p:nvGrpSpPr>
-        <p:cNvPr id="1" name=""/>
-        <p:cNvGrpSpPr/>
-        <p:nvPr/>
-      </p:nvGrpSpPr>
-      <p:grpSpPr>
-        <a:xfrm>
-          <a:off x="0" y="0"/>
-          <a:ext cx="0" cy="0"/>
-          <a:chOff x="0" y="0"/>
-          <a:chExt cx="0" cy="0"/>
-        </a:xfrm>
-      </p:grpSpPr>
-      <p:sp>
-        <p:nvSpPr>
-          <p:cNvPr id="2" name="标题 1"/>
-          <p:cNvSpPr>
-            <a:spLocks noGrp="1"/>
-          </p:cNvSpPr>
-          <p:nvPr>
-            <p:ph type="title"/>
-          </p:nvPr>
-        </p:nvSpPr>
-        <p:spPr/>
-        <p:txBody>
-          <a:bodyPr/>
-          <a:lstStyle/>
-          <a:p>
-            <a:r>
-              <a:rPr lang="zh-CN" altLang="en-US" dirty="0"/>
-              <a:t>背景</a:t>
-            </a:r>
-          </a:p>
-        </p:txBody>
-      </p:sp>
-      <p:sp>
-        <p:nvSpPr>
-          <p:cNvPr id="3" name="内容占位符 2"/>
-          <p:cNvSpPr>
-            <a:spLocks noGrp="1"/>
-          </p:cNvSpPr>
-          <p:nvPr>
-            <p:ph idx="1"/>
-          </p:nvPr>
-        </p:nvSpPr>
-        <p:spPr/>
-        <p:txBody>
-          <a:bodyPr>
-            <a:normAutofit fontScale="92500" lnSpcReduction="20000"/>
-          </a:bodyPr>
-          <a:lstStyle/>
-          <a:p>
-            <a:r>
-              <a:rPr lang="zh-CN" altLang="en-US" dirty="0"/>
-              <a:t>以工行为例</a:t>
-            </a:r>
-            <a:endParaRPr lang="en-US" altLang="zh-CN" dirty="0"/>
-          </a:p>
-          <a:p>
-            <a:pPr>
-              <a:lnSpc>
-                <a:spcPct val="120000"/>
-              </a:lnSpc>
-            </a:pPr>
-            <a:r>
-              <a:rPr lang="zh-CN" altLang="en-US" dirty="0"/>
-              <a:t>数据</a:t>
-            </a:r>
-            <a:r>
-              <a:rPr lang="en-US" altLang="zh-CN" dirty="0"/>
-              <a:t>: </a:t>
-            </a:r>
-            <a:r>
-              <a:rPr lang="zh-CN" altLang="en-US" dirty="0"/>
-              <a:t>客户信息，账户信息，产品信息，交易信息，管理信息</a:t>
-            </a:r>
-            <a:endParaRPr lang="en-US" altLang="zh-CN" dirty="0"/>
-          </a:p>
-          <a:p>
-            <a:r>
-              <a:rPr lang="zh-CN" altLang="en-US" dirty="0"/>
-              <a:t>数据规模</a:t>
-            </a:r>
-            <a:r>
-              <a:rPr lang="en-US" altLang="zh-CN" dirty="0"/>
-              <a:t>: 300TB</a:t>
-            </a:r>
-          </a:p>
-          <a:p>
-            <a:pPr>
-              <a:lnSpc>
-                <a:spcPct val="110000"/>
-              </a:lnSpc>
-            </a:pPr>
-            <a:r>
-              <a:rPr lang="zh-CN" altLang="en-US" dirty="0"/>
-              <a:t>基于数据，开发了</a:t>
-            </a:r>
-            <a:r>
-              <a:rPr lang="en-US" altLang="zh-CN" dirty="0"/>
-              <a:t>4.1</a:t>
-            </a:r>
-            <a:r>
-              <a:rPr lang="zh-CN" altLang="en-US" dirty="0"/>
-              <a:t>亿个人客户和</a:t>
-            </a:r>
-            <a:r>
-              <a:rPr lang="en-US" altLang="zh-CN" dirty="0"/>
-              <a:t>460</a:t>
-            </a:r>
-            <a:r>
-              <a:rPr lang="zh-CN" altLang="en-US" dirty="0"/>
-              <a:t>万法人客户的信息视图和星级评价体系</a:t>
-            </a:r>
-            <a:endParaRPr lang="en-US" altLang="zh-CN" dirty="0"/>
-          </a:p>
-          <a:p>
-            <a:r>
-              <a:rPr lang="zh-CN" altLang="en-US" dirty="0"/>
-              <a:t>模型：</a:t>
-            </a:r>
-            <a:endParaRPr lang="en-US" altLang="zh-CN" dirty="0"/>
-          </a:p>
-          <a:p>
-            <a:pPr lvl="1"/>
-            <a:r>
-              <a:rPr lang="en-US" altLang="zh-CN" sz="3000" dirty="0"/>
-              <a:t>34</a:t>
-            </a:r>
-            <a:r>
-              <a:rPr lang="zh-CN" altLang="en-US" sz="3000" dirty="0"/>
-              <a:t>个法人客户评级模型</a:t>
-            </a:r>
-            <a:endParaRPr lang="en-US" altLang="zh-CN" sz="3000" dirty="0"/>
-          </a:p>
-          <a:p>
-            <a:pPr lvl="1"/>
-            <a:r>
-              <a:rPr lang="en-US" altLang="zh-CN" sz="3000" dirty="0"/>
-              <a:t>75</a:t>
-            </a:r>
-            <a:r>
-              <a:rPr lang="zh-CN" altLang="en-US" sz="3000" dirty="0"/>
-              <a:t>个零售信用评分模型</a:t>
-            </a:r>
-            <a:br>
-              <a:rPr lang="en-US" altLang="zh-CN" sz="3000" dirty="0"/>
-            </a:br>
-            <a:r>
-              <a:rPr lang="en-US" altLang="zh-CN" sz="3000" dirty="0"/>
-              <a:t>16</a:t>
-            </a:r>
-            <a:r>
-              <a:rPr lang="zh-CN" altLang="en-US" sz="3000" dirty="0"/>
-              <a:t>项市场风险内部计量模型</a:t>
-            </a:r>
-            <a:endParaRPr lang="en-US" altLang="zh-CN" sz="3000" dirty="0"/>
-          </a:p>
-          <a:p>
-            <a:pPr lvl="1"/>
-            <a:r>
-              <a:rPr lang="en-US" altLang="zh-CN" sz="3000" dirty="0"/>
-              <a:t>17</a:t>
-            </a:r>
-            <a:r>
-              <a:rPr lang="zh-CN" altLang="en-US" sz="3000" dirty="0"/>
-              <a:t>类操作风险资本计量模型</a:t>
-            </a:r>
-            <a:endParaRPr lang="en-US" altLang="zh-CN" dirty="0"/>
-          </a:p>
-          <a:p>
-            <a:endParaRPr lang="zh-CN" altLang="en-US" dirty="0"/>
-          </a:p>
-        </p:txBody>
-      </p:sp>
-    </p:spTree>
-    <p:extLst>
-      <p:ext uri="{BB962C8B-B14F-4D97-AF65-F5344CB8AC3E}">
-        <p14:creationId xmlns:p14="http://schemas.microsoft.com/office/powerpoint/2010/main" val="2260252690"/>
-      </p:ext>
-    </p:extLst>
-  </p:cSld>
-  <p:clrMapOvr>
-    <a:masterClrMapping/>
-  </p:clrMapOvr>
-</p:sld>
-</file>
-
-<file path=ppt/slides/slide20.xml><?xml version="1.0" encoding="utf-8"?>
-<p:sld xmlns:a="http://schemas.openxmlformats.org/drawingml/2006/main" xmlns:r="http://schemas.openxmlformats.org/officeDocument/2006/relationships" xmlns:p="http://schemas.openxmlformats.org/presentationml/2006/main">
-  <p:cSld>
-    <p:spTree>
-      <p:nvGrpSpPr>
-        <p:cNvPr id="1" name=""/>
-        <p:cNvGrpSpPr/>
-        <p:nvPr/>
-      </p:nvGrpSpPr>
-      <p:grpSpPr>
-        <a:xfrm>
-          <a:off x="0" y="0"/>
-          <a:ext cx="0" cy="0"/>
-          <a:chOff x="0" y="0"/>
-          <a:chExt cx="0" cy="0"/>
-        </a:xfrm>
-      </p:grpSpPr>
-      <p:sp>
-        <p:nvSpPr>
-          <p:cNvPr id="2" name="标题 1"/>
-          <p:cNvSpPr>
-            <a:spLocks noGrp="1"/>
-          </p:cNvSpPr>
-          <p:nvPr>
-            <p:ph type="title"/>
-          </p:nvPr>
-        </p:nvSpPr>
-        <p:spPr/>
-        <p:txBody>
-          <a:bodyPr/>
-          <a:lstStyle/>
-          <a:p>
-            <a:r>
-              <a:rPr lang="zh-CN" altLang="en-US" dirty="0"/>
-              <a:t>原理</a:t>
-            </a:r>
-          </a:p>
-        </p:txBody>
-      </p:sp>
-      <p:sp>
-        <p:nvSpPr>
-          <p:cNvPr id="3" name="内容占位符 2"/>
-          <p:cNvSpPr>
-            <a:spLocks noGrp="1"/>
-          </p:cNvSpPr>
-          <p:nvPr>
-            <p:ph idx="1"/>
-          </p:nvPr>
-        </p:nvSpPr>
-        <p:spPr>
-          <a:xfrm>
-            <a:off x="628650" y="1481068"/>
-            <a:ext cx="7886700" cy="4351338"/>
-          </a:xfrm>
-        </p:spPr>
-        <p:txBody>
-          <a:bodyPr>
-            <a:normAutofit/>
-          </a:bodyPr>
-          <a:lstStyle/>
-          <a:p>
-            <a:pPr>
-              <a:lnSpc>
-                <a:spcPct val="120000"/>
-              </a:lnSpc>
-            </a:pPr>
-            <a:r>
-              <a:rPr lang="zh-CN" altLang="en-US" dirty="0"/>
-              <a:t>求                              的特征向量，构成特征向量矩阵</a:t>
-            </a:r>
-            <a:r>
-              <a:rPr lang="en-US" altLang="zh-CN" dirty="0"/>
-              <a:t>E</a:t>
-            </a:r>
-          </a:p>
-          <a:p>
-            <a:pPr>
-              <a:lnSpc>
-                <a:spcPct val="120000"/>
-              </a:lnSpc>
-            </a:pPr>
-            <a:r>
-              <a:rPr lang="en-US" altLang="zh-CN" dirty="0"/>
-              <a:t>x</a:t>
-            </a:r>
-            <a:r>
-              <a:rPr lang="zh-CN" altLang="en-US" dirty="0"/>
-              <a:t>与特征向量矩阵</a:t>
-            </a:r>
-            <a:r>
-              <a:rPr lang="en-US" altLang="zh-CN" dirty="0"/>
-              <a:t>E</a:t>
-            </a:r>
-            <a:r>
-              <a:rPr lang="zh-CN" altLang="en-US" dirty="0"/>
-              <a:t>的乘积，相当于将</a:t>
-            </a:r>
-            <a:r>
-              <a:rPr lang="en-US" altLang="zh-CN" dirty="0"/>
-              <a:t>x</a:t>
-            </a:r>
-            <a:r>
-              <a:rPr lang="zh-CN" altLang="en-US" dirty="0"/>
-              <a:t>在高维空间中旋转</a:t>
-            </a:r>
-            <a:endParaRPr lang="en-US" altLang="zh-CN" dirty="0"/>
-          </a:p>
-          <a:p>
-            <a:pPr lvl="1">
-              <a:lnSpc>
-                <a:spcPct val="120000"/>
-              </a:lnSpc>
-            </a:pPr>
-            <a:r>
-              <a:rPr lang="zh-CN" altLang="en-US" dirty="0"/>
-              <a:t>原数据变成在新的坐标上的投影</a:t>
-            </a:r>
-            <a:endParaRPr lang="en-US" altLang="zh-CN" dirty="0"/>
-          </a:p>
-          <a:p>
-            <a:pPr>
-              <a:lnSpc>
-                <a:spcPct val="120000"/>
-              </a:lnSpc>
-            </a:pPr>
-            <a:endParaRPr lang="en-US" altLang="zh-CN" dirty="0"/>
-          </a:p>
-        </p:txBody>
-      </p:sp>
-      <p:pic>
-        <p:nvPicPr>
-          <p:cNvPr id="4" name="图片 3"/>
-          <p:cNvPicPr>
-            <a:picLocks noChangeAspect="1"/>
-          </p:cNvPicPr>
-          <p:nvPr/>
-        </p:nvPicPr>
-        <p:blipFill>
-          <a:blip r:embed="rId2"/>
-          <a:stretch>
-            <a:fillRect/>
-          </a:stretch>
-        </p:blipFill>
-        <p:spPr>
-          <a:xfrm>
-            <a:off x="1443826" y="1595893"/>
-            <a:ext cx="2146890" cy="365428"/>
-          </a:xfrm>
-          <a:prstGeom prst="rect">
-            <a:avLst/>
-          </a:prstGeom>
-        </p:spPr>
-      </p:pic>
-      <p:pic>
-        <p:nvPicPr>
-          <p:cNvPr id="9" name="图片 8">
-            <a:extLst>
-              <a:ext uri="{FF2B5EF4-FFF2-40B4-BE49-F238E27FC236}">
-                <a16:creationId xmlns:a16="http://schemas.microsoft.com/office/drawing/2014/main" id="{3C036A90-B25E-7E49-A3BC-E959930FF3D7}"/>
-              </a:ext>
-            </a:extLst>
-          </p:cNvPr>
-          <p:cNvPicPr>
-            <a:picLocks noChangeAspect="1"/>
-          </p:cNvPicPr>
-          <p:nvPr/>
-        </p:nvPicPr>
-        <p:blipFill rotWithShape="1">
-          <a:blip r:embed="rId3"/>
-          <a:srcRect r="62812"/>
-          <a:stretch/>
-        </p:blipFill>
-        <p:spPr>
-          <a:xfrm>
-            <a:off x="1700988" y="4396755"/>
-            <a:ext cx="2066980" cy="2329019"/>
-          </a:xfrm>
-          <a:prstGeom prst="rect">
-            <a:avLst/>
-          </a:prstGeom>
-        </p:spPr>
-      </p:pic>
-      <p:pic>
-        <p:nvPicPr>
-          <p:cNvPr id="10" name="图片 9">
-            <a:extLst>
-              <a:ext uri="{FF2B5EF4-FFF2-40B4-BE49-F238E27FC236}">
-                <a16:creationId xmlns:a16="http://schemas.microsoft.com/office/drawing/2014/main" id="{5CC81D53-668A-F048-955D-D70339E6BE82}"/>
-              </a:ext>
-            </a:extLst>
-          </p:cNvPr>
-          <p:cNvPicPr>
-            <a:picLocks noChangeAspect="1"/>
-          </p:cNvPicPr>
-          <p:nvPr/>
-        </p:nvPicPr>
-        <p:blipFill rotWithShape="1">
-          <a:blip r:embed="rId3"/>
-          <a:srcRect r="62812"/>
-          <a:stretch/>
-        </p:blipFill>
-        <p:spPr>
-          <a:xfrm>
-            <a:off x="4840306" y="4619329"/>
-            <a:ext cx="2066980" cy="2329019"/>
-          </a:xfrm>
-          <a:prstGeom prst="rect">
-            <a:avLst/>
-          </a:prstGeom>
-          <a:scene3d>
-            <a:camera prst="orthographicFront">
-              <a:rot lat="0" lon="0" rev="18900000"/>
-            </a:camera>
-            <a:lightRig rig="threePt" dir="t"/>
-          </a:scene3d>
-        </p:spPr>
-      </p:pic>
-    </p:spTree>
-    <p:extLst>
-      <p:ext uri="{BB962C8B-B14F-4D97-AF65-F5344CB8AC3E}">
-        <p14:creationId xmlns:p14="http://schemas.microsoft.com/office/powerpoint/2010/main" val="1854493597"/>
-      </p:ext>
-    </p:extLst>
-  </p:cSld>
-  <p:clrMapOvr>
-    <a:masterClrMapping/>
-  </p:clrMapOvr>
-</p:sld>
-</file>
-
-<file path=ppt/slides/slide21.xml><?xml version="1.0" encoding="utf-8"?>
-<p:sld xmlns:a="http://schemas.openxmlformats.org/drawingml/2006/main" xmlns:r="http://schemas.openxmlformats.org/officeDocument/2006/relationships" xmlns:p="http://schemas.openxmlformats.org/presentationml/2006/main">
-  <p:cSld>
-    <p:spTree>
-      <p:nvGrpSpPr>
-        <p:cNvPr id="1" name=""/>
-        <p:cNvGrpSpPr/>
-        <p:nvPr/>
-      </p:nvGrpSpPr>
-      <p:grpSpPr>
-        <a:xfrm>
-          <a:off x="0" y="0"/>
-          <a:ext cx="0" cy="0"/>
-          <a:chOff x="0" y="0"/>
-          <a:chExt cx="0" cy="0"/>
-        </a:xfrm>
-      </p:grpSpPr>
-      <p:sp>
-        <p:nvSpPr>
-          <p:cNvPr id="2" name="标题 1">
-            <a:extLst>
-              <a:ext uri="{FF2B5EF4-FFF2-40B4-BE49-F238E27FC236}">
-                <a16:creationId xmlns:a16="http://schemas.microsoft.com/office/drawing/2014/main" id="{95F38598-1E92-CE42-ACE8-3046640E2010}"/>
-              </a:ext>
-            </a:extLst>
-          </p:cNvPr>
-          <p:cNvSpPr>
-            <a:spLocks noGrp="1"/>
-          </p:cNvSpPr>
-          <p:nvPr>
-            <p:ph type="title"/>
-          </p:nvPr>
-        </p:nvSpPr>
-        <p:spPr/>
-        <p:txBody>
-          <a:bodyPr/>
-          <a:lstStyle/>
-          <a:p>
-            <a:r>
-              <a:rPr kumimoji="1" lang="zh-CN" altLang="en-US" dirty="0"/>
-              <a:t>主特征向量</a:t>
-            </a:r>
-          </a:p>
-        </p:txBody>
-      </p:sp>
-      <p:sp>
-        <p:nvSpPr>
-          <p:cNvPr id="3" name="内容占位符 2">
-            <a:extLst>
-              <a:ext uri="{FF2B5EF4-FFF2-40B4-BE49-F238E27FC236}">
-                <a16:creationId xmlns:a16="http://schemas.microsoft.com/office/drawing/2014/main" id="{1C1A2CF1-15D0-664D-890E-D667EEAD7742}"/>
-              </a:ext>
-            </a:extLst>
-          </p:cNvPr>
-          <p:cNvSpPr>
-            <a:spLocks noGrp="1"/>
-          </p:cNvSpPr>
-          <p:nvPr>
-            <p:ph idx="1"/>
-          </p:nvPr>
-        </p:nvSpPr>
-        <p:spPr>
-          <a:xfrm>
-            <a:off x="628650" y="1622425"/>
-            <a:ext cx="7886700" cy="4351338"/>
-          </a:xfrm>
-        </p:spPr>
-        <p:txBody>
-          <a:bodyPr/>
-          <a:lstStyle/>
-          <a:p>
-            <a:pPr>
-              <a:lnSpc>
-                <a:spcPct val="120000"/>
-              </a:lnSpc>
-            </a:pPr>
-            <a:r>
-              <a:rPr lang="zh-CN" altLang="en-US" dirty="0"/>
-              <a:t>主特征向量就是沿着它、点最“分散”的方向</a:t>
-            </a:r>
-            <a:endParaRPr lang="en-US" altLang="zh-CN" dirty="0"/>
-          </a:p>
-          <a:p>
-            <a:pPr lvl="1">
-              <a:lnSpc>
-                <a:spcPct val="120000"/>
-              </a:lnSpc>
-            </a:pPr>
-            <a:r>
-              <a:rPr lang="zh-CN" altLang="en-US" dirty="0"/>
-              <a:t>也就是数据方差最大的方向</a:t>
-            </a:r>
-            <a:endParaRPr lang="en-US" altLang="zh-CN" dirty="0"/>
-          </a:p>
-          <a:p>
-            <a:pPr lvl="1">
-              <a:lnSpc>
-                <a:spcPct val="120000"/>
-              </a:lnSpc>
-            </a:pPr>
-            <a:r>
-              <a:rPr lang="zh-CN" altLang="en-US" dirty="0"/>
-              <a:t>将这些点视为沿这个方向放置</a:t>
-            </a:r>
-            <a:endParaRPr lang="en-US" altLang="zh-CN" dirty="0"/>
-          </a:p>
-          <a:p>
-            <a:pPr>
-              <a:lnSpc>
-                <a:spcPct val="120000"/>
-              </a:lnSpc>
-            </a:pPr>
-            <a:r>
-              <a:rPr lang="zh-CN" altLang="en-US" dirty="0"/>
-              <a:t>新的坐标上，第一维是主特征向量指向的那个方向，能量最强</a:t>
-            </a:r>
-            <a:endParaRPr lang="en-US" altLang="zh-CN" dirty="0"/>
-          </a:p>
-          <a:p>
-            <a:pPr lvl="1">
-              <a:lnSpc>
-                <a:spcPct val="120000"/>
-              </a:lnSpc>
-            </a:pPr>
-            <a:endParaRPr lang="en-US" altLang="zh-CN" dirty="0"/>
-          </a:p>
-          <a:p>
-            <a:pPr>
-              <a:lnSpc>
-                <a:spcPct val="120000"/>
-              </a:lnSpc>
-            </a:pPr>
-            <a:endParaRPr lang="en-US" altLang="zh-CN" dirty="0"/>
-          </a:p>
-          <a:p>
-            <a:endParaRPr kumimoji="1" lang="zh-CN" altLang="en-US" dirty="0"/>
-          </a:p>
-        </p:txBody>
-      </p:sp>
-      <p:pic>
-        <p:nvPicPr>
-          <p:cNvPr id="7" name="图片 6">
-            <a:extLst>
-              <a:ext uri="{FF2B5EF4-FFF2-40B4-BE49-F238E27FC236}">
-                <a16:creationId xmlns:a16="http://schemas.microsoft.com/office/drawing/2014/main" id="{DDC211B5-69E4-6142-9F77-739A5C440A9F}"/>
-              </a:ext>
-            </a:extLst>
-          </p:cNvPr>
-          <p:cNvPicPr>
-            <a:picLocks noChangeAspect="1"/>
-          </p:cNvPicPr>
-          <p:nvPr/>
-        </p:nvPicPr>
-        <p:blipFill rotWithShape="1">
-          <a:blip r:embed="rId2"/>
-          <a:srcRect r="62812"/>
-          <a:stretch/>
-        </p:blipFill>
-        <p:spPr>
-          <a:xfrm>
-            <a:off x="3197037" y="4420546"/>
-            <a:ext cx="2066980" cy="2329019"/>
-          </a:xfrm>
-          <a:prstGeom prst="rect">
-            <a:avLst/>
-          </a:prstGeom>
-          <a:scene3d>
-            <a:camera prst="orthographicFront">
-              <a:rot lat="0" lon="0" rev="18900000"/>
-            </a:camera>
-            <a:lightRig rig="threePt" dir="t"/>
-          </a:scene3d>
-        </p:spPr>
-      </p:pic>
-    </p:spTree>
-    <p:extLst>
-      <p:ext uri="{BB962C8B-B14F-4D97-AF65-F5344CB8AC3E}">
-        <p14:creationId xmlns:p14="http://schemas.microsoft.com/office/powerpoint/2010/main" val="3498778761"/>
-      </p:ext>
-    </p:extLst>
-  </p:cSld>
-  <p:clrMapOvr>
-    <a:masterClrMapping/>
-  </p:clrMapOvr>
-</p:sld>
-</file>
-
-<file path=ppt/slides/slide22.xml><?xml version="1.0" encoding="utf-8"?>
-<p:sld xmlns:a="http://schemas.openxmlformats.org/drawingml/2006/main" xmlns:r="http://schemas.openxmlformats.org/officeDocument/2006/relationships" xmlns:p="http://schemas.openxmlformats.org/presentationml/2006/main">
-  <p:cSld>
-    <p:spTree>
-      <p:nvGrpSpPr>
-        <p:cNvPr id="1" name=""/>
-        <p:cNvGrpSpPr/>
-        <p:nvPr/>
-      </p:nvGrpSpPr>
-      <p:grpSpPr>
-        <a:xfrm>
-          <a:off x="0" y="0"/>
-          <a:ext cx="0" cy="0"/>
-          <a:chOff x="0" y="0"/>
-          <a:chExt cx="0" cy="0"/>
-        </a:xfrm>
-      </p:grpSpPr>
-      <p:sp>
-        <p:nvSpPr>
-          <p:cNvPr id="2" name="标题 1">
-            <a:extLst>
-              <a:ext uri="{FF2B5EF4-FFF2-40B4-BE49-F238E27FC236}">
-                <a16:creationId xmlns:a16="http://schemas.microsoft.com/office/drawing/2014/main" id="{696CB9B8-989D-E940-91D5-22D9AC8C1F4D}"/>
-              </a:ext>
-            </a:extLst>
-          </p:cNvPr>
-          <p:cNvSpPr>
-            <a:spLocks noGrp="1"/>
-          </p:cNvSpPr>
-          <p:nvPr>
-            <p:ph type="title"/>
-          </p:nvPr>
-        </p:nvSpPr>
-        <p:spPr/>
-        <p:txBody>
-          <a:bodyPr/>
-          <a:lstStyle/>
-          <a:p>
-            <a:r>
-              <a:rPr kumimoji="1" lang="zh-CN" altLang="en-US" dirty="0"/>
-              <a:t>第二特征向量</a:t>
-            </a:r>
-          </a:p>
-        </p:txBody>
-      </p:sp>
-      <p:sp>
-        <p:nvSpPr>
-          <p:cNvPr id="3" name="内容占位符 2">
-            <a:extLst>
-              <a:ext uri="{FF2B5EF4-FFF2-40B4-BE49-F238E27FC236}">
-                <a16:creationId xmlns:a16="http://schemas.microsoft.com/office/drawing/2014/main" id="{39049F91-1C76-354D-907B-594FBD70F22A}"/>
-              </a:ext>
-            </a:extLst>
-          </p:cNvPr>
-          <p:cNvSpPr>
-            <a:spLocks noGrp="1"/>
-          </p:cNvSpPr>
-          <p:nvPr>
-            <p:ph idx="1"/>
-          </p:nvPr>
-        </p:nvSpPr>
-        <p:spPr/>
-        <p:txBody>
-          <a:bodyPr/>
-          <a:lstStyle/>
-          <a:p>
-            <a:pPr>
-              <a:lnSpc>
-                <a:spcPct val="120000"/>
-              </a:lnSpc>
-            </a:pPr>
-            <a:r>
-              <a:rPr lang="zh-CN" altLang="en-US" dirty="0"/>
-              <a:t>对应于第二特征向量的轴（对应于第二最大特征值的特征向量）是去掉第一轴后数据方差最大的轴，依此类推。</a:t>
-            </a:r>
-            <a:endParaRPr lang="en-US" altLang="zh-CN" dirty="0"/>
-          </a:p>
-          <a:p>
-            <a:pPr>
-              <a:lnSpc>
-                <a:spcPct val="120000"/>
-              </a:lnSpc>
-            </a:pPr>
-            <a:r>
-              <a:rPr lang="zh-CN" altLang="en-US" dirty="0"/>
-              <a:t>以后依次递减</a:t>
-            </a:r>
-            <a:endParaRPr lang="en-US" altLang="zh-CN" dirty="0"/>
-          </a:p>
-          <a:p>
-            <a:pPr lvl="1">
-              <a:lnSpc>
-                <a:spcPct val="120000"/>
-              </a:lnSpc>
-            </a:pPr>
-            <a:r>
-              <a:rPr lang="zh-CN" altLang="en-US" dirty="0"/>
-              <a:t>使降维成为可能</a:t>
-            </a:r>
-          </a:p>
-          <a:p>
-            <a:endParaRPr kumimoji="1" lang="zh-CN" altLang="en-US" dirty="0"/>
-          </a:p>
-        </p:txBody>
-      </p:sp>
-      <p:pic>
-        <p:nvPicPr>
-          <p:cNvPr id="4" name="图片 3">
-            <a:extLst>
-              <a:ext uri="{FF2B5EF4-FFF2-40B4-BE49-F238E27FC236}">
-                <a16:creationId xmlns:a16="http://schemas.microsoft.com/office/drawing/2014/main" id="{6093659A-B7FE-F64C-A4F0-892A14E615FF}"/>
-              </a:ext>
-            </a:extLst>
-          </p:cNvPr>
-          <p:cNvPicPr>
-            <a:picLocks noChangeAspect="1"/>
-          </p:cNvPicPr>
-          <p:nvPr/>
-        </p:nvPicPr>
-        <p:blipFill rotWithShape="1">
-          <a:blip r:embed="rId2"/>
-          <a:srcRect r="62812"/>
-          <a:stretch/>
-        </p:blipFill>
-        <p:spPr>
-          <a:xfrm>
-            <a:off x="5052341" y="4001294"/>
-            <a:ext cx="2066980" cy="2329019"/>
-          </a:xfrm>
-          <a:prstGeom prst="rect">
-            <a:avLst/>
-          </a:prstGeom>
-          <a:scene3d>
-            <a:camera prst="orthographicFront">
-              <a:rot lat="0" lon="0" rev="18900000"/>
-            </a:camera>
-            <a:lightRig rig="threePt" dir="t"/>
-          </a:scene3d>
-        </p:spPr>
-      </p:pic>
-    </p:spTree>
-    <p:extLst>
-      <p:ext uri="{BB962C8B-B14F-4D97-AF65-F5344CB8AC3E}">
-        <p14:creationId xmlns:p14="http://schemas.microsoft.com/office/powerpoint/2010/main" val="3498190692"/>
-      </p:ext>
-    </p:extLst>
-  </p:cSld>
-  <p:clrMapOvr>
-    <a:masterClrMapping/>
-  </p:clrMapOvr>
-</p:sld>
-</file>
-
-<file path=ppt/slides/slide23.xml><?xml version="1.0" encoding="utf-8"?>
+<file path=ppt/slides/slide32.xml><?xml version="1.0" encoding="utf-8"?>
 <p:sld xmlns:a="http://schemas.openxmlformats.org/drawingml/2006/main" xmlns:r="http://schemas.openxmlformats.org/officeDocument/2006/relationships" xmlns:p="http://schemas.openxmlformats.org/presentationml/2006/main">
   <p:cSld>
     <p:spTree>
@@ -6096,8 +7634,8 @@
         </p:blipFill>
         <p:spPr>
           <a:xfrm>
-            <a:off x="534685" y="2764152"/>
-            <a:ext cx="3588508" cy="3246366"/>
+            <a:off x="944438" y="3093216"/>
+            <a:ext cx="2691381" cy="2434775"/>
           </a:xfrm>
           <a:prstGeom prst="rect">
             <a:avLst/>
@@ -6120,8 +7658,8 @@
         </p:blipFill>
         <p:spPr>
           <a:xfrm>
-            <a:off x="5031759" y="2426392"/>
-            <a:ext cx="3811990" cy="3551342"/>
+            <a:off x="4916819" y="2677044"/>
+            <a:ext cx="2858993" cy="2663507"/>
           </a:xfrm>
           <a:prstGeom prst="rect">
             <a:avLst/>
@@ -6136,8 +7674,8 @@
         </p:nvSpPr>
         <p:spPr>
           <a:xfrm>
-            <a:off x="1868906" y="6176963"/>
-            <a:ext cx="1210588" cy="400110"/>
+            <a:off x="2544680" y="5489973"/>
+            <a:ext cx="954107" cy="323165"/>
           </a:xfrm>
           <a:prstGeom prst="rect">
             <a:avLst/>
@@ -6151,7 +7689,7 @@
           <a:lstStyle/>
           <a:p>
             <a:r>
-              <a:rPr lang="zh-CN" altLang="en-US" sz="2000" b="1" dirty="0"/>
+              <a:rPr lang="zh-CN" altLang="en-US" sz="1500" b="1" dirty="0"/>
               <a:t>原始数据</a:t>
             </a:r>
           </a:p>
@@ -6165,8 +7703,8 @@
         </p:nvSpPr>
         <p:spPr>
           <a:xfrm>
-            <a:off x="6495497" y="6176963"/>
-            <a:ext cx="1475084" cy="400110"/>
+            <a:off x="6014623" y="5489973"/>
+            <a:ext cx="1146468" cy="323165"/>
           </a:xfrm>
           <a:prstGeom prst="rect">
             <a:avLst/>
@@ -6180,7 +7718,7 @@
           <a:lstStyle/>
           <a:p>
             <a:r>
-              <a:rPr lang="zh-CN" altLang="en-US" sz="2000" b="1" dirty="0"/>
+              <a:rPr lang="zh-CN" altLang="en-US" sz="1500" b="1" dirty="0"/>
               <a:t>按虚线旋转</a:t>
             </a:r>
           </a:p>
@@ -6194,8 +7732,8 @@
         </p:nvSpPr>
         <p:spPr>
           <a:xfrm>
-            <a:off x="6605516" y="2673194"/>
-            <a:ext cx="859809" cy="547678"/>
+            <a:off x="6097138" y="2862145"/>
+            <a:ext cx="644857" cy="410759"/>
           </a:xfrm>
           <a:prstGeom prst="rect">
             <a:avLst/>
@@ -6228,7 +7766,7 @@
           <a:lstStyle/>
           <a:p>
             <a:pPr algn="ctr"/>
-            <a:endParaRPr lang="zh-CN" altLang="en-US"/>
+            <a:endParaRPr lang="zh-CN" altLang="en-US" sz="1350"/>
           </a:p>
         </p:txBody>
       </p:sp>
@@ -6240,8 +7778,8 @@
         </p:nvSpPr>
         <p:spPr>
           <a:xfrm>
-            <a:off x="8090777" y="3928224"/>
-            <a:ext cx="859809" cy="547678"/>
+            <a:off x="7211084" y="3803418"/>
+            <a:ext cx="644857" cy="410759"/>
           </a:xfrm>
           <a:prstGeom prst="rect">
             <a:avLst/>
@@ -6274,7 +7812,7 @@
           <a:lstStyle/>
           <a:p>
             <a:pPr algn="ctr"/>
-            <a:endParaRPr lang="zh-CN" altLang="en-US"/>
+            <a:endParaRPr lang="zh-CN" altLang="en-US" sz="1350"/>
           </a:p>
         </p:txBody>
       </p:sp>
@@ -6286,8 +7824,8 @@
         </p:nvSpPr>
         <p:spPr>
           <a:xfrm>
-            <a:off x="6803134" y="5128442"/>
-            <a:ext cx="859809" cy="547678"/>
+            <a:off x="6245352" y="4703581"/>
+            <a:ext cx="644857" cy="410759"/>
           </a:xfrm>
           <a:prstGeom prst="rect">
             <a:avLst/>
@@ -6320,7 +7858,7 @@
           <a:lstStyle/>
           <a:p>
             <a:pPr algn="ctr"/>
-            <a:endParaRPr lang="zh-CN" altLang="en-US"/>
+            <a:endParaRPr lang="zh-CN" altLang="en-US" sz="1350"/>
           </a:p>
         </p:txBody>
       </p:sp>
@@ -6340,8 +7878,8 @@
         </p:blipFill>
         <p:spPr>
           <a:xfrm>
-            <a:off x="2231132" y="512691"/>
-            <a:ext cx="1238250" cy="523875"/>
+            <a:off x="2816349" y="1241770"/>
+            <a:ext cx="928688" cy="392906"/>
           </a:xfrm>
           <a:prstGeom prst="rect">
             <a:avLst/>
@@ -6364,8 +7902,8 @@
         </p:blipFill>
         <p:spPr>
           <a:xfrm>
-            <a:off x="3469382" y="322042"/>
-            <a:ext cx="1724025" cy="990600"/>
+            <a:off x="3745038" y="1098782"/>
+            <a:ext cx="1293019" cy="742950"/>
           </a:xfrm>
           <a:prstGeom prst="rect">
             <a:avLst/>
@@ -6388,8 +7926,8 @@
         </p:blipFill>
         <p:spPr>
           <a:xfrm>
-            <a:off x="709793" y="365126"/>
-            <a:ext cx="781050" cy="409575"/>
+            <a:off x="1675345" y="1131096"/>
+            <a:ext cx="585788" cy="307181"/>
           </a:xfrm>
           <a:prstGeom prst="rect">
             <a:avLst/>
@@ -6412,8 +7950,8 @@
         </p:blipFill>
         <p:spPr>
           <a:xfrm>
-            <a:off x="384874" y="889001"/>
-            <a:ext cx="1495425" cy="1666875"/>
+            <a:off x="1431657" y="1524002"/>
+            <a:ext cx="1121569" cy="1250156"/>
           </a:xfrm>
           <a:prstGeom prst="rect">
             <a:avLst/>
@@ -6436,8 +7974,8 @@
         </p:blipFill>
         <p:spPr>
           <a:xfrm>
-            <a:off x="2134714" y="1783292"/>
-            <a:ext cx="714375" cy="409575"/>
+            <a:off x="2744037" y="2194720"/>
+            <a:ext cx="535781" cy="307181"/>
           </a:xfrm>
           <a:prstGeom prst="rect">
             <a:avLst/>
@@ -6460,8 +7998,8 @@
         </p:blipFill>
         <p:spPr>
           <a:xfrm>
-            <a:off x="2850257" y="1494406"/>
-            <a:ext cx="2400300" cy="962025"/>
+            <a:off x="3280693" y="1978056"/>
+            <a:ext cx="1800225" cy="721519"/>
           </a:xfrm>
           <a:prstGeom prst="rect">
             <a:avLst/>
@@ -6476,8 +8014,8 @@
         </p:nvSpPr>
         <p:spPr>
           <a:xfrm>
-            <a:off x="6818605" y="312963"/>
-            <a:ext cx="2351926" cy="461665"/>
+            <a:off x="6256954" y="1091973"/>
+            <a:ext cx="1813317" cy="369332"/>
           </a:xfrm>
           <a:prstGeom prst="rect">
             <a:avLst/>
@@ -6491,15 +8029,27 @@
           <a:lstStyle/>
           <a:p>
             <a:r>
-              <a:rPr lang="zh-CN" altLang="en-US" sz="2400" b="1" dirty="0"/>
+              <a:rPr lang="zh-CN" altLang="en-US" b="1" dirty="0">
+                <a:solidFill>
+                  <a:srgbClr val="FF0000"/>
+                </a:solidFill>
+              </a:rPr>
               <a:t>逆时针</a:t>
             </a:r>
             <a:r>
-              <a:rPr lang="en-US" altLang="zh-CN" sz="2400" b="1" dirty="0"/>
+              <a:rPr lang="en-US" altLang="zh-CN" b="1" dirty="0">
+                <a:solidFill>
+                  <a:srgbClr val="FF0000"/>
+                </a:solidFill>
+              </a:rPr>
               <a:t>45</a:t>
             </a:r>
             <a:r>
-              <a:rPr lang="zh-CN" altLang="en-US" sz="2400" b="1" dirty="0"/>
+              <a:rPr lang="zh-CN" altLang="en-US" b="1" dirty="0">
+                <a:solidFill>
+                  <a:srgbClr val="FF0000"/>
+                </a:solidFill>
+              </a:rPr>
               <a:t>度旋转</a:t>
             </a:r>
           </a:p>
@@ -6521,8 +8071,8 @@
         </p:blipFill>
         <p:spPr>
           <a:xfrm>
-            <a:off x="5676153" y="336478"/>
-            <a:ext cx="1047750" cy="438150"/>
+            <a:off x="5400115" y="1109608"/>
+            <a:ext cx="785813" cy="328613"/>
           </a:xfrm>
           <a:prstGeom prst="rect">
             <a:avLst/>
@@ -6545,8 +8095,8 @@
         </p:blipFill>
         <p:spPr>
           <a:xfrm>
-            <a:off x="5699978" y="817342"/>
-            <a:ext cx="2847975" cy="1781175"/>
+            <a:off x="5417985" y="1470258"/>
+            <a:ext cx="2135981" cy="1335881"/>
           </a:xfrm>
           <a:prstGeom prst="rect">
             <a:avLst/>
@@ -6561,8 +8111,8 @@
         </p:nvSpPr>
         <p:spPr>
           <a:xfrm>
-            <a:off x="2100409" y="1068995"/>
-            <a:ext cx="1112805" cy="461665"/>
+            <a:off x="2718308" y="1658997"/>
+            <a:ext cx="881973" cy="369332"/>
           </a:xfrm>
           <a:prstGeom prst="rect">
             <a:avLst/>
@@ -6576,7 +8126,7 @@
           <a:lstStyle/>
           <a:p>
             <a:r>
-              <a:rPr lang="zh-CN" altLang="en-US" sz="2400" b="1" dirty="0"/>
+              <a:rPr lang="zh-CN" altLang="en-US" b="1" dirty="0"/>
               <a:t>对称阵</a:t>
             </a:r>
           </a:p>
@@ -6596,8 +8146,8 @@
         </p:nvSpPr>
         <p:spPr>
           <a:xfrm>
-            <a:off x="7729194" y="3461036"/>
-            <a:ext cx="1003989" cy="267959"/>
+            <a:off x="6939897" y="3453027"/>
+            <a:ext cx="752992" cy="300082"/>
           </a:xfrm>
           <a:prstGeom prst="rect">
             <a:avLst/>
@@ -6612,7 +8162,7 @@
           </a:bodyPr>
           <a:lstStyle/>
           <a:p>
-            <a:endParaRPr kumimoji="1" lang="zh-CN" altLang="en-US" dirty="0"/>
+            <a:endParaRPr kumimoji="1" lang="zh-CN" altLang="en-US" sz="1350" dirty="0"/>
           </a:p>
         </p:txBody>
       </p:sp>
@@ -6630,8 +8180,8 @@
         </p:nvSpPr>
         <p:spPr>
           <a:xfrm>
-            <a:off x="6533425" y="4688276"/>
-            <a:ext cx="1003989" cy="267959"/>
+            <a:off x="6043070" y="4373457"/>
+            <a:ext cx="752992" cy="300082"/>
           </a:xfrm>
           <a:prstGeom prst="rect">
             <a:avLst/>
@@ -6646,7 +8196,7 @@
           </a:bodyPr>
           <a:lstStyle/>
           <a:p>
-            <a:endParaRPr kumimoji="1" lang="zh-CN" altLang="en-US" dirty="0"/>
+            <a:endParaRPr kumimoji="1" lang="zh-CN" altLang="en-US" sz="1350" dirty="0"/>
           </a:p>
         </p:txBody>
       </p:sp>
@@ -6664,8 +8214,8 @@
         </p:nvSpPr>
         <p:spPr>
           <a:xfrm>
-            <a:off x="2477578" y="2484451"/>
-            <a:ext cx="2031325" cy="461665"/>
+            <a:off x="3273264" y="2827491"/>
+            <a:ext cx="1723549" cy="2400657"/>
           </a:xfrm>
           <a:prstGeom prst="rect">
             <a:avLst/>
@@ -6677,26 +8227,576 @@
           </a:bodyPr>
           <a:lstStyle/>
           <a:p>
-            <a:r>
-              <a:rPr kumimoji="1" lang="zh-CN" altLang="en-US" sz="2400" dirty="0">
+            <a:pPr algn="ctr"/>
+            <a:r>
+              <a:rPr kumimoji="1" lang="zh-CN" altLang="en-US" sz="1500" dirty="0">
+                <a:solidFill>
+                  <a:srgbClr val="00B0F0"/>
+                </a:solidFill>
+              </a:rPr>
+              <a:t>特征向量</a:t>
+            </a:r>
+            <a:endParaRPr kumimoji="1" lang="en-US" altLang="zh-CN" sz="1500" dirty="0">
+              <a:solidFill>
+                <a:srgbClr val="00B0F0"/>
+              </a:solidFill>
+            </a:endParaRPr>
+          </a:p>
+          <a:p>
+            <a:pPr algn="ctr"/>
+            <a:r>
+              <a:rPr kumimoji="1" lang="zh-CN" altLang="en-US" sz="1500" dirty="0">
+                <a:solidFill>
+                  <a:srgbClr val="00B0F0"/>
+                </a:solidFill>
+              </a:rPr>
+              <a:t>相互正交</a:t>
+            </a:r>
+            <a:endParaRPr kumimoji="1" lang="en-US" altLang="zh-CN" sz="1500" dirty="0">
+              <a:solidFill>
+                <a:srgbClr val="00B0F0"/>
+              </a:solidFill>
+            </a:endParaRPr>
+          </a:p>
+          <a:p>
+            <a:pPr algn="ctr"/>
+            <a:endParaRPr kumimoji="1" lang="en-US" altLang="zh-CN" sz="1500" dirty="0">
+              <a:solidFill>
+                <a:srgbClr val="00B0F0"/>
+              </a:solidFill>
+            </a:endParaRPr>
+          </a:p>
+          <a:p>
+            <a:pPr algn="ctr"/>
+            <a:r>
+              <a:rPr lang="zh-CN" altLang="en-US" sz="1500" dirty="0">
+                <a:solidFill>
+                  <a:schemeClr val="accent4">
+                    <a:lumMod val="50000"/>
+                  </a:schemeClr>
+                </a:solidFill>
+                <a:latin typeface="Menlo" panose="020B0609030804020204" pitchFamily="49" charset="0"/>
+              </a:rPr>
+              <a:t>数值反映了</a:t>
+            </a:r>
+            <a:endParaRPr lang="en-US" altLang="zh-CN" sz="1500" dirty="0">
+              <a:solidFill>
+                <a:schemeClr val="accent4">
+                  <a:lumMod val="50000"/>
+                </a:schemeClr>
+              </a:solidFill>
+              <a:latin typeface="Menlo" panose="020B0609030804020204" pitchFamily="49" charset="0"/>
+            </a:endParaRPr>
+          </a:p>
+          <a:p>
+            <a:pPr algn="ctr"/>
+            <a:r>
+              <a:rPr lang="zh-CN" altLang="en-US" sz="1500" dirty="0">
+                <a:solidFill>
+                  <a:schemeClr val="accent4">
+                    <a:lumMod val="50000"/>
+                  </a:schemeClr>
+                </a:solidFill>
+                <a:latin typeface="Menlo" panose="020B0609030804020204" pitchFamily="49" charset="0"/>
+              </a:rPr>
+              <a:t>该成分和各变量的</a:t>
+            </a:r>
+            <a:endParaRPr lang="en-US" altLang="zh-CN" sz="1500" dirty="0">
+              <a:solidFill>
+                <a:schemeClr val="accent4">
+                  <a:lumMod val="50000"/>
+                </a:schemeClr>
+              </a:solidFill>
+              <a:latin typeface="Menlo" panose="020B0609030804020204" pitchFamily="49" charset="0"/>
+            </a:endParaRPr>
+          </a:p>
+          <a:p>
+            <a:pPr algn="ctr"/>
+            <a:r>
+              <a:rPr lang="zh-CN" altLang="en-US" sz="1500" dirty="0">
+                <a:solidFill>
+                  <a:schemeClr val="accent4">
+                    <a:lumMod val="50000"/>
+                  </a:schemeClr>
+                </a:solidFill>
+                <a:latin typeface="Menlo" panose="020B0609030804020204" pitchFamily="49" charset="0"/>
+              </a:rPr>
+              <a:t>相关性</a:t>
+            </a:r>
+          </a:p>
+          <a:p>
+            <a:pPr algn="ctr"/>
+            <a:endParaRPr kumimoji="1" lang="en-US" altLang="zh-CN" sz="1500" dirty="0">
+              <a:solidFill>
+                <a:srgbClr val="00B0F0"/>
+              </a:solidFill>
+            </a:endParaRPr>
+          </a:p>
+          <a:p>
+            <a:pPr algn="ctr"/>
+            <a:r>
+              <a:rPr kumimoji="1" lang="zh-CN" altLang="en-US" sz="1500" dirty="0">
                 <a:solidFill>
                   <a:srgbClr val="FF0000"/>
                 </a:solidFill>
               </a:rPr>
-              <a:t>列是特征向量</a:t>
-            </a:r>
-            <a:endParaRPr kumimoji="1" lang="en-US" altLang="zh-CN" sz="2400" dirty="0">
+              <a:t>作为原始数据</a:t>
+            </a:r>
+            <a:r>
+              <a:rPr kumimoji="1" lang="en-US" altLang="zh-CN" sz="1500" dirty="0">
+                <a:solidFill>
+                  <a:srgbClr val="FF0000"/>
+                </a:solidFill>
+              </a:rPr>
+              <a:t>2</a:t>
+            </a:r>
+            <a:r>
+              <a:rPr kumimoji="1" lang="zh-CN" altLang="en-US" sz="1500" dirty="0">
+                <a:solidFill>
+                  <a:srgbClr val="FF0000"/>
+                </a:solidFill>
+              </a:rPr>
+              <a:t>列</a:t>
+            </a:r>
+            <a:endParaRPr kumimoji="1" lang="en-US" altLang="zh-CN" sz="1500" dirty="0">
               <a:solidFill>
                 <a:srgbClr val="FF0000"/>
               </a:solidFill>
             </a:endParaRPr>
           </a:p>
-        </p:txBody>
-      </p:sp>
+          <a:p>
+            <a:pPr algn="ctr"/>
+            <a:r>
+              <a:rPr lang="zh-CN" altLang="en-US" sz="1500" dirty="0">
+                <a:solidFill>
+                  <a:srgbClr val="FF0000"/>
+                </a:solidFill>
+              </a:rPr>
+              <a:t>线性组合的</a:t>
+            </a:r>
+            <a:endParaRPr kumimoji="1" lang="en-US" altLang="zh-CN" sz="1500" dirty="0">
+              <a:solidFill>
+                <a:srgbClr val="FF0000"/>
+              </a:solidFill>
+            </a:endParaRPr>
+          </a:p>
+          <a:p>
+            <a:pPr algn="ctr"/>
+            <a:r>
+              <a:rPr kumimoji="1" lang="zh-CN" altLang="en-US" sz="1500" dirty="0">
+                <a:solidFill>
+                  <a:srgbClr val="FF0000"/>
+                </a:solidFill>
+              </a:rPr>
+              <a:t>权重</a:t>
+            </a:r>
+            <a:endParaRPr kumimoji="1" lang="en-US" altLang="zh-CN" sz="1500" dirty="0">
+              <a:solidFill>
+                <a:srgbClr val="FF0000"/>
+              </a:solidFill>
+            </a:endParaRPr>
+          </a:p>
+        </p:txBody>
+      </p:sp>
+      <p:sp>
+        <p:nvSpPr>
+          <p:cNvPr id="24" name="矩形 23">
+            <a:extLst>
+              <a:ext uri="{FF2B5EF4-FFF2-40B4-BE49-F238E27FC236}">
+                <a16:creationId xmlns:a16="http://schemas.microsoft.com/office/drawing/2014/main" id="{25C1F2EF-4D83-1444-A31F-0D521CEAB117}"/>
+              </a:ext>
+            </a:extLst>
+          </p:cNvPr>
+          <p:cNvSpPr/>
+          <p:nvPr/>
+        </p:nvSpPr>
+        <p:spPr>
+          <a:xfrm>
+            <a:off x="1652261" y="4408082"/>
+            <a:ext cx="1050288" cy="507831"/>
+          </a:xfrm>
+          <a:prstGeom prst="rect">
+            <a:avLst/>
+          </a:prstGeom>
+        </p:spPr>
+        <p:txBody>
+          <a:bodyPr wrap="none">
+            <a:spAutoFit/>
+          </a:bodyPr>
+          <a:lstStyle/>
+          <a:p>
+            <a:pPr algn="ctr"/>
+            <a:r>
+              <a:rPr lang="zh-CN" altLang="en-US" sz="1350" dirty="0">
+                <a:solidFill>
+                  <a:srgbClr val="FF0000"/>
+                </a:solidFill>
+              </a:rPr>
+              <a:t>主特征向量</a:t>
+            </a:r>
+            <a:endParaRPr lang="en-US" altLang="zh-CN" sz="1350" dirty="0">
+              <a:solidFill>
+                <a:srgbClr val="FF0000"/>
+              </a:solidFill>
+            </a:endParaRPr>
+          </a:p>
+          <a:p>
+            <a:pPr algn="ctr"/>
+            <a:r>
+              <a:rPr lang="zh-CN" altLang="en-US" sz="1350" dirty="0">
+                <a:solidFill>
+                  <a:srgbClr val="FF0000"/>
+                </a:solidFill>
+              </a:rPr>
+              <a:t>主成分向量</a:t>
+            </a:r>
+          </a:p>
+        </p:txBody>
+      </p:sp>
+      <p:cxnSp>
+        <p:nvCxnSpPr>
+          <p:cNvPr id="26" name="直线箭头连接符 25">
+            <a:extLst>
+              <a:ext uri="{FF2B5EF4-FFF2-40B4-BE49-F238E27FC236}">
+                <a16:creationId xmlns:a16="http://schemas.microsoft.com/office/drawing/2014/main" id="{F1234214-C66B-6B44-A2C1-8DA55DA7CACC}"/>
+              </a:ext>
+            </a:extLst>
+          </p:cNvPr>
+          <p:cNvCxnSpPr/>
+          <p:nvPr/>
+        </p:nvCxnSpPr>
+        <p:spPr>
+          <a:xfrm flipV="1">
+            <a:off x="1100768" y="4908961"/>
+            <a:ext cx="541053" cy="557738"/>
+          </a:xfrm>
+          <a:prstGeom prst="straightConnector1">
+            <a:avLst/>
+          </a:prstGeom>
+          <a:ln w="28575">
+            <a:solidFill>
+              <a:schemeClr val="accent2"/>
+            </a:solidFill>
+            <a:tailEnd type="triangle"/>
+          </a:ln>
+        </p:spPr>
+        <p:style>
+          <a:lnRef idx="1">
+            <a:schemeClr val="accent1"/>
+          </a:lnRef>
+          <a:fillRef idx="0">
+            <a:schemeClr val="accent1"/>
+          </a:fillRef>
+          <a:effectRef idx="0">
+            <a:schemeClr val="accent1"/>
+          </a:effectRef>
+          <a:fontRef idx="minor">
+            <a:schemeClr val="tx1"/>
+          </a:fontRef>
+        </p:style>
+      </p:cxnSp>
+      <p:sp>
+        <p:nvSpPr>
+          <p:cNvPr id="27" name="矩形 26">
+            <a:extLst>
+              <a:ext uri="{FF2B5EF4-FFF2-40B4-BE49-F238E27FC236}">
+                <a16:creationId xmlns:a16="http://schemas.microsoft.com/office/drawing/2014/main" id="{2059BAF3-FD51-034A-AA17-D21E9001997C}"/>
+              </a:ext>
+            </a:extLst>
+          </p:cNvPr>
+          <p:cNvSpPr/>
+          <p:nvPr/>
+        </p:nvSpPr>
+        <p:spPr>
+          <a:xfrm>
+            <a:off x="3423896" y="1984719"/>
+            <a:ext cx="630181" cy="714855"/>
+          </a:xfrm>
+          <a:prstGeom prst="rect">
+            <a:avLst/>
+          </a:prstGeom>
+          <a:noFill/>
+          <a:ln w="47625">
+            <a:solidFill>
+              <a:srgbClr val="00B0F0"/>
+            </a:solidFill>
+          </a:ln>
+        </p:spPr>
+        <p:style>
+          <a:lnRef idx="2">
+            <a:schemeClr val="accent1">
+              <a:shade val="50000"/>
+            </a:schemeClr>
+          </a:lnRef>
+          <a:fillRef idx="1">
+            <a:schemeClr val="accent1"/>
+          </a:fillRef>
+          <a:effectRef idx="0">
+            <a:schemeClr val="accent1"/>
+          </a:effectRef>
+          <a:fontRef idx="minor">
+            <a:schemeClr val="lt1"/>
+          </a:fontRef>
+        </p:style>
+        <p:txBody>
+          <a:bodyPr rtlCol="0" anchor="ctr"/>
+          <a:lstStyle/>
+          <a:p>
+            <a:pPr algn="ctr"/>
+            <a:endParaRPr lang="zh-CN" altLang="en-US" sz="1350"/>
+          </a:p>
+        </p:txBody>
+      </p:sp>
+      <p:sp>
+        <p:nvSpPr>
+          <p:cNvPr id="28" name="标题 1">
+            <a:extLst>
+              <a:ext uri="{FF2B5EF4-FFF2-40B4-BE49-F238E27FC236}">
+                <a16:creationId xmlns:a16="http://schemas.microsoft.com/office/drawing/2014/main" id="{5618AB20-AEFC-124E-80AB-BE4291D62063}"/>
+              </a:ext>
+            </a:extLst>
+          </p:cNvPr>
+          <p:cNvSpPr>
+            <a:spLocks noGrp="1"/>
+          </p:cNvSpPr>
+          <p:nvPr>
+            <p:ph type="title"/>
+          </p:nvPr>
+        </p:nvSpPr>
+        <p:spPr>
+          <a:xfrm>
+            <a:off x="237455" y="1066520"/>
+            <a:ext cx="7886700" cy="994172"/>
+          </a:xfrm>
+        </p:spPr>
+        <p:txBody>
+          <a:bodyPr/>
+          <a:lstStyle/>
+          <a:p>
+            <a:r>
+              <a:rPr lang="zh-CN" altLang="en-US" dirty="0"/>
+              <a:t>实现</a:t>
+            </a:r>
+            <a:endParaRPr kumimoji="1" lang="zh-CN" altLang="en-US" dirty="0"/>
+          </a:p>
+        </p:txBody>
+      </p:sp>
+      <p:sp>
+        <p:nvSpPr>
+          <p:cNvPr id="29" name="矩形 28">
+            <a:extLst>
+              <a:ext uri="{FF2B5EF4-FFF2-40B4-BE49-F238E27FC236}">
+                <a16:creationId xmlns:a16="http://schemas.microsoft.com/office/drawing/2014/main" id="{12F52EB0-FA65-FB40-9774-DD25DBB11208}"/>
+              </a:ext>
+            </a:extLst>
+          </p:cNvPr>
+          <p:cNvSpPr/>
+          <p:nvPr/>
+        </p:nvSpPr>
+        <p:spPr>
+          <a:xfrm>
+            <a:off x="5628233" y="1460996"/>
+            <a:ext cx="733686" cy="1345143"/>
+          </a:xfrm>
+          <a:prstGeom prst="rect">
+            <a:avLst/>
+          </a:prstGeom>
+          <a:noFill/>
+          <a:ln w="47625">
+            <a:solidFill>
+              <a:srgbClr val="00B0F0"/>
+            </a:solidFill>
+          </a:ln>
+        </p:spPr>
+        <p:style>
+          <a:lnRef idx="2">
+            <a:schemeClr val="accent1">
+              <a:shade val="50000"/>
+            </a:schemeClr>
+          </a:lnRef>
+          <a:fillRef idx="1">
+            <a:schemeClr val="accent1"/>
+          </a:fillRef>
+          <a:effectRef idx="0">
+            <a:schemeClr val="accent1"/>
+          </a:effectRef>
+          <a:fontRef idx="minor">
+            <a:schemeClr val="lt1"/>
+          </a:fontRef>
+        </p:style>
+        <p:txBody>
+          <a:bodyPr rtlCol="0" anchor="ctr"/>
+          <a:lstStyle/>
+          <a:p>
+            <a:pPr algn="ctr"/>
+            <a:endParaRPr lang="zh-CN" altLang="en-US" sz="1350"/>
+          </a:p>
+        </p:txBody>
+      </p:sp>
+      <p:sp>
+        <p:nvSpPr>
+          <p:cNvPr id="30" name="矩形 29">
+            <a:extLst>
+              <a:ext uri="{FF2B5EF4-FFF2-40B4-BE49-F238E27FC236}">
+                <a16:creationId xmlns:a16="http://schemas.microsoft.com/office/drawing/2014/main" id="{C0C601E6-FFBF-0F4D-9E1F-975A8DA26913}"/>
+              </a:ext>
+            </a:extLst>
+          </p:cNvPr>
+          <p:cNvSpPr/>
+          <p:nvPr/>
+        </p:nvSpPr>
+        <p:spPr>
+          <a:xfrm>
+            <a:off x="7491063" y="1511614"/>
+            <a:ext cx="1686680" cy="1523494"/>
+          </a:xfrm>
+          <a:prstGeom prst="rect">
+            <a:avLst/>
+          </a:prstGeom>
+        </p:spPr>
+        <p:txBody>
+          <a:bodyPr wrap="none">
+            <a:spAutoFit/>
+          </a:bodyPr>
+          <a:lstStyle/>
+          <a:p>
+            <a:pPr algn="ctr"/>
+            <a:r>
+              <a:rPr kumimoji="1" lang="zh-CN" altLang="en-US" sz="2100" dirty="0">
+                <a:solidFill>
+                  <a:srgbClr val="00B0F0"/>
+                </a:solidFill>
+              </a:rPr>
+              <a:t>主成分</a:t>
+            </a:r>
+            <a:endParaRPr kumimoji="1" lang="en-US" altLang="zh-CN" dirty="0">
+              <a:solidFill>
+                <a:srgbClr val="00B0F0"/>
+              </a:solidFill>
+            </a:endParaRPr>
+          </a:p>
+          <a:p>
+            <a:pPr algn="ctr"/>
+            <a:r>
+              <a:rPr kumimoji="1" lang="zh-CN" altLang="en-US" dirty="0">
+                <a:solidFill>
+                  <a:srgbClr val="FF0000"/>
+                </a:solidFill>
+              </a:rPr>
+              <a:t>原始数据</a:t>
+            </a:r>
+            <a:r>
+              <a:rPr kumimoji="1" lang="en-US" altLang="zh-CN" dirty="0">
+                <a:solidFill>
+                  <a:srgbClr val="FF0000"/>
+                </a:solidFill>
+              </a:rPr>
+              <a:t>2</a:t>
+            </a:r>
+            <a:r>
+              <a:rPr kumimoji="1" lang="zh-CN" altLang="en-US" dirty="0">
+                <a:solidFill>
+                  <a:srgbClr val="FF0000"/>
+                </a:solidFill>
+              </a:rPr>
+              <a:t>列的</a:t>
+            </a:r>
+            <a:endParaRPr kumimoji="1" lang="en-US" altLang="zh-CN" dirty="0">
+              <a:solidFill>
+                <a:srgbClr val="FF0000"/>
+              </a:solidFill>
+            </a:endParaRPr>
+          </a:p>
+          <a:p>
+            <a:pPr algn="ctr"/>
+            <a:r>
+              <a:rPr lang="zh-CN" altLang="en-US" dirty="0">
+                <a:solidFill>
+                  <a:srgbClr val="FF0000"/>
+                </a:solidFill>
+              </a:rPr>
+              <a:t>方差最大的</a:t>
+            </a:r>
+            <a:endParaRPr lang="en-US" altLang="zh-CN" dirty="0">
+              <a:solidFill>
+                <a:srgbClr val="FF0000"/>
+              </a:solidFill>
+            </a:endParaRPr>
+          </a:p>
+          <a:p>
+            <a:pPr algn="ctr"/>
+            <a:r>
+              <a:rPr lang="zh-CN" altLang="en-US" dirty="0">
+                <a:solidFill>
+                  <a:srgbClr val="FF0000"/>
+                </a:solidFill>
+              </a:rPr>
+              <a:t>线性组合</a:t>
+            </a:r>
+            <a:endParaRPr kumimoji="1" lang="en-US" altLang="zh-CN" dirty="0">
+              <a:solidFill>
+                <a:srgbClr val="FF0000"/>
+              </a:solidFill>
+            </a:endParaRPr>
+          </a:p>
+          <a:p>
+            <a:pPr algn="ctr"/>
+            <a:endParaRPr kumimoji="1" lang="en-US" altLang="zh-CN" dirty="0">
+              <a:solidFill>
+                <a:srgbClr val="FF0000"/>
+              </a:solidFill>
+            </a:endParaRPr>
+          </a:p>
+        </p:txBody>
+      </p:sp>
+      <p:cxnSp>
+        <p:nvCxnSpPr>
+          <p:cNvPr id="31" name="直线箭头连接符 30">
+            <a:extLst>
+              <a:ext uri="{FF2B5EF4-FFF2-40B4-BE49-F238E27FC236}">
+                <a16:creationId xmlns:a16="http://schemas.microsoft.com/office/drawing/2014/main" id="{46A03CF0-EC29-424E-BD1C-D2287E2926AE}"/>
+              </a:ext>
+            </a:extLst>
+          </p:cNvPr>
+          <p:cNvCxnSpPr>
+            <a:cxnSpLocks/>
+          </p:cNvCxnSpPr>
+          <p:nvPr/>
+        </p:nvCxnSpPr>
+        <p:spPr>
+          <a:xfrm flipH="1" flipV="1">
+            <a:off x="6419566" y="2078197"/>
+            <a:ext cx="1273322" cy="93854"/>
+          </a:xfrm>
+          <a:prstGeom prst="straightConnector1">
+            <a:avLst/>
+          </a:prstGeom>
+          <a:ln w="28575">
+            <a:solidFill>
+              <a:schemeClr val="accent2"/>
+            </a:solidFill>
+            <a:tailEnd type="triangle"/>
+          </a:ln>
+        </p:spPr>
+        <p:style>
+          <a:lnRef idx="1">
+            <a:schemeClr val="accent1"/>
+          </a:lnRef>
+          <a:fillRef idx="0">
+            <a:schemeClr val="accent1"/>
+          </a:fillRef>
+          <a:effectRef idx="0">
+            <a:schemeClr val="accent1"/>
+          </a:effectRef>
+          <a:fontRef idx="minor">
+            <a:schemeClr val="tx1"/>
+          </a:fontRef>
+        </p:style>
+      </p:cxnSp>
     </p:spTree>
     <p:extLst>
       <p:ext uri="{BB962C8B-B14F-4D97-AF65-F5344CB8AC3E}">
-        <p14:creationId xmlns:p14="http://schemas.microsoft.com/office/powerpoint/2010/main" val="3891639901"/>
+        <p14:creationId xmlns:p14="http://schemas.microsoft.com/office/powerpoint/2010/main" val="2308469700"/>
       </p:ext>
     </p:extLst>
   </p:cSld>
@@ -6706,7 +8806,7 @@
 </p:sld>
 </file>
 
-<file path=ppt/slides/slide24.xml><?xml version="1.0" encoding="utf-8"?>
+<file path=ppt/slides/slide33.xml><?xml version="1.0" encoding="utf-8"?>
 <p:sld xmlns:a="http://schemas.openxmlformats.org/drawingml/2006/main" xmlns:r="http://schemas.openxmlformats.org/officeDocument/2006/relationships" xmlns:p="http://schemas.openxmlformats.org/presentationml/2006/main">
   <p:cSld>
     <p:spTree>
@@ -6723,73 +8823,6 @@
           <a:chExt cx="0" cy="0"/>
         </a:xfrm>
       </p:grpSpPr>
-      <p:sp>
-        <p:nvSpPr>
-          <p:cNvPr id="2" name="标题 1"/>
-          <p:cNvSpPr>
-            <a:spLocks noGrp="1"/>
-          </p:cNvSpPr>
-          <p:nvPr>
-            <p:ph type="title"/>
-          </p:nvPr>
-        </p:nvSpPr>
-        <p:spPr/>
-        <p:txBody>
-          <a:bodyPr/>
-          <a:lstStyle/>
-          <a:p>
-            <a:r>
-              <a:rPr lang="zh-CN" altLang="en-US" dirty="0"/>
-              <a:t>在新坐标系上的位置</a:t>
-            </a:r>
-          </a:p>
-        </p:txBody>
-      </p:sp>
-      <p:sp>
-        <p:nvSpPr>
-          <p:cNvPr id="3" name="内容占位符 2"/>
-          <p:cNvSpPr>
-            <a:spLocks noGrp="1"/>
-          </p:cNvSpPr>
-          <p:nvPr>
-            <p:ph idx="1"/>
-          </p:nvPr>
-        </p:nvSpPr>
-        <p:spPr/>
-        <p:txBody>
-          <a:bodyPr/>
-          <a:lstStyle/>
-          <a:p>
-            <a:r>
-              <a:rPr lang="zh-CN" altLang="en-US" dirty="0"/>
-              <a:t>第一维的能量 </a:t>
-            </a:r>
-            <a:r>
-              <a:rPr lang="en-US" altLang="zh-CN" dirty="0"/>
-              <a:t>&gt; </a:t>
-            </a:r>
-            <a:r>
-              <a:rPr lang="zh-CN" altLang="en-US" dirty="0"/>
-              <a:t>第二维的能量，而且它们正交</a:t>
-            </a:r>
-            <a:endParaRPr lang="en-US" altLang="zh-CN" dirty="0"/>
-          </a:p>
-          <a:p>
-            <a:r>
-              <a:rPr lang="zh-CN" altLang="en-US" dirty="0"/>
-              <a:t>所以，如果要降到一维，无疑，应该保留第一维，把第二维去掉</a:t>
-            </a:r>
-            <a:endParaRPr lang="en-US" altLang="zh-CN" dirty="0"/>
-          </a:p>
-          <a:p>
-            <a:r>
-              <a:rPr lang="en-US" altLang="zh-CN" dirty="0"/>
-              <a:t>PCA</a:t>
-            </a:r>
-            <a:endParaRPr lang="zh-CN" altLang="en-US" dirty="0"/>
-          </a:p>
-        </p:txBody>
-      </p:sp>
       <p:pic>
         <p:nvPicPr>
           <p:cNvPr id="4" name="图片 3"/>
@@ -6799,25 +8832,614 @@
           <p:nvPr/>
         </p:nvPicPr>
         <p:blipFill>
-          <a:blip r:embed="rId2"/>
+          <a:blip r:embed="rId3"/>
           <a:stretch>
             <a:fillRect/>
           </a:stretch>
         </p:blipFill>
         <p:spPr>
           <a:xfrm>
-            <a:off x="3261813" y="3006324"/>
-            <a:ext cx="5482633" cy="3305575"/>
+            <a:off x="534685" y="2764152"/>
+            <a:ext cx="3588508" cy="3246366"/>
           </a:xfrm>
           <a:prstGeom prst="rect">
             <a:avLst/>
           </a:prstGeom>
         </p:spPr>
       </p:pic>
+      <p:pic>
+        <p:nvPicPr>
+          <p:cNvPr id="5" name="图片 4"/>
+          <p:cNvPicPr>
+            <a:picLocks noChangeAspect="1"/>
+          </p:cNvPicPr>
+          <p:nvPr/>
+        </p:nvPicPr>
+        <p:blipFill>
+          <a:blip r:embed="rId4"/>
+          <a:stretch>
+            <a:fillRect/>
+          </a:stretch>
+        </p:blipFill>
+        <p:spPr>
+          <a:xfrm>
+            <a:off x="5031759" y="2426392"/>
+            <a:ext cx="3811990" cy="3551342"/>
+          </a:xfrm>
+          <a:prstGeom prst="rect">
+            <a:avLst/>
+          </a:prstGeom>
+        </p:spPr>
+      </p:pic>
+      <p:sp>
+        <p:nvSpPr>
+          <p:cNvPr id="7" name="文本框 6"/>
+          <p:cNvSpPr txBox="1"/>
+          <p:nvPr/>
+        </p:nvSpPr>
+        <p:spPr>
+          <a:xfrm>
+            <a:off x="1868906" y="6176963"/>
+            <a:ext cx="1210588" cy="400110"/>
+          </a:xfrm>
+          <a:prstGeom prst="rect">
+            <a:avLst/>
+          </a:prstGeom>
+          <a:noFill/>
+        </p:spPr>
+        <p:txBody>
+          <a:bodyPr wrap="none" rtlCol="0">
+            <a:spAutoFit/>
+          </a:bodyPr>
+          <a:lstStyle/>
+          <a:p>
+            <a:r>
+              <a:rPr lang="zh-CN" altLang="en-US" sz="2000" b="1" dirty="0"/>
+              <a:t>原始数据</a:t>
+            </a:r>
+          </a:p>
+        </p:txBody>
+      </p:sp>
+      <p:sp>
+        <p:nvSpPr>
+          <p:cNvPr id="8" name="文本框 7"/>
+          <p:cNvSpPr txBox="1"/>
+          <p:nvPr/>
+        </p:nvSpPr>
+        <p:spPr>
+          <a:xfrm>
+            <a:off x="6495497" y="6176963"/>
+            <a:ext cx="1475084" cy="400110"/>
+          </a:xfrm>
+          <a:prstGeom prst="rect">
+            <a:avLst/>
+          </a:prstGeom>
+          <a:noFill/>
+        </p:spPr>
+        <p:txBody>
+          <a:bodyPr wrap="none" rtlCol="0">
+            <a:spAutoFit/>
+          </a:bodyPr>
+          <a:lstStyle/>
+          <a:p>
+            <a:r>
+              <a:rPr lang="zh-CN" altLang="en-US" sz="2000" b="1" dirty="0"/>
+              <a:t>按虚线旋转</a:t>
+            </a:r>
+          </a:p>
+        </p:txBody>
+      </p:sp>
+      <p:sp>
+        <p:nvSpPr>
+          <p:cNvPr id="9" name="矩形 8"/>
+          <p:cNvSpPr/>
+          <p:nvPr/>
+        </p:nvSpPr>
+        <p:spPr>
+          <a:xfrm>
+            <a:off x="6605516" y="2673194"/>
+            <a:ext cx="859809" cy="547678"/>
+          </a:xfrm>
+          <a:prstGeom prst="rect">
+            <a:avLst/>
+          </a:prstGeom>
+          <a:solidFill>
+            <a:schemeClr val="bg1"/>
+          </a:solidFill>
+          <a:ln>
+            <a:noFill/>
+          </a:ln>
+        </p:spPr>
+        <p:style>
+          <a:lnRef idx="2">
+            <a:schemeClr val="accent1">
+              <a:shade val="50000"/>
+            </a:schemeClr>
+          </a:lnRef>
+          <a:fillRef idx="1">
+            <a:schemeClr val="accent1"/>
+          </a:fillRef>
+          <a:effectRef idx="0">
+            <a:schemeClr val="accent1"/>
+          </a:effectRef>
+          <a:fontRef idx="minor">
+            <a:schemeClr val="lt1"/>
+          </a:fontRef>
+        </p:style>
+        <p:txBody>
+          <a:bodyPr rtlCol="0" anchor="ctr"/>
+          <a:lstStyle/>
+          <a:p>
+            <a:pPr algn="ctr"/>
+            <a:endParaRPr lang="zh-CN" altLang="en-US"/>
+          </a:p>
+        </p:txBody>
+      </p:sp>
+      <p:sp>
+        <p:nvSpPr>
+          <p:cNvPr id="10" name="矩形 9"/>
+          <p:cNvSpPr/>
+          <p:nvPr/>
+        </p:nvSpPr>
+        <p:spPr>
+          <a:xfrm>
+            <a:off x="8090777" y="3928224"/>
+            <a:ext cx="859809" cy="547678"/>
+          </a:xfrm>
+          <a:prstGeom prst="rect">
+            <a:avLst/>
+          </a:prstGeom>
+          <a:solidFill>
+            <a:schemeClr val="bg1"/>
+          </a:solidFill>
+          <a:ln>
+            <a:noFill/>
+          </a:ln>
+        </p:spPr>
+        <p:style>
+          <a:lnRef idx="2">
+            <a:schemeClr val="accent1">
+              <a:shade val="50000"/>
+            </a:schemeClr>
+          </a:lnRef>
+          <a:fillRef idx="1">
+            <a:schemeClr val="accent1"/>
+          </a:fillRef>
+          <a:effectRef idx="0">
+            <a:schemeClr val="accent1"/>
+          </a:effectRef>
+          <a:fontRef idx="minor">
+            <a:schemeClr val="lt1"/>
+          </a:fontRef>
+        </p:style>
+        <p:txBody>
+          <a:bodyPr rtlCol="0" anchor="ctr"/>
+          <a:lstStyle/>
+          <a:p>
+            <a:pPr algn="ctr"/>
+            <a:endParaRPr lang="zh-CN" altLang="en-US"/>
+          </a:p>
+        </p:txBody>
+      </p:sp>
+      <p:sp>
+        <p:nvSpPr>
+          <p:cNvPr id="11" name="矩形 10"/>
+          <p:cNvSpPr/>
+          <p:nvPr/>
+        </p:nvSpPr>
+        <p:spPr>
+          <a:xfrm>
+            <a:off x="6803134" y="5128442"/>
+            <a:ext cx="859809" cy="547678"/>
+          </a:xfrm>
+          <a:prstGeom prst="rect">
+            <a:avLst/>
+          </a:prstGeom>
+          <a:solidFill>
+            <a:schemeClr val="bg1"/>
+          </a:solidFill>
+          <a:ln>
+            <a:noFill/>
+          </a:ln>
+        </p:spPr>
+        <p:style>
+          <a:lnRef idx="2">
+            <a:schemeClr val="accent1">
+              <a:shade val="50000"/>
+            </a:schemeClr>
+          </a:lnRef>
+          <a:fillRef idx="1">
+            <a:schemeClr val="accent1"/>
+          </a:fillRef>
+          <a:effectRef idx="0">
+            <a:schemeClr val="accent1"/>
+          </a:effectRef>
+          <a:fontRef idx="minor">
+            <a:schemeClr val="lt1"/>
+          </a:fontRef>
+        </p:style>
+        <p:txBody>
+          <a:bodyPr rtlCol="0" anchor="ctr"/>
+          <a:lstStyle/>
+          <a:p>
+            <a:pPr algn="ctr"/>
+            <a:endParaRPr lang="zh-CN" altLang="en-US"/>
+          </a:p>
+        </p:txBody>
+      </p:sp>
+      <p:pic>
+        <p:nvPicPr>
+          <p:cNvPr id="13" name="图片 12"/>
+          <p:cNvPicPr>
+            <a:picLocks noChangeAspect="1"/>
+          </p:cNvPicPr>
+          <p:nvPr/>
+        </p:nvPicPr>
+        <p:blipFill>
+          <a:blip r:embed="rId5"/>
+          <a:stretch>
+            <a:fillRect/>
+          </a:stretch>
+        </p:blipFill>
+        <p:spPr>
+          <a:xfrm>
+            <a:off x="2231132" y="512691"/>
+            <a:ext cx="1238250" cy="523875"/>
+          </a:xfrm>
+          <a:prstGeom prst="rect">
+            <a:avLst/>
+          </a:prstGeom>
+        </p:spPr>
+      </p:pic>
+      <p:pic>
+        <p:nvPicPr>
+          <p:cNvPr id="14" name="图片 13"/>
+          <p:cNvPicPr>
+            <a:picLocks noChangeAspect="1"/>
+          </p:cNvPicPr>
+          <p:nvPr/>
+        </p:nvPicPr>
+        <p:blipFill>
+          <a:blip r:embed="rId6"/>
+          <a:stretch>
+            <a:fillRect/>
+          </a:stretch>
+        </p:blipFill>
+        <p:spPr>
+          <a:xfrm>
+            <a:off x="3469382" y="322042"/>
+            <a:ext cx="1724025" cy="990600"/>
+          </a:xfrm>
+          <a:prstGeom prst="rect">
+            <a:avLst/>
+          </a:prstGeom>
+        </p:spPr>
+      </p:pic>
+      <p:pic>
+        <p:nvPicPr>
+          <p:cNvPr id="15" name="图片 14"/>
+          <p:cNvPicPr>
+            <a:picLocks noChangeAspect="1"/>
+          </p:cNvPicPr>
+          <p:nvPr/>
+        </p:nvPicPr>
+        <p:blipFill>
+          <a:blip r:embed="rId7"/>
+          <a:stretch>
+            <a:fillRect/>
+          </a:stretch>
+        </p:blipFill>
+        <p:spPr>
+          <a:xfrm>
+            <a:off x="709793" y="365126"/>
+            <a:ext cx="781050" cy="409575"/>
+          </a:xfrm>
+          <a:prstGeom prst="rect">
+            <a:avLst/>
+          </a:prstGeom>
+        </p:spPr>
+      </p:pic>
+      <p:pic>
+        <p:nvPicPr>
+          <p:cNvPr id="17" name="图片 16"/>
+          <p:cNvPicPr>
+            <a:picLocks noChangeAspect="1"/>
+          </p:cNvPicPr>
+          <p:nvPr/>
+        </p:nvPicPr>
+        <p:blipFill>
+          <a:blip r:embed="rId8"/>
+          <a:stretch>
+            <a:fillRect/>
+          </a:stretch>
+        </p:blipFill>
+        <p:spPr>
+          <a:xfrm>
+            <a:off x="384874" y="889001"/>
+            <a:ext cx="1495425" cy="1666875"/>
+          </a:xfrm>
+          <a:prstGeom prst="rect">
+            <a:avLst/>
+          </a:prstGeom>
+        </p:spPr>
+      </p:pic>
+      <p:pic>
+        <p:nvPicPr>
+          <p:cNvPr id="18" name="图片 17"/>
+          <p:cNvPicPr>
+            <a:picLocks noChangeAspect="1"/>
+          </p:cNvPicPr>
+          <p:nvPr/>
+        </p:nvPicPr>
+        <p:blipFill>
+          <a:blip r:embed="rId9"/>
+          <a:stretch>
+            <a:fillRect/>
+          </a:stretch>
+        </p:blipFill>
+        <p:spPr>
+          <a:xfrm>
+            <a:off x="2134714" y="1783292"/>
+            <a:ext cx="714375" cy="409575"/>
+          </a:xfrm>
+          <a:prstGeom prst="rect">
+            <a:avLst/>
+          </a:prstGeom>
+        </p:spPr>
+      </p:pic>
+      <p:pic>
+        <p:nvPicPr>
+          <p:cNvPr id="19" name="图片 18"/>
+          <p:cNvPicPr>
+            <a:picLocks noChangeAspect="1"/>
+          </p:cNvPicPr>
+          <p:nvPr/>
+        </p:nvPicPr>
+        <p:blipFill>
+          <a:blip r:embed="rId10"/>
+          <a:stretch>
+            <a:fillRect/>
+          </a:stretch>
+        </p:blipFill>
+        <p:spPr>
+          <a:xfrm>
+            <a:off x="2850257" y="1494406"/>
+            <a:ext cx="2400300" cy="962025"/>
+          </a:xfrm>
+          <a:prstGeom prst="rect">
+            <a:avLst/>
+          </a:prstGeom>
+        </p:spPr>
+      </p:pic>
+      <p:sp>
+        <p:nvSpPr>
+          <p:cNvPr id="20" name="文本框 19"/>
+          <p:cNvSpPr txBox="1"/>
+          <p:nvPr/>
+        </p:nvSpPr>
+        <p:spPr>
+          <a:xfrm>
+            <a:off x="6818605" y="312963"/>
+            <a:ext cx="2351926" cy="461665"/>
+          </a:xfrm>
+          <a:prstGeom prst="rect">
+            <a:avLst/>
+          </a:prstGeom>
+          <a:noFill/>
+        </p:spPr>
+        <p:txBody>
+          <a:bodyPr wrap="none" rtlCol="0">
+            <a:spAutoFit/>
+          </a:bodyPr>
+          <a:lstStyle/>
+          <a:p>
+            <a:r>
+              <a:rPr lang="zh-CN" altLang="en-US" sz="2400" b="1" dirty="0"/>
+              <a:t>逆时针</a:t>
+            </a:r>
+            <a:r>
+              <a:rPr lang="en-US" altLang="zh-CN" sz="2400" b="1" dirty="0"/>
+              <a:t>45</a:t>
+            </a:r>
+            <a:r>
+              <a:rPr lang="zh-CN" altLang="en-US" sz="2400" b="1" dirty="0"/>
+              <a:t>度旋转</a:t>
+            </a:r>
+          </a:p>
+        </p:txBody>
+      </p:sp>
+      <p:pic>
+        <p:nvPicPr>
+          <p:cNvPr id="21" name="图片 20"/>
+          <p:cNvPicPr>
+            <a:picLocks noChangeAspect="1"/>
+          </p:cNvPicPr>
+          <p:nvPr/>
+        </p:nvPicPr>
+        <p:blipFill>
+          <a:blip r:embed="rId11"/>
+          <a:stretch>
+            <a:fillRect/>
+          </a:stretch>
+        </p:blipFill>
+        <p:spPr>
+          <a:xfrm>
+            <a:off x="5676153" y="336478"/>
+            <a:ext cx="1047750" cy="438150"/>
+          </a:xfrm>
+          <a:prstGeom prst="rect">
+            <a:avLst/>
+          </a:prstGeom>
+        </p:spPr>
+      </p:pic>
+      <p:pic>
+        <p:nvPicPr>
+          <p:cNvPr id="22" name="图片 21"/>
+          <p:cNvPicPr>
+            <a:picLocks noChangeAspect="1"/>
+          </p:cNvPicPr>
+          <p:nvPr/>
+        </p:nvPicPr>
+        <p:blipFill>
+          <a:blip r:embed="rId12"/>
+          <a:stretch>
+            <a:fillRect/>
+          </a:stretch>
+        </p:blipFill>
+        <p:spPr>
+          <a:xfrm>
+            <a:off x="5699978" y="817342"/>
+            <a:ext cx="2847975" cy="1781175"/>
+          </a:xfrm>
+          <a:prstGeom prst="rect">
+            <a:avLst/>
+          </a:prstGeom>
+        </p:spPr>
+      </p:pic>
+      <p:sp>
+        <p:nvSpPr>
+          <p:cNvPr id="25" name="文本框 24"/>
+          <p:cNvSpPr txBox="1"/>
+          <p:nvPr/>
+        </p:nvSpPr>
+        <p:spPr>
+          <a:xfrm>
+            <a:off x="2100409" y="1068995"/>
+            <a:ext cx="1112805" cy="461665"/>
+          </a:xfrm>
+          <a:prstGeom prst="rect">
+            <a:avLst/>
+          </a:prstGeom>
+          <a:noFill/>
+        </p:spPr>
+        <p:txBody>
+          <a:bodyPr wrap="none" rtlCol="0">
+            <a:spAutoFit/>
+          </a:bodyPr>
+          <a:lstStyle/>
+          <a:p>
+            <a:r>
+              <a:rPr lang="zh-CN" altLang="en-US" sz="2400" b="1" dirty="0"/>
+              <a:t>对称阵</a:t>
+            </a:r>
+          </a:p>
+        </p:txBody>
+      </p:sp>
+      <p:sp>
+        <p:nvSpPr>
+          <p:cNvPr id="2" name="文本框 1">
+            <a:extLst>
+              <a:ext uri="{FF2B5EF4-FFF2-40B4-BE49-F238E27FC236}">
+                <a16:creationId xmlns:a16="http://schemas.microsoft.com/office/drawing/2014/main" id="{25B2CB70-E431-4943-A5CB-9EB014EACD43}"/>
+              </a:ext>
+            </a:extLst>
+          </p:cNvPr>
+          <p:cNvSpPr txBox="1"/>
+          <p:nvPr/>
+        </p:nvSpPr>
+        <p:spPr>
+          <a:xfrm>
+            <a:off x="7729194" y="3461036"/>
+            <a:ext cx="1003989" cy="267959"/>
+          </a:xfrm>
+          <a:prstGeom prst="rect">
+            <a:avLst/>
+          </a:prstGeom>
+          <a:solidFill>
+            <a:schemeClr val="bg1"/>
+          </a:solidFill>
+        </p:spPr>
+        <p:txBody>
+          <a:bodyPr wrap="square" rtlCol="0">
+            <a:spAutoFit/>
+          </a:bodyPr>
+          <a:lstStyle/>
+          <a:p>
+            <a:endParaRPr kumimoji="1" lang="zh-CN" altLang="en-US" dirty="0"/>
+          </a:p>
+        </p:txBody>
+      </p:sp>
+      <p:sp>
+        <p:nvSpPr>
+          <p:cNvPr id="23" name="文本框 22">
+            <a:extLst>
+              <a:ext uri="{FF2B5EF4-FFF2-40B4-BE49-F238E27FC236}">
+                <a16:creationId xmlns:a16="http://schemas.microsoft.com/office/drawing/2014/main" id="{60F245C0-52DF-8944-A99A-36EF71A6C667}"/>
+              </a:ext>
+            </a:extLst>
+          </p:cNvPr>
+          <p:cNvSpPr txBox="1"/>
+          <p:nvPr/>
+        </p:nvSpPr>
+        <p:spPr>
+          <a:xfrm>
+            <a:off x="6533425" y="4688276"/>
+            <a:ext cx="1003989" cy="267959"/>
+          </a:xfrm>
+          <a:prstGeom prst="rect">
+            <a:avLst/>
+          </a:prstGeom>
+          <a:solidFill>
+            <a:schemeClr val="bg1"/>
+          </a:solidFill>
+        </p:spPr>
+        <p:txBody>
+          <a:bodyPr wrap="square" rtlCol="0">
+            <a:spAutoFit/>
+          </a:bodyPr>
+          <a:lstStyle/>
+          <a:p>
+            <a:endParaRPr kumimoji="1" lang="zh-CN" altLang="en-US" dirty="0"/>
+          </a:p>
+        </p:txBody>
+      </p:sp>
+      <p:sp>
+        <p:nvSpPr>
+          <p:cNvPr id="3" name="矩形 2">
+            <a:extLst>
+              <a:ext uri="{FF2B5EF4-FFF2-40B4-BE49-F238E27FC236}">
+                <a16:creationId xmlns:a16="http://schemas.microsoft.com/office/drawing/2014/main" id="{0EAF4FDC-44D3-9449-9345-7ADA559F4D3F}"/>
+              </a:ext>
+            </a:extLst>
+          </p:cNvPr>
+          <p:cNvSpPr/>
+          <p:nvPr/>
+        </p:nvSpPr>
+        <p:spPr>
+          <a:xfrm>
+            <a:off x="2477578" y="2484451"/>
+            <a:ext cx="2031325" cy="461665"/>
+          </a:xfrm>
+          <a:prstGeom prst="rect">
+            <a:avLst/>
+          </a:prstGeom>
+        </p:spPr>
+        <p:txBody>
+          <a:bodyPr wrap="none">
+            <a:spAutoFit/>
+          </a:bodyPr>
+          <a:lstStyle/>
+          <a:p>
+            <a:r>
+              <a:rPr kumimoji="1" lang="zh-CN" altLang="en-US" sz="2400" dirty="0">
+                <a:solidFill>
+                  <a:srgbClr val="FF0000"/>
+                </a:solidFill>
+              </a:rPr>
+              <a:t>列是特征向量</a:t>
+            </a:r>
+            <a:endParaRPr kumimoji="1" lang="en-US" altLang="zh-CN" sz="2400" dirty="0">
+              <a:solidFill>
+                <a:srgbClr val="FF0000"/>
+              </a:solidFill>
+            </a:endParaRPr>
+          </a:p>
+        </p:txBody>
+      </p:sp>
     </p:spTree>
     <p:extLst>
       <p:ext uri="{BB962C8B-B14F-4D97-AF65-F5344CB8AC3E}">
-        <p14:creationId xmlns:p14="http://schemas.microsoft.com/office/powerpoint/2010/main" val="657726371"/>
+        <p14:creationId xmlns:p14="http://schemas.microsoft.com/office/powerpoint/2010/main" val="3891639901"/>
       </p:ext>
     </p:extLst>
   </p:cSld>
@@ -6827,7 +9449,7 @@
 </p:sld>
 </file>
 
-<file path=ppt/slides/slide25.xml><?xml version="1.0" encoding="utf-8"?>
+<file path=ppt/slides/slide34.xml><?xml version="1.0" encoding="utf-8"?>
 <p:sld xmlns:a="http://schemas.openxmlformats.org/drawingml/2006/main" xmlns:r="http://schemas.openxmlformats.org/officeDocument/2006/relationships" xmlns:p="http://schemas.openxmlformats.org/presentationml/2006/main">
   <p:cSld>
     <p:spTree>
@@ -6846,13 +9468,7 @@
       </p:grpSpPr>
       <p:sp>
         <p:nvSpPr>
-          <p:cNvPr id="2" name="标题 1">
-            <a:extLst>
-              <a:ext uri="{FF2B5EF4-FFF2-40B4-BE49-F238E27FC236}">
-                <a16:creationId xmlns:a16="http://schemas.microsoft.com/office/drawing/2014/main" id="{85494C82-DA09-A842-9316-C9AD1FACD24C}"/>
-              </a:ext>
-            </a:extLst>
-          </p:cNvPr>
+          <p:cNvPr id="2" name="标题 1"/>
           <p:cNvSpPr>
             <a:spLocks noGrp="1"/>
           </p:cNvSpPr>
@@ -6866,21 +9482,15 @@
           <a:lstStyle/>
           <a:p>
             <a:r>
-              <a:rPr kumimoji="1" lang="zh-CN" altLang="en-US" dirty="0"/>
-              <a:t>自学</a:t>
-            </a:r>
-          </a:p>
-        </p:txBody>
-      </p:sp>
-      <p:sp>
-        <p:nvSpPr>
-          <p:cNvPr id="3" name="内容占位符 2">
-            <a:extLst>
-              <a:ext uri="{FF2B5EF4-FFF2-40B4-BE49-F238E27FC236}">
-                <a16:creationId xmlns:a16="http://schemas.microsoft.com/office/drawing/2014/main" id="{C032903A-ABA2-5A46-A6B6-F8BF05797248}"/>
-              </a:ext>
-            </a:extLst>
-          </p:cNvPr>
+              <a:rPr lang="zh-CN" altLang="en-US" dirty="0"/>
+              <a:t>在新坐标系上的位置</a:t>
+            </a:r>
+          </a:p>
+        </p:txBody>
+      </p:sp>
+      <p:sp>
+        <p:nvSpPr>
+          <p:cNvPr id="3" name="内容占位符 2"/>
           <p:cNvSpPr>
             <a:spLocks noGrp="1"/>
           </p:cNvSpPr>
@@ -6888,115 +9498,69 @@
             <p:ph idx="1"/>
           </p:nvPr>
         </p:nvSpPr>
-        <p:spPr>
-          <a:xfrm>
-            <a:off x="628650" y="1556952"/>
-            <a:ext cx="7886700" cy="5066270"/>
-          </a:xfrm>
-        </p:spPr>
-        <p:txBody>
-          <a:bodyPr>
-            <a:normAutofit/>
-          </a:bodyPr>
-          <a:lstStyle/>
-          <a:p>
-            <a:r>
-              <a:rPr kumimoji="1" lang="zh-CN" altLang="en-US" dirty="0"/>
-              <a:t>自学</a:t>
-            </a:r>
-            <a:r>
-              <a:rPr kumimoji="1" lang="en-US" altLang="zh-CN" dirty="0"/>
-              <a:t>UCSD</a:t>
-            </a:r>
-            <a:r>
-              <a:rPr kumimoji="1" lang="zh-CN" altLang="en-US" dirty="0"/>
-              <a:t> </a:t>
-            </a:r>
-            <a:r>
-              <a:rPr kumimoji="1" lang="en-US" altLang="zh-CN" dirty="0"/>
+        <p:spPr/>
+        <p:txBody>
+          <a:bodyPr/>
+          <a:lstStyle/>
+          <a:p>
+            <a:r>
+              <a:rPr lang="zh-CN" altLang="en-US" dirty="0"/>
+              <a:t>第一维的能量 </a:t>
+            </a:r>
+            <a:r>
+              <a:rPr lang="en-US" altLang="zh-CN" dirty="0"/>
+              <a:t>&gt; </a:t>
+            </a:r>
+            <a:r>
+              <a:rPr lang="zh-CN" altLang="en-US" dirty="0"/>
+              <a:t>第二维的能量，而且它们正交</a:t>
+            </a:r>
+            <a:endParaRPr lang="en-US" altLang="zh-CN" dirty="0"/>
+          </a:p>
+          <a:p>
+            <a:r>
+              <a:rPr lang="zh-CN" altLang="en-US" dirty="0"/>
+              <a:t>所以，如果要降到一维，无疑，应该保留第一维，把第二维去掉</a:t>
+            </a:r>
+            <a:endParaRPr lang="en-US" altLang="zh-CN" dirty="0"/>
+          </a:p>
+          <a:p>
+            <a:r>
+              <a:rPr lang="en-US" altLang="zh-CN" dirty="0"/>
               <a:t>PCA</a:t>
             </a:r>
-            <a:r>
-              <a:rPr kumimoji="1" lang="zh-CN" altLang="en-US" dirty="0"/>
-              <a:t>部分视频，简答题</a:t>
-            </a:r>
-            <a:endParaRPr kumimoji="1" lang="en-US" altLang="zh-CN" dirty="0"/>
-          </a:p>
-          <a:p>
-            <a:pPr lvl="1"/>
-            <a:r>
-              <a:rPr kumimoji="1" lang="en-US" altLang="zh-CN" dirty="0">
-                <a:hlinkClick r:id="rId2"/>
-              </a:rPr>
-              <a:t>https://courses.edx.org/courses/course-v1:UCSanDiegoX+DSE230x+1T2018/jump_to/block-v1:UCSanDiegoX+DSE230x+1T2018+type@vertical+block@a4576663c02a460d99e3f139782d7fef</a:t>
-            </a:r>
-            <a:endParaRPr kumimoji="1" lang="en-US" altLang="zh-CN" dirty="0"/>
-          </a:p>
-          <a:p>
-            <a:r>
-              <a:rPr kumimoji="1" lang="zh-CN" altLang="en-US" dirty="0"/>
-              <a:t>自学</a:t>
-            </a:r>
-            <a:r>
-              <a:rPr kumimoji="1" lang="en-US" altLang="zh-CN" dirty="0"/>
-              <a:t>UCSD</a:t>
-            </a:r>
-            <a:r>
-              <a:rPr kumimoji="1" lang="zh-CN" altLang="en-US" dirty="0"/>
-              <a:t> 利用</a:t>
-            </a:r>
-            <a:r>
-              <a:rPr kumimoji="1" lang="en-US" altLang="zh-CN" dirty="0"/>
-              <a:t>PCA</a:t>
-            </a:r>
-            <a:r>
-              <a:rPr kumimoji="1" lang="zh-CN" altLang="en-US" dirty="0"/>
-              <a:t>进行天气时间序列分析部分视频，简答题</a:t>
-            </a:r>
-            <a:endParaRPr kumimoji="1" lang="en-US" altLang="zh-CN" dirty="0"/>
-          </a:p>
-          <a:p>
-            <a:pPr lvl="1"/>
-            <a:r>
-              <a:rPr kumimoji="1" lang="en-US" altLang="zh-CN" dirty="0">
-                <a:hlinkClick r:id="rId3"/>
-              </a:rPr>
-              <a:t>https://courses.edx.org/courses/course-v1:UCSanDiegoX+DSE230x+1T2018/jump_to/block-v1:UCSanDiegoX+DSE230x+1T2018+type@vertical+block@97be3c62d1704c2c890b7f2826b2202c</a:t>
-            </a:r>
-            <a:endParaRPr kumimoji="1" lang="en-US" altLang="zh-CN" dirty="0"/>
-          </a:p>
-          <a:p>
-            <a:r>
-              <a:rPr kumimoji="1" lang="zh-CN" altLang="en-US" dirty="0"/>
-              <a:t>练习</a:t>
-            </a:r>
-            <a:endParaRPr kumimoji="1" lang="en-US" altLang="zh-CN" dirty="0"/>
-          </a:p>
-          <a:p>
-            <a:pPr lvl="1"/>
-            <a:r>
-              <a:rPr kumimoji="1" lang="en-US" altLang="zh-CN" dirty="0"/>
-              <a:t>Section2-Weather-PCA/</a:t>
-            </a:r>
-            <a:r>
-              <a:rPr kumimoji="1" lang="zh-CN" altLang="en-US" dirty="0"/>
-              <a:t>目录下</a:t>
-            </a:r>
-            <a:r>
-              <a:rPr kumimoji="1" lang="en-US" altLang="zh-CN" dirty="0" err="1"/>
-              <a:t>ipynb</a:t>
-            </a:r>
-            <a:endParaRPr kumimoji="1" lang="en-US" altLang="zh-CN" dirty="0"/>
-          </a:p>
-          <a:p>
-            <a:endParaRPr kumimoji="1" lang="zh-CN" altLang="en-US" dirty="0"/>
-          </a:p>
-        </p:txBody>
-      </p:sp>
+            <a:endParaRPr lang="zh-CN" altLang="en-US" dirty="0"/>
+          </a:p>
+        </p:txBody>
+      </p:sp>
+      <p:pic>
+        <p:nvPicPr>
+          <p:cNvPr id="4" name="图片 3"/>
+          <p:cNvPicPr>
+            <a:picLocks noChangeAspect="1"/>
+          </p:cNvPicPr>
+          <p:nvPr/>
+        </p:nvPicPr>
+        <p:blipFill>
+          <a:blip r:embed="rId2"/>
+          <a:stretch>
+            <a:fillRect/>
+          </a:stretch>
+        </p:blipFill>
+        <p:spPr>
+          <a:xfrm>
+            <a:off x="3261813" y="3006324"/>
+            <a:ext cx="5482633" cy="3305575"/>
+          </a:xfrm>
+          <a:prstGeom prst="rect">
+            <a:avLst/>
+          </a:prstGeom>
+        </p:spPr>
+      </p:pic>
     </p:spTree>
     <p:extLst>
       <p:ext uri="{BB962C8B-B14F-4D97-AF65-F5344CB8AC3E}">
-        <p14:creationId xmlns:p14="http://schemas.microsoft.com/office/powerpoint/2010/main" val="1554322191"/>
+        <p14:creationId xmlns:p14="http://schemas.microsoft.com/office/powerpoint/2010/main" val="657726371"/>
       </p:ext>
     </p:extLst>
   </p:cSld>
@@ -7006,7 +9570,7 @@
 </p:sld>
 </file>
 
-<file path=ppt/slides/slide26.xml><?xml version="1.0" encoding="utf-8"?>
+<file path=ppt/slides/slide35.xml><?xml version="1.0" encoding="utf-8"?>
 <p:sld xmlns:a="http://schemas.openxmlformats.org/drawingml/2006/main" xmlns:r="http://schemas.openxmlformats.org/officeDocument/2006/relationships" xmlns:p="http://schemas.openxmlformats.org/presentationml/2006/main">
   <p:cSld>
     <p:spTree>
@@ -7028,7 +9592,7 @@
           <p:cNvPr id="2" name="标题 1">
             <a:extLst>
               <a:ext uri="{FF2B5EF4-FFF2-40B4-BE49-F238E27FC236}">
-                <a16:creationId xmlns:a16="http://schemas.microsoft.com/office/drawing/2014/main" id="{85494C82-DA09-A842-9316-C9AD1FACD24C}"/>
+                <a16:creationId xmlns:a16="http://schemas.microsoft.com/office/drawing/2014/main" id="{1C7DF086-743F-0E4A-874F-58EB747AFC75}"/>
               </a:ext>
             </a:extLst>
           </p:cNvPr>
@@ -7045,10 +9609,9 @@
           <a:lstStyle/>
           <a:p>
             <a:r>
-              <a:rPr kumimoji="1" lang="zh-CN" altLang="en-US"/>
-              <a:t>自学</a:t>
-            </a:r>
-            <a:endParaRPr kumimoji="1" lang="zh-CN" altLang="en-US" dirty="0"/>
+              <a:rPr kumimoji="1" lang="zh-CN" altLang="en-US" dirty="0"/>
+              <a:t>实验</a:t>
+            </a:r>
           </a:p>
         </p:txBody>
       </p:sp>
@@ -7057,7 +9620,7 @@
           <p:cNvPr id="3" name="内容占位符 2">
             <a:extLst>
               <a:ext uri="{FF2B5EF4-FFF2-40B4-BE49-F238E27FC236}">
-                <a16:creationId xmlns:a16="http://schemas.microsoft.com/office/drawing/2014/main" id="{C032903A-ABA2-5A46-A6B6-F8BF05797248}"/>
+                <a16:creationId xmlns:a16="http://schemas.microsoft.com/office/drawing/2014/main" id="{D3C30684-50F9-3F4A-A96C-16C815BDE663}"/>
               </a:ext>
             </a:extLst>
           </p:cNvPr>
@@ -7068,85 +9631,96 @@
             <p:ph idx="1"/>
           </p:nvPr>
         </p:nvSpPr>
-        <p:spPr>
-          <a:xfrm>
-            <a:off x="628650" y="1556952"/>
-            <a:ext cx="7886700" cy="5066270"/>
-          </a:xfrm>
-        </p:spPr>
-        <p:txBody>
-          <a:bodyPr>
-            <a:normAutofit/>
-          </a:bodyPr>
-          <a:lstStyle/>
-          <a:p>
-            <a:r>
-              <a:rPr kumimoji="1" lang="en-US" altLang="zh-CN" dirty="0"/>
-              <a:t>UCSD</a:t>
-            </a:r>
-            <a:r>
-              <a:rPr kumimoji="1" lang="zh-CN" altLang="en-US" dirty="0"/>
-              <a:t> 作业 </a:t>
-            </a:r>
-            <a:r>
-              <a:rPr kumimoji="1" lang="en-US" altLang="zh-CN" dirty="0"/>
-              <a:t>3</a:t>
-            </a:r>
-            <a:r>
-              <a:rPr kumimoji="1" lang="zh-CN" altLang="en-US" dirty="0"/>
-              <a:t>：</a:t>
-            </a:r>
-            <a:r>
-              <a:rPr kumimoji="1" lang="en-US" altLang="zh-CN" dirty="0"/>
-              <a:t>RDD</a:t>
-            </a:r>
-            <a:r>
-              <a:rPr kumimoji="1" lang="zh-CN" altLang="en-US" dirty="0"/>
-              <a:t>实现</a:t>
-            </a:r>
-            <a:r>
-              <a:rPr kumimoji="1" lang="en-US" altLang="zh-CN" dirty="0"/>
-              <a:t>PCA</a:t>
-            </a:r>
-          </a:p>
-          <a:p>
-            <a:pPr lvl="1"/>
+        <p:spPr/>
+        <p:txBody>
+          <a:bodyPr/>
+          <a:lstStyle/>
+          <a:p>
+            <a:r>
+              <a:rPr lang="en-US" altLang="zh-CN" dirty="0"/>
+              <a:t>Carlos Fernandez-</a:t>
+            </a:r>
+            <a:r>
+              <a:rPr lang="en-US" altLang="zh-CN" dirty="0" err="1"/>
+              <a:t>Granda</a:t>
+            </a:r>
+            <a:r>
+              <a:rPr lang="zh-CN" altLang="en-US" dirty="0"/>
+              <a:t>，</a:t>
+            </a:r>
+            <a:r>
+              <a:rPr lang="en-US" altLang="zh-CN" dirty="0"/>
+              <a:t> Covariance matrix</a:t>
+            </a:r>
+            <a:r>
+              <a:rPr lang="zh-CN" altLang="en-US" dirty="0"/>
+              <a:t> </a:t>
+            </a:r>
+            <a:r>
+              <a:rPr lang="zh-CN" altLang="en-US"/>
+              <a:t>精要配套练习，</a:t>
+            </a:r>
+            <a:endParaRPr kumimoji="1" lang="en-US" altLang="zh-CN" dirty="0">
+              <a:hlinkClick r:id="rId2"/>
+            </a:endParaRPr>
+          </a:p>
+          <a:p>
             <a:r>
               <a:rPr kumimoji="1" lang="en-US" altLang="zh-CN" dirty="0">
                 <a:hlinkClick r:id="rId2"/>
               </a:rPr>
-              <a:t>https://courses.edx.org/courses/course-v1:UCSanDiegoX+DSE230x+1T2018/jump_to/block-v1:UCSanDiegoX+DSE230x+1T2018+type@vertical+block@99e84df658ef425b9d34cc41caa85029</a:t>
+              <a:t>https://github.com/cfgranda/math-tools-nyu/blob/main/01%20Covariance%20Matrix.ipynb</a:t>
             </a:r>
             <a:endParaRPr kumimoji="1" lang="en-US" altLang="zh-CN" dirty="0"/>
           </a:p>
           <a:p>
-            <a:pPr lvl="1"/>
+            <a:endParaRPr kumimoji="1" lang="en-US" altLang="zh-CN" dirty="0"/>
+          </a:p>
+          <a:p>
             <a:r>
               <a:rPr kumimoji="1" lang="zh-CN" altLang="en-US" dirty="0"/>
-              <a:t>回答作业问题，完成实验报告（建议使用作业模板）</a:t>
+              <a:t>天气数据</a:t>
             </a:r>
             <a:endParaRPr kumimoji="1" lang="en-US" altLang="zh-CN" dirty="0"/>
           </a:p>
           <a:p>
-            <a:pPr lvl="2"/>
-            <a:r>
-              <a:rPr kumimoji="1" lang="en-US" altLang="zh-CN" dirty="0">
-                <a:hlinkClick r:id="rId3"/>
-              </a:rPr>
-              <a:t>https://courses.edx.org/courses/course-v1:UCSanDiegoX+DSE230x+1T2018/jump_to/block-v1:UCSanDiegoX+DSE230x+1T2018+type@vertical+block@f1f94b0afba44b3c92989507347e6fca</a:t>
-            </a:r>
-            <a:endParaRPr kumimoji="1" lang="en-US" altLang="zh-CN" dirty="0"/>
-          </a:p>
-          <a:p>
-            <a:pPr lvl="2"/>
-            <a:endParaRPr kumimoji="1" lang="en-US" altLang="zh-CN" dirty="0"/>
+            <a:r>
+              <a:rPr lang="zh-CN" altLang="en-US" dirty="0"/>
+              <a:t>计算协方差矩阵</a:t>
+            </a:r>
+            <a:r>
+              <a:rPr lang="en-US" altLang="zh-CN" dirty="0"/>
+              <a:t>, </a:t>
+            </a:r>
+            <a:r>
+              <a:rPr lang="en-US" altLang="zh-CN" dirty="0" err="1"/>
+              <a:t>np.linalg.eig</a:t>
+            </a:r>
+            <a:r>
+              <a:rPr lang="en-US" altLang="zh-CN" dirty="0"/>
+              <a:t>, </a:t>
+            </a:r>
+            <a:r>
+              <a:rPr lang="zh-CN" altLang="en-US" dirty="0"/>
+              <a:t>主元素，</a:t>
+            </a:r>
+            <a:r>
+              <a:rPr lang="en-US" altLang="zh-CN" dirty="0"/>
+              <a:t>PCA</a:t>
+            </a:r>
+          </a:p>
+          <a:p>
+            <a:r>
+              <a:rPr kumimoji="1" lang="zh-CN" altLang="en-US" dirty="0"/>
+              <a:t>画图分析</a:t>
+            </a:r>
           </a:p>
         </p:txBody>
       </p:sp>
     </p:spTree>
     <p:extLst>
       <p:ext uri="{BB962C8B-B14F-4D97-AF65-F5344CB8AC3E}">
-        <p14:creationId xmlns:p14="http://schemas.microsoft.com/office/powerpoint/2010/main" val="1435380443"/>
+        <p14:creationId xmlns:p14="http://schemas.microsoft.com/office/powerpoint/2010/main" val="2736592738"/>
       </p:ext>
     </p:extLst>
   </p:cSld>
@@ -7156,7 +9730,7 @@
 </p:sld>
 </file>
 
-<file path=ppt/slides/slide27.xml><?xml version="1.0" encoding="utf-8"?>
+<file path=ppt/slides/slide36.xml><?xml version="1.0" encoding="utf-8"?>
 <p:sld xmlns:a="http://schemas.openxmlformats.org/drawingml/2006/main" xmlns:r="http://schemas.openxmlformats.org/officeDocument/2006/relationships" xmlns:p="http://schemas.openxmlformats.org/presentationml/2006/main">
   <p:cSld>
     <p:spTree>
@@ -7178,7 +9752,7 @@
           <p:cNvPr id="2" name="标题 1">
             <a:extLst>
               <a:ext uri="{FF2B5EF4-FFF2-40B4-BE49-F238E27FC236}">
-                <a16:creationId xmlns:a16="http://schemas.microsoft.com/office/drawing/2014/main" id="{66013B0F-5DFC-9C42-85F2-ADC115ECC6F3}"/>
+                <a16:creationId xmlns:a16="http://schemas.microsoft.com/office/drawing/2014/main" id="{400E3441-BA5F-8240-ACC7-8673BA6E7FDB}"/>
               </a:ext>
             </a:extLst>
           </p:cNvPr>
@@ -7195,10 +9769,9 @@
           <a:lstStyle/>
           <a:p>
             <a:r>
-              <a:rPr kumimoji="1" lang="en-US" altLang="zh-CN" dirty="0"/>
-              <a:t>Stanford CS246 Spark Lab &amp; HW</a:t>
-            </a:r>
-            <a:endParaRPr kumimoji="1" lang="zh-CN" altLang="en-US" dirty="0"/>
+              <a:rPr kumimoji="1" lang="zh-CN" altLang="en-US" dirty="0"/>
+              <a:t>阅读</a:t>
+            </a:r>
           </a:p>
         </p:txBody>
       </p:sp>
@@ -7207,7 +9780,7 @@
           <p:cNvPr id="3" name="内容占位符 2">
             <a:extLst>
               <a:ext uri="{FF2B5EF4-FFF2-40B4-BE49-F238E27FC236}">
-                <a16:creationId xmlns:a16="http://schemas.microsoft.com/office/drawing/2014/main" id="{D3FDA685-21C3-484F-BCC9-C6735E04E5DB}"/>
+                <a16:creationId xmlns:a16="http://schemas.microsoft.com/office/drawing/2014/main" id="{F7590BC5-2B1B-0F45-8087-4951DA0CFA6E}"/>
               </a:ext>
             </a:extLst>
           </p:cNvPr>
@@ -7220,46 +9793,61 @@
         </p:nvSpPr>
         <p:spPr/>
         <p:txBody>
-          <a:bodyPr>
-            <a:normAutofit/>
-          </a:bodyPr>
-          <a:lstStyle/>
-          <a:p>
-            <a:r>
-              <a:rPr kumimoji="1" lang="en-US" altLang="zh-CN" dirty="0">
-                <a:hlinkClick r:id="rId2"/>
-              </a:rPr>
-              <a:t>http://web.stanford.edu/class/cs246/</a:t>
-            </a:r>
-            <a:endParaRPr kumimoji="1" lang="en-US" altLang="zh-CN" dirty="0"/>
-          </a:p>
-          <a:p>
-            <a:pPr lvl="1"/>
-            <a:r>
-              <a:rPr kumimoji="1" lang="en-US" altLang="zh-CN" dirty="0"/>
-              <a:t>CS246_Colab_3-kmeans-pca.ipynb</a:t>
-            </a:r>
-          </a:p>
-          <a:p>
-            <a:r>
-              <a:rPr kumimoji="1" lang="en-US" altLang="zh-CN" dirty="0"/>
-              <a:t>HW</a:t>
-            </a:r>
-          </a:p>
-          <a:p>
-            <a:pPr lvl="1"/>
-            <a:r>
-              <a:rPr kumimoji="1" lang="en-US" altLang="zh-CN"/>
-              <a:t>hw2-bundle-svd-pca-latent-recom/</a:t>
-            </a:r>
-            <a:endParaRPr kumimoji="1" lang="en-US" altLang="zh-CN" dirty="0"/>
+          <a:bodyPr/>
+          <a:lstStyle/>
+          <a:p>
+            <a:r>
+              <a:rPr lang="en-US" altLang="zh-CN" dirty="0"/>
+              <a:t>Carlos Fernandez-</a:t>
+            </a:r>
+            <a:r>
+              <a:rPr lang="en-US" altLang="zh-CN" dirty="0" err="1"/>
+              <a:t>Granda</a:t>
+            </a:r>
+            <a:r>
+              <a:rPr lang="zh-CN" altLang="en-US" dirty="0"/>
+              <a:t>，</a:t>
+            </a:r>
+            <a:r>
+              <a:rPr lang="en-US" altLang="zh-CN" dirty="0"/>
+              <a:t>Covariance matrix</a:t>
+            </a:r>
+            <a:r>
+              <a:rPr lang="zh-CN" altLang="en-US" dirty="0"/>
+              <a:t> 精要，下载链接：</a:t>
+            </a:r>
+            <a:r>
+              <a:rPr lang="en-US" altLang="zh-CN" dirty="0"/>
+              <a:t>https://</a:t>
+            </a:r>
+            <a:r>
+              <a:rPr lang="en-US" altLang="zh-CN" dirty="0" err="1"/>
+              <a:t>cds.nyu.edu</a:t>
+            </a:r>
+            <a:r>
+              <a:rPr lang="en-US" altLang="zh-CN" dirty="0"/>
+              <a:t>/</a:t>
+            </a:r>
+            <a:r>
+              <a:rPr lang="en-US" altLang="zh-CN" dirty="0" err="1"/>
+              <a:t>wp</a:t>
+            </a:r>
+            <a:r>
+              <a:rPr lang="en-US" altLang="zh-CN" dirty="0"/>
+              <a:t>-content/uploads/2021/05/</a:t>
+            </a:r>
+            <a:r>
+              <a:rPr lang="en-US" altLang="zh-CN" dirty="0" err="1"/>
+              <a:t>covariance_matrix.pdf</a:t>
+            </a:r>
+            <a:endParaRPr kumimoji="1" lang="zh-CN" altLang="en-US" dirty="0"/>
           </a:p>
         </p:txBody>
       </p:sp>
     </p:spTree>
     <p:extLst>
       <p:ext uri="{BB962C8B-B14F-4D97-AF65-F5344CB8AC3E}">
-        <p14:creationId xmlns:p14="http://schemas.microsoft.com/office/powerpoint/2010/main" val="2119042023"/>
+        <p14:creationId xmlns:p14="http://schemas.microsoft.com/office/powerpoint/2010/main" val="4013788844"/>
       </p:ext>
     </p:extLst>
   </p:cSld>
@@ -7269,7 +9857,7 @@
 </p:sld>
 </file>
 
-<file path=ppt/slides/slide3.xml><?xml version="1.0" encoding="utf-8"?>
+<file path=ppt/slides/slide37.xml><?xml version="1.0" encoding="utf-8"?>
 <p:sld xmlns:a="http://schemas.openxmlformats.org/drawingml/2006/main" xmlns:r="http://schemas.openxmlformats.org/officeDocument/2006/relationships" xmlns:p="http://schemas.openxmlformats.org/presentationml/2006/main">
   <p:cSld>
     <p:spTree>
@@ -7288,7 +9876,13 @@
       </p:grpSpPr>
       <p:sp>
         <p:nvSpPr>
-          <p:cNvPr id="2" name="标题 1"/>
+          <p:cNvPr id="2" name="标题 1">
+            <a:extLst>
+              <a:ext uri="{FF2B5EF4-FFF2-40B4-BE49-F238E27FC236}">
+                <a16:creationId xmlns:a16="http://schemas.microsoft.com/office/drawing/2014/main" id="{85494C82-DA09-A842-9316-C9AD1FACD24C}"/>
+              </a:ext>
+            </a:extLst>
+          </p:cNvPr>
           <p:cNvSpPr>
             <a:spLocks noGrp="1"/>
           </p:cNvSpPr>
@@ -7302,15 +9896,21 @@
           <a:lstStyle/>
           <a:p>
             <a:r>
-              <a:rPr lang="zh-CN" altLang="en-US" dirty="0"/>
-              <a:t>背景</a:t>
-            </a:r>
-          </a:p>
-        </p:txBody>
-      </p:sp>
-      <p:sp>
-        <p:nvSpPr>
-          <p:cNvPr id="3" name="内容占位符 2"/>
+              <a:rPr kumimoji="1" lang="zh-CN" altLang="en-US" dirty="0"/>
+              <a:t>自学</a:t>
+            </a:r>
+          </a:p>
+        </p:txBody>
+      </p:sp>
+      <p:sp>
+        <p:nvSpPr>
+          <p:cNvPr id="3" name="内容占位符 2">
+            <a:extLst>
+              <a:ext uri="{FF2B5EF4-FFF2-40B4-BE49-F238E27FC236}">
+                <a16:creationId xmlns:a16="http://schemas.microsoft.com/office/drawing/2014/main" id="{C032903A-ABA2-5A46-A6B6-F8BF05797248}"/>
+              </a:ext>
+            </a:extLst>
+          </p:cNvPr>
           <p:cNvSpPr>
             <a:spLocks noGrp="1"/>
           </p:cNvSpPr>
@@ -7318,72 +9918,378 @@
             <p:ph idx="1"/>
           </p:nvPr>
         </p:nvSpPr>
-        <p:spPr/>
-        <p:txBody>
-          <a:bodyPr/>
-          <a:lstStyle/>
-          <a:p>
-            <a:r>
-              <a:rPr lang="zh-CN" altLang="en-US" dirty="0"/>
-              <a:t>数据累积长度：</a:t>
-            </a:r>
-            <a:endParaRPr lang="en-US" altLang="zh-CN" dirty="0"/>
+        <p:spPr>
+          <a:xfrm>
+            <a:off x="628650" y="1556952"/>
+            <a:ext cx="7886700" cy="5066270"/>
+          </a:xfrm>
+        </p:spPr>
+        <p:txBody>
+          <a:bodyPr>
+            <a:normAutofit/>
+          </a:bodyPr>
+          <a:lstStyle/>
+          <a:p>
+            <a:r>
+              <a:rPr kumimoji="1" lang="zh-CN" altLang="en-US" dirty="0"/>
+              <a:t>自学</a:t>
+            </a:r>
+            <a:r>
+              <a:rPr kumimoji="1" lang="en-US" altLang="zh-CN" dirty="0"/>
+              <a:t>UCSD</a:t>
+            </a:r>
+            <a:r>
+              <a:rPr kumimoji="1" lang="zh-CN" altLang="en-US" dirty="0"/>
+              <a:t> </a:t>
+            </a:r>
+            <a:r>
+              <a:rPr kumimoji="1" lang="en-US" altLang="zh-CN" dirty="0"/>
+              <a:t>PCA</a:t>
+            </a:r>
+            <a:r>
+              <a:rPr kumimoji="1" lang="zh-CN" altLang="en-US" dirty="0"/>
+              <a:t>部分视频，简答题</a:t>
+            </a:r>
+            <a:endParaRPr kumimoji="1" lang="en-US" altLang="zh-CN" dirty="0"/>
           </a:p>
           <a:p>
             <a:pPr lvl="1"/>
             <a:r>
-              <a:rPr lang="zh-CN" altLang="en-US" dirty="0"/>
-              <a:t>客户违约率和违约损失率数据的积累长度均在</a:t>
-            </a:r>
-            <a:r>
-              <a:rPr lang="en-US" altLang="zh-CN" dirty="0"/>
-              <a:t>10</a:t>
-            </a:r>
-            <a:r>
-              <a:rPr lang="zh-CN" altLang="en-US" dirty="0"/>
-              <a:t>年以上</a:t>
-            </a:r>
-            <a:endParaRPr lang="en-US" altLang="zh-CN" dirty="0"/>
+              <a:rPr kumimoji="1" lang="en-US" altLang="zh-CN" dirty="0">
+                <a:hlinkClick r:id="rId2"/>
+              </a:rPr>
+              <a:t>https://courses.edx.org/courses/course-v1:UCSanDiegoX+DSE230x+1T2018/jump_to/block-v1:UCSanDiegoX+DSE230x+1T2018+type@vertical+block@a4576663c02a460d99e3f139782d7fef</a:t>
+            </a:r>
+            <a:endParaRPr kumimoji="1" lang="en-US" altLang="zh-CN" dirty="0"/>
+          </a:p>
+          <a:p>
+            <a:r>
+              <a:rPr kumimoji="1" lang="zh-CN" altLang="en-US" dirty="0"/>
+              <a:t>自学</a:t>
+            </a:r>
+            <a:r>
+              <a:rPr kumimoji="1" lang="en-US" altLang="zh-CN" dirty="0"/>
+              <a:t>UCSD</a:t>
+            </a:r>
+            <a:r>
+              <a:rPr kumimoji="1" lang="zh-CN" altLang="en-US" dirty="0"/>
+              <a:t> 利用</a:t>
+            </a:r>
+            <a:r>
+              <a:rPr kumimoji="1" lang="en-US" altLang="zh-CN" dirty="0"/>
+              <a:t>PCA</a:t>
+            </a:r>
+            <a:r>
+              <a:rPr kumimoji="1" lang="zh-CN" altLang="en-US" dirty="0"/>
+              <a:t>进行天气时间序列分析部分视频，简答题</a:t>
+            </a:r>
+            <a:endParaRPr kumimoji="1" lang="en-US" altLang="zh-CN" dirty="0"/>
           </a:p>
           <a:p>
             <a:pPr lvl="1"/>
             <a:r>
-              <a:rPr lang="zh-CN" altLang="en-US" dirty="0"/>
-              <a:t>巴塞尔资本管理协议</a:t>
-            </a:r>
-            <a:r>
-              <a:rPr lang="en-US" altLang="zh-CN" dirty="0"/>
-              <a:t>Ⅲ</a:t>
-            </a:r>
-            <a:r>
-              <a:rPr lang="zh-CN" altLang="en-US" dirty="0"/>
-              <a:t>的要求。</a:t>
-            </a:r>
-            <a:endParaRPr lang="en-US" altLang="zh-CN" dirty="0"/>
-          </a:p>
-          <a:p>
-            <a:r>
-              <a:rPr lang="zh-CN" altLang="en-US" dirty="0"/>
-              <a:t>工商银行还建立了独立的模型验证团队，对数据应用的有效性、准确性进行持续验证和监控。</a:t>
-            </a:r>
-            <a:endParaRPr lang="en-US" altLang="zh-CN" dirty="0"/>
-          </a:p>
-          <a:p>
-            <a:r>
-              <a:rPr lang="zh-CN" altLang="en-US" dirty="0"/>
-              <a:t>信用评级</a:t>
-            </a:r>
-            <a:endParaRPr lang="en-US" altLang="zh-CN" dirty="0"/>
-          </a:p>
-          <a:p>
-            <a:endParaRPr lang="zh-CN" altLang="en-US" dirty="0"/>
+              <a:rPr kumimoji="1" lang="en-US" altLang="zh-CN" dirty="0">
+                <a:hlinkClick r:id="rId3"/>
+              </a:rPr>
+              <a:t>https://courses.edx.org/courses/course-v1:UCSanDiegoX+DSE230x+1T2018/jump_to/block-v1:UCSanDiegoX+DSE230x+1T2018+type@vertical+block@97be3c62d1704c2c890b7f2826b2202c</a:t>
+            </a:r>
+            <a:endParaRPr kumimoji="1" lang="en-US" altLang="zh-CN" dirty="0"/>
+          </a:p>
+          <a:p>
+            <a:r>
+              <a:rPr kumimoji="1" lang="zh-CN" altLang="en-US" dirty="0"/>
+              <a:t>练习</a:t>
+            </a:r>
+            <a:endParaRPr kumimoji="1" lang="en-US" altLang="zh-CN" dirty="0"/>
+          </a:p>
+          <a:p>
+            <a:pPr lvl="1"/>
+            <a:r>
+              <a:rPr kumimoji="1" lang="en-US" altLang="zh-CN" dirty="0"/>
+              <a:t>Section2-Weather-PCA/</a:t>
+            </a:r>
+            <a:r>
+              <a:rPr kumimoji="1" lang="zh-CN" altLang="en-US" dirty="0"/>
+              <a:t>目录下</a:t>
+            </a:r>
+            <a:r>
+              <a:rPr kumimoji="1" lang="en-US" altLang="zh-CN" dirty="0" err="1"/>
+              <a:t>ipynb</a:t>
+            </a:r>
+            <a:endParaRPr kumimoji="1" lang="en-US" altLang="zh-CN" dirty="0"/>
+          </a:p>
+          <a:p>
+            <a:endParaRPr kumimoji="1" lang="zh-CN" altLang="en-US" dirty="0"/>
           </a:p>
         </p:txBody>
       </p:sp>
     </p:spTree>
     <p:extLst>
       <p:ext uri="{BB962C8B-B14F-4D97-AF65-F5344CB8AC3E}">
-        <p14:creationId xmlns:p14="http://schemas.microsoft.com/office/powerpoint/2010/main" val="2269609181"/>
+        <p14:creationId xmlns:p14="http://schemas.microsoft.com/office/powerpoint/2010/main" val="1554322191"/>
+      </p:ext>
+    </p:extLst>
+  </p:cSld>
+  <p:clrMapOvr>
+    <a:masterClrMapping/>
+  </p:clrMapOvr>
+</p:sld>
+</file>
+
+<file path=ppt/slides/slide38.xml><?xml version="1.0" encoding="utf-8"?>
+<p:sld xmlns:a="http://schemas.openxmlformats.org/drawingml/2006/main" xmlns:r="http://schemas.openxmlformats.org/officeDocument/2006/relationships" xmlns:p="http://schemas.openxmlformats.org/presentationml/2006/main">
+  <p:cSld>
+    <p:spTree>
+      <p:nvGrpSpPr>
+        <p:cNvPr id="1" name=""/>
+        <p:cNvGrpSpPr/>
+        <p:nvPr/>
+      </p:nvGrpSpPr>
+      <p:grpSpPr>
+        <a:xfrm>
+          <a:off x="0" y="0"/>
+          <a:ext cx="0" cy="0"/>
+          <a:chOff x="0" y="0"/>
+          <a:chExt cx="0" cy="0"/>
+        </a:xfrm>
+      </p:grpSpPr>
+      <p:sp>
+        <p:nvSpPr>
+          <p:cNvPr id="2" name="标题 1">
+            <a:extLst>
+              <a:ext uri="{FF2B5EF4-FFF2-40B4-BE49-F238E27FC236}">
+                <a16:creationId xmlns:a16="http://schemas.microsoft.com/office/drawing/2014/main" id="{85494C82-DA09-A842-9316-C9AD1FACD24C}"/>
+              </a:ext>
+            </a:extLst>
+          </p:cNvPr>
+          <p:cNvSpPr>
+            <a:spLocks noGrp="1"/>
+          </p:cNvSpPr>
+          <p:nvPr>
+            <p:ph type="title"/>
+          </p:nvPr>
+        </p:nvSpPr>
+        <p:spPr/>
+        <p:txBody>
+          <a:bodyPr/>
+          <a:lstStyle/>
+          <a:p>
+            <a:r>
+              <a:rPr kumimoji="1" lang="zh-CN" altLang="en-US"/>
+              <a:t>自学</a:t>
+            </a:r>
+            <a:endParaRPr kumimoji="1" lang="zh-CN" altLang="en-US" dirty="0"/>
+          </a:p>
+        </p:txBody>
+      </p:sp>
+      <p:sp>
+        <p:nvSpPr>
+          <p:cNvPr id="3" name="内容占位符 2">
+            <a:extLst>
+              <a:ext uri="{FF2B5EF4-FFF2-40B4-BE49-F238E27FC236}">
+                <a16:creationId xmlns:a16="http://schemas.microsoft.com/office/drawing/2014/main" id="{C032903A-ABA2-5A46-A6B6-F8BF05797248}"/>
+              </a:ext>
+            </a:extLst>
+          </p:cNvPr>
+          <p:cNvSpPr>
+            <a:spLocks noGrp="1"/>
+          </p:cNvSpPr>
+          <p:nvPr>
+            <p:ph idx="1"/>
+          </p:nvPr>
+        </p:nvSpPr>
+        <p:spPr>
+          <a:xfrm>
+            <a:off x="628650" y="1556952"/>
+            <a:ext cx="7886700" cy="5066270"/>
+          </a:xfrm>
+        </p:spPr>
+        <p:txBody>
+          <a:bodyPr>
+            <a:normAutofit/>
+          </a:bodyPr>
+          <a:lstStyle/>
+          <a:p>
+            <a:r>
+              <a:rPr kumimoji="1" lang="en-US" altLang="zh-CN" dirty="0"/>
+              <a:t>UCSD</a:t>
+            </a:r>
+            <a:r>
+              <a:rPr kumimoji="1" lang="zh-CN" altLang="en-US" dirty="0"/>
+              <a:t> 作业 </a:t>
+            </a:r>
+            <a:r>
+              <a:rPr kumimoji="1" lang="en-US" altLang="zh-CN" dirty="0"/>
+              <a:t>3</a:t>
+            </a:r>
+            <a:r>
+              <a:rPr kumimoji="1" lang="zh-CN" altLang="en-US" dirty="0"/>
+              <a:t>：</a:t>
+            </a:r>
+            <a:r>
+              <a:rPr kumimoji="1" lang="en-US" altLang="zh-CN" dirty="0"/>
+              <a:t>RDD</a:t>
+            </a:r>
+            <a:r>
+              <a:rPr kumimoji="1" lang="zh-CN" altLang="en-US" dirty="0"/>
+              <a:t>实现</a:t>
+            </a:r>
+            <a:r>
+              <a:rPr kumimoji="1" lang="en-US" altLang="zh-CN" dirty="0"/>
+              <a:t>PCA</a:t>
+            </a:r>
+          </a:p>
+          <a:p>
+            <a:pPr lvl="1"/>
+            <a:r>
+              <a:rPr kumimoji="1" lang="en-US" altLang="zh-CN" dirty="0">
+                <a:hlinkClick r:id="rId2"/>
+              </a:rPr>
+              <a:t>https://courses.edx.org/courses/course-v1:UCSanDiegoX+DSE230x+1T2018/jump_to/block-v1:UCSanDiegoX+DSE230x+1T2018+type@vertical+block@99e84df658ef425b9d34cc41caa85029</a:t>
+            </a:r>
+            <a:endParaRPr kumimoji="1" lang="en-US" altLang="zh-CN" dirty="0"/>
+          </a:p>
+          <a:p>
+            <a:pPr lvl="1"/>
+            <a:r>
+              <a:rPr kumimoji="1" lang="zh-CN" altLang="en-US" dirty="0"/>
+              <a:t>回答作业问题，完成实验报告（建议使用作业模板）</a:t>
+            </a:r>
+            <a:endParaRPr kumimoji="1" lang="en-US" altLang="zh-CN" dirty="0"/>
+          </a:p>
+          <a:p>
+            <a:pPr lvl="2"/>
+            <a:r>
+              <a:rPr kumimoji="1" lang="en-US" altLang="zh-CN" dirty="0">
+                <a:hlinkClick r:id="rId3"/>
+              </a:rPr>
+              <a:t>https://courses.edx.org/courses/course-v1:UCSanDiegoX+DSE230x+1T2018/jump_to/block-v1:UCSanDiegoX+DSE230x+1T2018+type@vertical+block@f1f94b0afba44b3c92989507347e6fca</a:t>
+            </a:r>
+            <a:endParaRPr kumimoji="1" lang="en-US" altLang="zh-CN" dirty="0"/>
+          </a:p>
+          <a:p>
+            <a:pPr lvl="2"/>
+            <a:endParaRPr kumimoji="1" lang="en-US" altLang="zh-CN" dirty="0"/>
+          </a:p>
+        </p:txBody>
+      </p:sp>
+    </p:spTree>
+    <p:extLst>
+      <p:ext uri="{BB962C8B-B14F-4D97-AF65-F5344CB8AC3E}">
+        <p14:creationId xmlns:p14="http://schemas.microsoft.com/office/powerpoint/2010/main" val="1435380443"/>
+      </p:ext>
+    </p:extLst>
+  </p:cSld>
+  <p:clrMapOvr>
+    <a:masterClrMapping/>
+  </p:clrMapOvr>
+</p:sld>
+</file>
+
+<file path=ppt/slides/slide39.xml><?xml version="1.0" encoding="utf-8"?>
+<p:sld xmlns:a="http://schemas.openxmlformats.org/drawingml/2006/main" xmlns:r="http://schemas.openxmlformats.org/officeDocument/2006/relationships" xmlns:p="http://schemas.openxmlformats.org/presentationml/2006/main">
+  <p:cSld>
+    <p:spTree>
+      <p:nvGrpSpPr>
+        <p:cNvPr id="1" name=""/>
+        <p:cNvGrpSpPr/>
+        <p:nvPr/>
+      </p:nvGrpSpPr>
+      <p:grpSpPr>
+        <a:xfrm>
+          <a:off x="0" y="0"/>
+          <a:ext cx="0" cy="0"/>
+          <a:chOff x="0" y="0"/>
+          <a:chExt cx="0" cy="0"/>
+        </a:xfrm>
+      </p:grpSpPr>
+      <p:sp>
+        <p:nvSpPr>
+          <p:cNvPr id="2" name="标题 1">
+            <a:extLst>
+              <a:ext uri="{FF2B5EF4-FFF2-40B4-BE49-F238E27FC236}">
+                <a16:creationId xmlns:a16="http://schemas.microsoft.com/office/drawing/2014/main" id="{66013B0F-5DFC-9C42-85F2-ADC115ECC6F3}"/>
+              </a:ext>
+            </a:extLst>
+          </p:cNvPr>
+          <p:cNvSpPr>
+            <a:spLocks noGrp="1"/>
+          </p:cNvSpPr>
+          <p:nvPr>
+            <p:ph type="title"/>
+          </p:nvPr>
+        </p:nvSpPr>
+        <p:spPr/>
+        <p:txBody>
+          <a:bodyPr/>
+          <a:lstStyle/>
+          <a:p>
+            <a:r>
+              <a:rPr kumimoji="1" lang="en-US" altLang="zh-CN" dirty="0"/>
+              <a:t>Stanford CS246 Spark Lab &amp; HW</a:t>
+            </a:r>
+            <a:endParaRPr kumimoji="1" lang="zh-CN" altLang="en-US" dirty="0"/>
+          </a:p>
+        </p:txBody>
+      </p:sp>
+      <p:sp>
+        <p:nvSpPr>
+          <p:cNvPr id="3" name="内容占位符 2">
+            <a:extLst>
+              <a:ext uri="{FF2B5EF4-FFF2-40B4-BE49-F238E27FC236}">
+                <a16:creationId xmlns:a16="http://schemas.microsoft.com/office/drawing/2014/main" id="{D3FDA685-21C3-484F-BCC9-C6735E04E5DB}"/>
+              </a:ext>
+            </a:extLst>
+          </p:cNvPr>
+          <p:cNvSpPr>
+            <a:spLocks noGrp="1"/>
+          </p:cNvSpPr>
+          <p:nvPr>
+            <p:ph idx="1"/>
+          </p:nvPr>
+        </p:nvSpPr>
+        <p:spPr/>
+        <p:txBody>
+          <a:bodyPr>
+            <a:normAutofit/>
+          </a:bodyPr>
+          <a:lstStyle/>
+          <a:p>
+            <a:r>
+              <a:rPr kumimoji="1" lang="en-US" altLang="zh-CN" dirty="0">
+                <a:hlinkClick r:id="rId2"/>
+              </a:rPr>
+              <a:t>http://web.stanford.edu/class/cs246/</a:t>
+            </a:r>
+            <a:endParaRPr kumimoji="1" lang="en-US" altLang="zh-CN" dirty="0"/>
+          </a:p>
+          <a:p>
+            <a:pPr lvl="1"/>
+            <a:r>
+              <a:rPr kumimoji="1" lang="en-US" altLang="zh-CN" dirty="0"/>
+              <a:t>CS246_Colab_3-kmeans-pca.ipynb</a:t>
+            </a:r>
+          </a:p>
+          <a:p>
+            <a:r>
+              <a:rPr kumimoji="1" lang="en-US" altLang="zh-CN" dirty="0"/>
+              <a:t>HW</a:t>
+            </a:r>
+          </a:p>
+          <a:p>
+            <a:pPr lvl="1"/>
+            <a:r>
+              <a:rPr kumimoji="1" lang="en-US" altLang="zh-CN"/>
+              <a:t>hw2-bundle-svd-pca-latent-recom/</a:t>
+            </a:r>
+            <a:endParaRPr kumimoji="1" lang="en-US" altLang="zh-CN" dirty="0"/>
+          </a:p>
+        </p:txBody>
+      </p:sp>
+    </p:spTree>
+    <p:extLst>
+      <p:ext uri="{BB962C8B-B14F-4D97-AF65-F5344CB8AC3E}">
+        <p14:creationId xmlns:p14="http://schemas.microsoft.com/office/powerpoint/2010/main" val="2119042023"/>
       </p:ext>
     </p:extLst>
   </p:cSld>
@@ -7579,8 +10485,8 @@
         </p:nvSpPr>
         <p:spPr>
           <a:xfrm>
-            <a:off x="628650" y="1742105"/>
-            <a:ext cx="7886700" cy="4351338"/>
+            <a:off x="628650" y="1506071"/>
+            <a:ext cx="7886700" cy="4587372"/>
           </a:xfrm>
         </p:spPr>
         <p:txBody>
@@ -7597,7 +10503,7 @@
             <a:pPr lvl="1"/>
             <a:r>
               <a:rPr lang="zh-CN" altLang="en-US" dirty="0"/>
-              <a:t>找出规律，压缩数据量</a:t>
+              <a:t>找出规律，压缩数据量，模型更容易收敛，更不容易过拟合，性能更好</a:t>
             </a:r>
             <a:endParaRPr lang="en-US" altLang="zh-CN" dirty="0"/>
           </a:p>
@@ -7699,7 +10605,12 @@
             <p:ph type="title"/>
           </p:nvPr>
         </p:nvSpPr>
-        <p:spPr/>
+        <p:spPr>
+          <a:xfrm>
+            <a:off x="628650" y="412164"/>
+            <a:ext cx="7886700" cy="1325563"/>
+          </a:xfrm>
+        </p:spPr>
         <p:txBody>
           <a:bodyPr/>
           <a:lstStyle/>
@@ -7721,12 +10632,29 @@
             <p:ph idx="1"/>
           </p:nvPr>
         </p:nvSpPr>
-        <p:spPr/>
-        <p:txBody>
-          <a:bodyPr/>
-          <a:lstStyle/>
-          <a:p>
-            <a:endParaRPr lang="zh-CN" altLang="en-US"/>
+        <p:spPr>
+          <a:xfrm>
+            <a:off x="628650" y="5692463"/>
+            <a:ext cx="7886700" cy="923490"/>
+          </a:xfrm>
+        </p:spPr>
+        <p:txBody>
+          <a:bodyPr>
+            <a:normAutofit fontScale="92500" lnSpcReduction="10000"/>
+          </a:bodyPr>
+          <a:lstStyle/>
+          <a:p>
+            <a:r>
+              <a:rPr lang="zh-CN" altLang="en-US" dirty="0"/>
+              <a:t>把数据投影到一个方向上，方差最大</a:t>
+            </a:r>
+            <a:endParaRPr lang="en-US" altLang="zh-CN" dirty="0"/>
+          </a:p>
+          <a:p>
+            <a:r>
+              <a:rPr lang="zh-CN" altLang="en-US" dirty="0"/>
+              <a:t>怎么找到这个方向？协方差矩阵的特征值分解</a:t>
+            </a:r>
           </a:p>
         </p:txBody>
       </p:sp>
@@ -7746,7 +10674,7 @@
         </p:blipFill>
         <p:spPr>
           <a:xfrm>
-            <a:off x="628650" y="2234177"/>
+            <a:off x="628650" y="1567201"/>
             <a:ext cx="7803392" cy="3269842"/>
           </a:xfrm>
           <a:prstGeom prst="rect">
@@ -7762,7 +10690,7 @@
         </p:nvSpPr>
         <p:spPr>
           <a:xfrm>
-            <a:off x="628650" y="5571805"/>
+            <a:off x="628650" y="4904829"/>
             <a:ext cx="2957861" cy="461665"/>
           </a:xfrm>
           <a:prstGeom prst="rect">
@@ -7807,7 +10735,7 @@
         </p:nvSpPr>
         <p:spPr>
           <a:xfrm>
-            <a:off x="4572000" y="5518359"/>
+            <a:off x="4572000" y="4851383"/>
             <a:ext cx="2957861" cy="461665"/>
           </a:xfrm>
           <a:prstGeom prst="rect">
@@ -7876,7 +10804,13 @@
       </p:grpSpPr>
       <p:sp>
         <p:nvSpPr>
-          <p:cNvPr id="2" name="标题 1"/>
+          <p:cNvPr id="2" name="标题 1">
+            <a:extLst>
+              <a:ext uri="{FF2B5EF4-FFF2-40B4-BE49-F238E27FC236}">
+                <a16:creationId xmlns:a16="http://schemas.microsoft.com/office/drawing/2014/main" id="{69F3A55B-8A2C-D846-B09D-67ADD96ADA8D}"/>
+              </a:ext>
+            </a:extLst>
+          </p:cNvPr>
           <p:cNvSpPr>
             <a:spLocks noGrp="1"/>
           </p:cNvSpPr>
@@ -7890,15 +10824,37 @@
           <a:lstStyle/>
           <a:p>
             <a:r>
-              <a:rPr lang="zh-CN" altLang="en-US" dirty="0"/>
-              <a:t>内容</a:t>
-            </a:r>
-          </a:p>
-        </p:txBody>
-      </p:sp>
-      <p:sp>
-        <p:nvSpPr>
-          <p:cNvPr id="3" name="内容占位符 2"/>
+              <a:rPr kumimoji="1" lang="zh-CN" altLang="en-US" dirty="0"/>
+              <a:t>数据矩阵</a:t>
+            </a:r>
+            <a:r>
+              <a:rPr kumimoji="1" lang="en-US" altLang="zh-CN" dirty="0"/>
+              <a:t>X</a:t>
+            </a:r>
+            <a:r>
+              <a:rPr kumimoji="1" lang="zh-CN" altLang="en-US" dirty="0"/>
+              <a:t>在向量</a:t>
+            </a:r>
+            <a:r>
+              <a:rPr kumimoji="1" lang="en-US" altLang="zh-CN" dirty="0"/>
+              <a:t>v</a:t>
+            </a:r>
+            <a:r>
+              <a:rPr kumimoji="1" lang="zh-CN" altLang="en-US" dirty="0"/>
+              <a:t>上投影的数学描述</a:t>
+            </a:r>
+          </a:p>
+        </p:txBody>
+      </p:sp>
+      <p:sp>
+        <p:nvSpPr>
+          <p:cNvPr id="3" name="内容占位符 2">
+            <a:extLst>
+              <a:ext uri="{FF2B5EF4-FFF2-40B4-BE49-F238E27FC236}">
+                <a16:creationId xmlns:a16="http://schemas.microsoft.com/office/drawing/2014/main" id="{7689CACB-4E68-2645-AA8C-E335114F3FAB}"/>
+              </a:ext>
+            </a:extLst>
+          </p:cNvPr>
           <p:cNvSpPr>
             <a:spLocks noGrp="1"/>
           </p:cNvSpPr>
@@ -7914,56 +10870,111 @@
           <a:lstStyle/>
           <a:p>
             <a:r>
+              <a:rPr kumimoji="1" lang="zh-CN" altLang="en-US" dirty="0"/>
+              <a:t>从 随机变量 到 随机向量</a:t>
+            </a:r>
+            <a:endParaRPr kumimoji="1" lang="en-US" altLang="zh-CN" dirty="0"/>
+          </a:p>
+          <a:p>
+            <a:pPr lvl="1"/>
+            <a:r>
+              <a:rPr kumimoji="1" lang="zh-CN" altLang="en-US" dirty="0"/>
+              <a:t>测量的多维数据</a:t>
+            </a:r>
+            <a:endParaRPr kumimoji="1" lang="en-US" altLang="zh-CN" dirty="0"/>
+          </a:p>
+          <a:p>
+            <a:pPr lvl="1"/>
+            <a:r>
+              <a:rPr kumimoji="1" lang="zh-CN" altLang="en-US" dirty="0"/>
+              <a:t>每一维，是一个随机变量</a:t>
+            </a:r>
+            <a:endParaRPr kumimoji="1" lang="en-US" altLang="zh-CN" dirty="0"/>
+          </a:p>
+          <a:p>
+            <a:pPr lvl="1"/>
+            <a:r>
+              <a:rPr kumimoji="1" lang="zh-CN" altLang="en-US" dirty="0"/>
+              <a:t>整个数据：</a:t>
+            </a:r>
+            <a:r>
+              <a:rPr kumimoji="1" lang="zh-CN" altLang="en-US" dirty="0">
+                <a:solidFill>
+                  <a:srgbClr val="FF0000"/>
+                </a:solidFill>
+              </a:rPr>
+              <a:t>随机向量</a:t>
+            </a:r>
+            <a:endParaRPr kumimoji="1" lang="en-US" altLang="zh-CN" dirty="0">
+              <a:solidFill>
+                <a:srgbClr val="FF0000"/>
+              </a:solidFill>
+            </a:endParaRPr>
+          </a:p>
+          <a:p>
+            <a:r>
               <a:rPr lang="zh-CN" altLang="en-US" dirty="0"/>
-              <a:t>特征值与特征向量</a:t>
+              <a:t>向量 </a:t>
+            </a:r>
+            <a:r>
+              <a:rPr lang="en-US" altLang="zh-CN" dirty="0"/>
+              <a:t>v </a:t>
+            </a:r>
+            <a:r>
+              <a:rPr lang="zh-CN" altLang="en-US" dirty="0"/>
+              <a:t>和 随机向量 </a:t>
+            </a:r>
+            <a:r>
+              <a:rPr lang="en-US" altLang="zh-CN" dirty="0"/>
+              <a:t>X </a:t>
+            </a:r>
+            <a:r>
+              <a:rPr lang="zh-CN" altLang="en-US" dirty="0"/>
+              <a:t>的 乘积，得到另一个随机变量</a:t>
             </a:r>
             <a:endParaRPr lang="en-US" altLang="zh-CN" dirty="0"/>
           </a:p>
           <a:p>
-            <a:r>
-              <a:rPr lang="en-US" altLang="zh-CN" dirty="0"/>
-              <a:t>PCA</a:t>
-            </a:r>
+            <a:pPr lvl="1"/>
+            <a:r>
+              <a:rPr kumimoji="1" lang="zh-CN" altLang="en-US" dirty="0"/>
+              <a:t>对测量的多维数据</a:t>
+            </a:r>
+            <a:endParaRPr kumimoji="1" lang="en-US" altLang="zh-CN" dirty="0"/>
+          </a:p>
+          <a:p>
+            <a:pPr lvl="1"/>
             <a:r>
               <a:rPr lang="zh-CN" altLang="en-US" dirty="0"/>
-              <a:t>（主元素分析）</a:t>
-            </a:r>
-            <a:r>
-              <a:rPr lang="en-US" altLang="zh-CN" dirty="0"/>
-              <a:t>Principal-Component Analysis</a:t>
-            </a:r>
-          </a:p>
-          <a:p>
-            <a:r>
-              <a:rPr lang="en-US" altLang="zh-CN" dirty="0"/>
-              <a:t>SVD</a:t>
-            </a:r>
-            <a:r>
-              <a:rPr lang="zh-CN" altLang="en-US" dirty="0"/>
-              <a:t>（奇异值分解）</a:t>
-            </a:r>
-            <a:r>
-              <a:rPr lang="en-US" altLang="zh-CN" dirty="0"/>
-              <a:t>Singular-Value Decomposition</a:t>
-            </a:r>
-          </a:p>
-          <a:p>
-            <a:r>
-              <a:rPr lang="en-US" altLang="zh-CN" dirty="0"/>
-              <a:t>CUR</a:t>
-            </a:r>
-            <a:r>
-              <a:rPr lang="zh-CN" altLang="en-US" dirty="0"/>
-              <a:t>分解</a:t>
+              <a:t>相当于每个样本，得到原始特征的加权线性组合值</a:t>
             </a:r>
             <a:endParaRPr lang="en-US" altLang="zh-CN" dirty="0"/>
+          </a:p>
+          <a:p>
+            <a:pPr lvl="2"/>
+            <a:r>
+              <a:rPr kumimoji="1" lang="en-US" altLang="zh-CN" dirty="0"/>
+              <a:t>v</a:t>
+            </a:r>
+            <a:r>
+              <a:rPr kumimoji="1" lang="zh-CN" altLang="en-US" dirty="0"/>
+              <a:t>：权重，</a:t>
+            </a:r>
+            <a:r>
+              <a:rPr kumimoji="1" lang="en-US" altLang="zh-CN" dirty="0"/>
+              <a:t>X</a:t>
+            </a:r>
+            <a:r>
+              <a:rPr kumimoji="1" lang="zh-CN" altLang="en-US" dirty="0"/>
+              <a:t>：原始特征</a:t>
+            </a:r>
           </a:p>
         </p:txBody>
       </p:sp>
     </p:spTree>
     <p:extLst>
       <p:ext uri="{BB962C8B-B14F-4D97-AF65-F5344CB8AC3E}">
-        <p14:creationId xmlns:p14="http://schemas.microsoft.com/office/powerpoint/2010/main" val="1536215030"/>
+        <p14:creationId xmlns:p14="http://schemas.microsoft.com/office/powerpoint/2010/main" val="3798406807"/>
       </p:ext>
     </p:extLst>
   </p:cSld>
@@ -7992,7 +11003,13 @@
       </p:grpSpPr>
       <p:sp>
         <p:nvSpPr>
-          <p:cNvPr id="2" name="标题 1"/>
+          <p:cNvPr id="2" name="标题 1">
+            <a:extLst>
+              <a:ext uri="{FF2B5EF4-FFF2-40B4-BE49-F238E27FC236}">
+                <a16:creationId xmlns:a16="http://schemas.microsoft.com/office/drawing/2014/main" id="{761A76BB-6295-4D4C-98B8-09FACC02895F}"/>
+              </a:ext>
+            </a:extLst>
+          </p:cNvPr>
           <p:cNvSpPr>
             <a:spLocks noGrp="1"/>
           </p:cNvSpPr>
@@ -8006,35 +11023,223 @@
           <a:lstStyle/>
           <a:p>
             <a:r>
-              <a:rPr lang="zh-CN" altLang="en-US" dirty="0"/>
-              <a:t>特征值与特征向量</a:t>
-            </a:r>
-          </a:p>
-        </p:txBody>
-      </p:sp>
-      <p:sp>
-        <p:nvSpPr>
-          <p:cNvPr id="3" name="文本占位符 2"/>
-          <p:cNvSpPr>
-            <a:spLocks noGrp="1"/>
-          </p:cNvSpPr>
-          <p:nvPr>
-            <p:ph type="body" idx="1"/>
+              <a:rPr kumimoji="1" lang="zh-CN" altLang="en-US" dirty="0"/>
+              <a:t>数据矩阵</a:t>
+            </a:r>
+            <a:r>
+              <a:rPr kumimoji="1" lang="en-US" altLang="zh-CN" dirty="0"/>
+              <a:t>x</a:t>
+            </a:r>
+            <a:r>
+              <a:rPr kumimoji="1" lang="zh-CN" altLang="en-US" dirty="0"/>
+              <a:t>在向量</a:t>
+            </a:r>
+            <a:r>
+              <a:rPr kumimoji="1" lang="en-US" altLang="zh-CN" dirty="0"/>
+              <a:t>v</a:t>
+            </a:r>
+            <a:r>
+              <a:rPr kumimoji="1" lang="zh-CN" altLang="en-US" dirty="0"/>
+              <a:t>上投影的数学描述</a:t>
+            </a:r>
+          </a:p>
+        </p:txBody>
+      </p:sp>
+      <p:sp>
+        <p:nvSpPr>
+          <p:cNvPr id="3" name="内容占位符 2">
+            <a:extLst>
+              <a:ext uri="{FF2B5EF4-FFF2-40B4-BE49-F238E27FC236}">
+                <a16:creationId xmlns:a16="http://schemas.microsoft.com/office/drawing/2014/main" id="{24795F04-108C-494A-BD3D-FBB9188A7F06}"/>
+              </a:ext>
+            </a:extLst>
+          </p:cNvPr>
+          <p:cNvSpPr>
+            <a:spLocks noGrp="1"/>
+          </p:cNvSpPr>
+          <p:nvPr>
+            <p:ph idx="1"/>
           </p:nvPr>
         </p:nvSpPr>
         <p:spPr/>
         <p:txBody>
-          <a:bodyPr/>
-          <a:lstStyle/>
-          <a:p>
-            <a:endParaRPr lang="zh-CN" altLang="en-US" dirty="0"/>
+          <a:bodyPr>
+            <a:normAutofit/>
+          </a:bodyPr>
+          <a:lstStyle/>
+          <a:p>
+            <a:r>
+              <a:rPr kumimoji="1" lang="en-US" altLang="zh-CN" sz="3000" dirty="0"/>
+              <a:t>X</a:t>
+            </a:r>
+            <a:r>
+              <a:rPr kumimoji="1" lang="zh-CN" altLang="en-US" sz="3000" dirty="0"/>
+              <a:t>中样本归一化后与</a:t>
+            </a:r>
+            <a:r>
+              <a:rPr kumimoji="1" lang="en-US" altLang="zh-CN" sz="3000" dirty="0"/>
+              <a:t>v</a:t>
+            </a:r>
+            <a:r>
+              <a:rPr kumimoji="1" lang="zh-CN" altLang="en-US" sz="3000" dirty="0"/>
+              <a:t>的乘积，相当于 </a:t>
+            </a:r>
+            <a:r>
+              <a:rPr kumimoji="1" lang="en-US" altLang="zh-CN" sz="3000" dirty="0"/>
+              <a:t>v</a:t>
+            </a:r>
+            <a:r>
+              <a:rPr kumimoji="1" lang="zh-CN" altLang="en-US" sz="3000" dirty="0"/>
+              <a:t> 与 </a:t>
+            </a:r>
+            <a:r>
+              <a:rPr kumimoji="1" lang="en-US" altLang="zh-CN" sz="3000" dirty="0"/>
+              <a:t>X</a:t>
+            </a:r>
+            <a:r>
+              <a:rPr kumimoji="1" lang="zh-CN" altLang="en-US" sz="3000" dirty="0"/>
+              <a:t> 中的各样本向量（如 </a:t>
+            </a:r>
+            <a:r>
+              <a:rPr kumimoji="1" lang="en-US" altLang="zh-CN" sz="3000" dirty="0"/>
+              <a:t>x</a:t>
+            </a:r>
+            <a:r>
+              <a:rPr kumimoji="1" lang="zh-CN" altLang="en-US" sz="3000" dirty="0"/>
+              <a:t>）的 </a:t>
+            </a:r>
+            <a:r>
+              <a:rPr kumimoji="1" lang="zh-CN" altLang="en-US" sz="3000" dirty="0">
+                <a:solidFill>
+                  <a:srgbClr val="FF0000"/>
+                </a:solidFill>
+              </a:rPr>
+              <a:t>点积</a:t>
+            </a:r>
+            <a:endParaRPr kumimoji="1" lang="en-US" altLang="zh-CN" sz="3000" dirty="0">
+              <a:solidFill>
+                <a:srgbClr val="FF0000"/>
+              </a:solidFill>
+            </a:endParaRPr>
+          </a:p>
+          <a:p>
+            <a:r>
+              <a:rPr kumimoji="1" lang="zh-CN" altLang="en-US" sz="3000" dirty="0"/>
+              <a:t>点积 的 几何解释</a:t>
+            </a:r>
+            <a:endParaRPr kumimoji="1" lang="en-US" altLang="zh-CN" sz="3000" dirty="0"/>
+          </a:p>
+          <a:p>
+            <a:pPr lvl="1"/>
+            <a:r>
+              <a:rPr kumimoji="1" lang="zh-CN" altLang="en-US" sz="2700" dirty="0"/>
+              <a:t>投影</a:t>
+            </a:r>
+            <a:endParaRPr kumimoji="1" lang="en-US" altLang="zh-CN" sz="2700" dirty="0"/>
+          </a:p>
+          <a:p>
+            <a:pPr lvl="1"/>
+            <a:r>
+              <a:rPr kumimoji="1" lang="zh-CN" altLang="en-US" sz="2700" dirty="0"/>
+              <a:t>即：</a:t>
+            </a:r>
+            <a:r>
+              <a:rPr kumimoji="1" lang="en-US" altLang="zh-CN" sz="2700" dirty="0"/>
+              <a:t>x</a:t>
+            </a:r>
+            <a:r>
+              <a:rPr kumimoji="1" lang="zh-CN" altLang="en-US" sz="2700" dirty="0"/>
+              <a:t> 在 </a:t>
+            </a:r>
+            <a:r>
+              <a:rPr kumimoji="1" lang="en-US" altLang="zh-CN" sz="2700" dirty="0"/>
+              <a:t>v</a:t>
+            </a:r>
+            <a:r>
+              <a:rPr kumimoji="1" lang="zh-CN" altLang="en-US" sz="2700" dirty="0"/>
+              <a:t> 上 的 投影</a:t>
+            </a:r>
+            <a:endParaRPr kumimoji="1" lang="en-US" altLang="zh-CN" sz="2700" dirty="0"/>
+          </a:p>
+          <a:p>
+            <a:r>
+              <a:rPr lang="zh-CN" altLang="en-US" sz="3000" dirty="0"/>
+              <a:t>这个投影 的方差</a:t>
+            </a:r>
+            <a:r>
+              <a:rPr lang="en-US" altLang="zh-CN" sz="3000" dirty="0"/>
+              <a:t>:</a:t>
+            </a:r>
+          </a:p>
+          <a:p>
+            <a:pPr lvl="1"/>
+            <a:r>
+              <a:rPr lang="en-US" altLang="zh-CN" sz="2700" dirty="0" err="1">
+                <a:solidFill>
+                  <a:srgbClr val="FF0000"/>
+                </a:solidFill>
+              </a:rPr>
+              <a:t>v</a:t>
+            </a:r>
+            <a:r>
+              <a:rPr lang="en-US" altLang="zh-CN" sz="2700" baseline="30000" dirty="0" err="1">
+                <a:solidFill>
+                  <a:srgbClr val="FF0000"/>
+                </a:solidFill>
+              </a:rPr>
+              <a:t>T</a:t>
+            </a:r>
+            <a:r>
+              <a:rPr lang="en-US" altLang="zh-CN" sz="2700" dirty="0">
+                <a:solidFill>
+                  <a:srgbClr val="FF0000"/>
+                </a:solidFill>
+              </a:rPr>
+              <a:t> * sigma * v</a:t>
+            </a:r>
+          </a:p>
+          <a:p>
+            <a:pPr lvl="1"/>
+            <a:r>
+              <a:rPr kumimoji="1" lang="en-US" altLang="zh-CN" dirty="0">
+                <a:solidFill>
+                  <a:srgbClr val="FF0000"/>
+                </a:solidFill>
+              </a:rPr>
+              <a:t>sigma</a:t>
+            </a:r>
+            <a:r>
+              <a:rPr kumimoji="1" lang="zh-CN" altLang="en-US" dirty="0">
+                <a:solidFill>
+                  <a:srgbClr val="FF0000"/>
+                </a:solidFill>
+              </a:rPr>
+              <a:t>：</a:t>
+            </a:r>
+            <a:r>
+              <a:rPr kumimoji="1" lang="en-US" altLang="zh-CN" dirty="0"/>
+              <a:t>X</a:t>
+            </a:r>
+            <a:r>
+              <a:rPr kumimoji="1" lang="zh-CN" altLang="en-US" dirty="0"/>
+              <a:t> 的 协方差矩阵，描述了各维向量进行线性组合的方差</a:t>
+            </a:r>
+            <a:endParaRPr kumimoji="1" lang="en-US" altLang="zh-CN" dirty="0"/>
+          </a:p>
+          <a:p>
+            <a:pPr lvl="1"/>
+            <a:endParaRPr kumimoji="1" lang="zh-CN" altLang="en-US" sz="2700" dirty="0">
+              <a:solidFill>
+                <a:srgbClr val="FF0000"/>
+              </a:solidFill>
+            </a:endParaRPr>
           </a:p>
         </p:txBody>
       </p:sp>
     </p:spTree>
     <p:extLst>
       <p:ext uri="{BB962C8B-B14F-4D97-AF65-F5344CB8AC3E}">
-        <p14:creationId xmlns:p14="http://schemas.microsoft.com/office/powerpoint/2010/main" val="972836973"/>
+        <p14:creationId xmlns:p14="http://schemas.microsoft.com/office/powerpoint/2010/main" val="1178406198"/>
       </p:ext>
     </p:extLst>
   </p:cSld>
@@ -8063,7 +11268,13 @@
       </p:grpSpPr>
       <p:sp>
         <p:nvSpPr>
-          <p:cNvPr id="2" name="标题 1"/>
+          <p:cNvPr id="2" name="标题 1">
+            <a:extLst>
+              <a:ext uri="{FF2B5EF4-FFF2-40B4-BE49-F238E27FC236}">
+                <a16:creationId xmlns:a16="http://schemas.microsoft.com/office/drawing/2014/main" id="{CA2668E9-65EE-D240-9F3F-23AA5E7FE299}"/>
+              </a:ext>
+            </a:extLst>
+          </p:cNvPr>
           <p:cNvSpPr>
             <a:spLocks noGrp="1"/>
           </p:cNvSpPr>
@@ -8077,15 +11288,21 @@
           <a:lstStyle/>
           <a:p>
             <a:r>
-              <a:rPr lang="zh-CN" altLang="en-US" dirty="0"/>
-              <a:t>特征值与特征向量</a:t>
-            </a:r>
-          </a:p>
-        </p:txBody>
-      </p:sp>
-      <p:sp>
-        <p:nvSpPr>
-          <p:cNvPr id="3" name="内容占位符 2"/>
+              <a:rPr kumimoji="1" lang="zh-CN" altLang="en-US" dirty="0"/>
+              <a:t>投影方差与协方差矩阵的关系</a:t>
+            </a:r>
+          </a:p>
+        </p:txBody>
+      </p:sp>
+      <p:sp>
+        <p:nvSpPr>
+          <p:cNvPr id="3" name="内容占位符 2">
+            <a:extLst>
+              <a:ext uri="{FF2B5EF4-FFF2-40B4-BE49-F238E27FC236}">
+                <a16:creationId xmlns:a16="http://schemas.microsoft.com/office/drawing/2014/main" id="{1ADDC8DE-433C-7C48-9F18-EFEC147F0E89}"/>
+              </a:ext>
+            </a:extLst>
+          </p:cNvPr>
           <p:cNvSpPr>
             <a:spLocks noGrp="1"/>
           </p:cNvSpPr>
@@ -8099,50 +11316,119 @@
           <a:lstStyle/>
           <a:p>
             <a:r>
-              <a:rPr lang="zh-CN" altLang="en-US" dirty="0"/>
-              <a:t>定义</a:t>
-            </a:r>
-            <a:endParaRPr lang="en-US" altLang="zh-CN" dirty="0"/>
-          </a:p>
-          <a:p>
-            <a:r>
-              <a:rPr lang="zh-CN" altLang="en-US" dirty="0"/>
-              <a:t>计算方法</a:t>
-            </a:r>
-            <a:endParaRPr lang="en-US" altLang="zh-CN" dirty="0"/>
-          </a:p>
-          <a:p>
-            <a:r>
-              <a:rPr lang="en-US" altLang="zh-CN" dirty="0"/>
-              <a:t>Power Iteration</a:t>
-            </a:r>
-            <a:r>
-              <a:rPr lang="zh-CN" altLang="en-US" dirty="0"/>
-              <a:t>寻找特征对（</a:t>
-            </a:r>
-            <a:r>
-              <a:rPr lang="en-US" altLang="zh-CN" dirty="0" err="1"/>
-              <a:t>Eigenpairs</a:t>
-            </a:r>
-            <a:r>
-              <a:rPr lang="zh-CN" altLang="en-US" dirty="0"/>
-              <a:t>）</a:t>
-            </a:r>
-            <a:endParaRPr lang="en-US" altLang="zh-CN" dirty="0"/>
-          </a:p>
-          <a:p>
-            <a:r>
-              <a:rPr lang="zh-CN" altLang="en-US" dirty="0"/>
-              <a:t>特征向量矩阵</a:t>
-            </a:r>
-            <a:endParaRPr lang="en-US" altLang="zh-CN" dirty="0"/>
-          </a:p>
-        </p:txBody>
-      </p:sp>
+              <a:rPr kumimoji="1" lang="zh-CN" altLang="en-US" dirty="0"/>
+              <a:t>方差</a:t>
+            </a:r>
+            <a:endParaRPr kumimoji="1" lang="en-US" altLang="zh-CN" dirty="0"/>
+          </a:p>
+          <a:p>
+            <a:endParaRPr kumimoji="1" lang="en-US" altLang="zh-CN" dirty="0"/>
+          </a:p>
+          <a:p>
+            <a:endParaRPr kumimoji="1" lang="en-US" altLang="zh-CN" dirty="0"/>
+          </a:p>
+          <a:p>
+            <a:r>
+              <a:rPr kumimoji="1" lang="zh-CN" altLang="en-US" dirty="0"/>
+              <a:t>协方差</a:t>
+            </a:r>
+          </a:p>
+        </p:txBody>
+      </p:sp>
+      <p:pic>
+        <p:nvPicPr>
+          <p:cNvPr id="4" name="图片 3">
+            <a:extLst>
+              <a:ext uri="{FF2B5EF4-FFF2-40B4-BE49-F238E27FC236}">
+                <a16:creationId xmlns:a16="http://schemas.microsoft.com/office/drawing/2014/main" id="{8CBA2277-6E8C-6544-B8D5-7C52A846D835}"/>
+              </a:ext>
+            </a:extLst>
+          </p:cNvPr>
+          <p:cNvPicPr>
+            <a:picLocks noChangeAspect="1"/>
+          </p:cNvPicPr>
+          <p:nvPr/>
+        </p:nvPicPr>
+        <p:blipFill>
+          <a:blip r:embed="rId2"/>
+          <a:stretch>
+            <a:fillRect/>
+          </a:stretch>
+        </p:blipFill>
+        <p:spPr>
+          <a:xfrm>
+            <a:off x="2384136" y="2072648"/>
+            <a:ext cx="3661661" cy="1332789"/>
+          </a:xfrm>
+          <a:prstGeom prst="rect">
+            <a:avLst/>
+          </a:prstGeom>
+        </p:spPr>
+      </p:pic>
+      <p:pic>
+        <p:nvPicPr>
+          <p:cNvPr id="5" name="图片 4">
+            <a:extLst>
+              <a:ext uri="{FF2B5EF4-FFF2-40B4-BE49-F238E27FC236}">
+                <a16:creationId xmlns:a16="http://schemas.microsoft.com/office/drawing/2014/main" id="{E775A45C-9993-8B4B-A804-AE9A3873E61B}"/>
+              </a:ext>
+            </a:extLst>
+          </p:cNvPr>
+          <p:cNvPicPr>
+            <a:picLocks noChangeAspect="1"/>
+          </p:cNvPicPr>
+          <p:nvPr/>
+        </p:nvPicPr>
+        <p:blipFill>
+          <a:blip r:embed="rId3"/>
+          <a:stretch>
+            <a:fillRect/>
+          </a:stretch>
+        </p:blipFill>
+        <p:spPr>
+          <a:xfrm>
+            <a:off x="2238242" y="3472905"/>
+            <a:ext cx="6488001" cy="2115344"/>
+          </a:xfrm>
+          <a:prstGeom prst="rect">
+            <a:avLst/>
+          </a:prstGeom>
+        </p:spPr>
+      </p:pic>
+      <p:pic>
+        <p:nvPicPr>
+          <p:cNvPr id="6" name="图片 5">
+            <a:extLst>
+              <a:ext uri="{FF2B5EF4-FFF2-40B4-BE49-F238E27FC236}">
+                <a16:creationId xmlns:a16="http://schemas.microsoft.com/office/drawing/2014/main" id="{AEC2707D-3EB1-0E44-83A2-88C59C91939E}"/>
+              </a:ext>
+            </a:extLst>
+          </p:cNvPr>
+          <p:cNvPicPr>
+            <a:picLocks noChangeAspect="1"/>
+          </p:cNvPicPr>
+          <p:nvPr/>
+        </p:nvPicPr>
+        <p:blipFill>
+          <a:blip r:embed="rId4"/>
+          <a:stretch>
+            <a:fillRect/>
+          </a:stretch>
+        </p:blipFill>
+        <p:spPr>
+          <a:xfrm>
+            <a:off x="2384137" y="5843385"/>
+            <a:ext cx="2014608" cy="468513"/>
+          </a:xfrm>
+          <a:prstGeom prst="rect">
+            <a:avLst/>
+          </a:prstGeom>
+        </p:spPr>
+      </p:pic>
     </p:spTree>
     <p:extLst>
       <p:ext uri="{BB962C8B-B14F-4D97-AF65-F5344CB8AC3E}">
-        <p14:creationId xmlns:p14="http://schemas.microsoft.com/office/powerpoint/2010/main" val="609292440"/>
+        <p14:creationId xmlns:p14="http://schemas.microsoft.com/office/powerpoint/2010/main" val="985669172"/>
       </p:ext>
     </p:extLst>
   </p:cSld>
